--- a/Calendario2024/Presentaciones/13_QoS.pptx
+++ b/Calendario2024/Presentaciones/13_QoS.pptx
@@ -5,46 +5,45 @@
     <p:sldMasterId id="2147483648" r:id="rId1"/>
   </p:sldMasterIdLst>
   <p:notesMasterIdLst>
-    <p:notesMasterId r:id="rId39"/>
+    <p:notesMasterId r:id="rId38"/>
   </p:notesMasterIdLst>
   <p:sldIdLst>
     <p:sldId id="379" r:id="rId2"/>
     <p:sldId id="493" r:id="rId3"/>
     <p:sldId id="1194" r:id="rId4"/>
     <p:sldId id="1235" r:id="rId5"/>
-    <p:sldId id="1236" r:id="rId6"/>
-    <p:sldId id="1238" r:id="rId7"/>
-    <p:sldId id="1240" r:id="rId8"/>
-    <p:sldId id="1241" r:id="rId9"/>
-    <p:sldId id="1242" r:id="rId10"/>
-    <p:sldId id="1243" r:id="rId11"/>
-    <p:sldId id="1244" r:id="rId12"/>
-    <p:sldId id="1276" r:id="rId13"/>
-    <p:sldId id="1245" r:id="rId14"/>
-    <p:sldId id="1248" r:id="rId15"/>
-    <p:sldId id="1246" r:id="rId16"/>
-    <p:sldId id="1247" r:id="rId17"/>
-    <p:sldId id="1251" r:id="rId18"/>
-    <p:sldId id="1250" r:id="rId19"/>
-    <p:sldId id="1252" r:id="rId20"/>
-    <p:sldId id="1253" r:id="rId21"/>
-    <p:sldId id="1254" r:id="rId22"/>
-    <p:sldId id="1255" r:id="rId23"/>
-    <p:sldId id="1257" r:id="rId24"/>
-    <p:sldId id="1258" r:id="rId25"/>
-    <p:sldId id="1259" r:id="rId26"/>
-    <p:sldId id="1260" r:id="rId27"/>
-    <p:sldId id="1263" r:id="rId28"/>
-    <p:sldId id="1264" r:id="rId29"/>
-    <p:sldId id="1265" r:id="rId30"/>
-    <p:sldId id="1269" r:id="rId31"/>
-    <p:sldId id="1268" r:id="rId32"/>
-    <p:sldId id="1270" r:id="rId33"/>
-    <p:sldId id="1271" r:id="rId34"/>
-    <p:sldId id="1274" r:id="rId35"/>
-    <p:sldId id="1272" r:id="rId36"/>
-    <p:sldId id="1273" r:id="rId37"/>
-    <p:sldId id="1275" r:id="rId38"/>
+    <p:sldId id="1238" r:id="rId6"/>
+    <p:sldId id="1240" r:id="rId7"/>
+    <p:sldId id="1241" r:id="rId8"/>
+    <p:sldId id="1242" r:id="rId9"/>
+    <p:sldId id="1243" r:id="rId10"/>
+    <p:sldId id="1244" r:id="rId11"/>
+    <p:sldId id="1276" r:id="rId12"/>
+    <p:sldId id="1245" r:id="rId13"/>
+    <p:sldId id="1248" r:id="rId14"/>
+    <p:sldId id="1246" r:id="rId15"/>
+    <p:sldId id="1247" r:id="rId16"/>
+    <p:sldId id="1251" r:id="rId17"/>
+    <p:sldId id="1250" r:id="rId18"/>
+    <p:sldId id="1252" r:id="rId19"/>
+    <p:sldId id="1253" r:id="rId20"/>
+    <p:sldId id="1254" r:id="rId21"/>
+    <p:sldId id="1255" r:id="rId22"/>
+    <p:sldId id="1257" r:id="rId23"/>
+    <p:sldId id="1258" r:id="rId24"/>
+    <p:sldId id="1259" r:id="rId25"/>
+    <p:sldId id="1260" r:id="rId26"/>
+    <p:sldId id="1263" r:id="rId27"/>
+    <p:sldId id="1264" r:id="rId28"/>
+    <p:sldId id="1265" r:id="rId29"/>
+    <p:sldId id="1269" r:id="rId30"/>
+    <p:sldId id="1268" r:id="rId31"/>
+    <p:sldId id="1270" r:id="rId32"/>
+    <p:sldId id="1271" r:id="rId33"/>
+    <p:sldId id="1274" r:id="rId34"/>
+    <p:sldId id="1272" r:id="rId35"/>
+    <p:sldId id="1273" r:id="rId36"/>
+    <p:sldId id="1275" r:id="rId37"/>
   </p:sldIdLst>
   <p:sldSz cx="9144000" cy="6858000" type="screen4x3"/>
   <p:notesSz cx="6858000" cy="9144000"/>
@@ -244,7 +243,7 @@
           <a:p>
             <a:fld id="{2D445F07-8756-451B-A938-0248325FC7BB}" type="datetimeFigureOut">
               <a:rPr lang="es-MX" smtClean="0"/>
-              <a:t>27/04/2023</a:t>
+              <a:t>29/04/2024</a:t>
             </a:fld>
             <a:endParaRPr lang="es-MX" dirty="0"/>
           </a:p>
@@ -403,7 +402,7 @@
           <a:p>
             <a:fld id="{5993AEC0-242E-4FA7-9D3C-51E1036AC3CB}" type="slidenum">
               <a:rPr lang="es-MX" smtClean="0"/>
-              <a:t>‹Nº›</a:t>
+              <a:t>‹#›</a:t>
             </a:fld>
             <a:endParaRPr lang="es-MX" dirty="0"/>
           </a:p>
@@ -670,7 +669,7 @@
     </p:spTree>
     <p:extLst>
       <p:ext uri="{BB962C8B-B14F-4D97-AF65-F5344CB8AC3E}">
-        <p14:creationId xmlns:p14="http://schemas.microsoft.com/office/powerpoint/2010/main" val="2929658784"/>
+        <p14:creationId xmlns:p14="http://schemas.microsoft.com/office/powerpoint/2010/main" val="2310935255"/>
       </p:ext>
     </p:extLst>
   </p:cSld>
@@ -754,7 +753,7 @@
     </p:spTree>
     <p:extLst>
       <p:ext uri="{BB962C8B-B14F-4D97-AF65-F5344CB8AC3E}">
-        <p14:creationId xmlns:p14="http://schemas.microsoft.com/office/powerpoint/2010/main" val="2310935255"/>
+        <p14:creationId xmlns:p14="http://schemas.microsoft.com/office/powerpoint/2010/main" val="3860137921"/>
       </p:ext>
     </p:extLst>
   </p:cSld>
@@ -838,7 +837,7 @@
     </p:spTree>
     <p:extLst>
       <p:ext uri="{BB962C8B-B14F-4D97-AF65-F5344CB8AC3E}">
-        <p14:creationId xmlns:p14="http://schemas.microsoft.com/office/powerpoint/2010/main" val="3860137921"/>
+        <p14:creationId xmlns:p14="http://schemas.microsoft.com/office/powerpoint/2010/main" val="3608655254"/>
       </p:ext>
     </p:extLst>
   </p:cSld>
@@ -922,7 +921,7 @@
     </p:spTree>
     <p:extLst>
       <p:ext uri="{BB962C8B-B14F-4D97-AF65-F5344CB8AC3E}">
-        <p14:creationId xmlns:p14="http://schemas.microsoft.com/office/powerpoint/2010/main" val="3608655254"/>
+        <p14:creationId xmlns:p14="http://schemas.microsoft.com/office/powerpoint/2010/main" val="2822468311"/>
       </p:ext>
     </p:extLst>
   </p:cSld>
@@ -1006,7 +1005,7 @@
     </p:spTree>
     <p:extLst>
       <p:ext uri="{BB962C8B-B14F-4D97-AF65-F5344CB8AC3E}">
-        <p14:creationId xmlns:p14="http://schemas.microsoft.com/office/powerpoint/2010/main" val="2822468311"/>
+        <p14:creationId xmlns:p14="http://schemas.microsoft.com/office/powerpoint/2010/main" val="323028133"/>
       </p:ext>
     </p:extLst>
   </p:cSld>
@@ -1090,7 +1089,7 @@
     </p:spTree>
     <p:extLst>
       <p:ext uri="{BB962C8B-B14F-4D97-AF65-F5344CB8AC3E}">
-        <p14:creationId xmlns:p14="http://schemas.microsoft.com/office/powerpoint/2010/main" val="323028133"/>
+        <p14:creationId xmlns:p14="http://schemas.microsoft.com/office/powerpoint/2010/main" val="1980204064"/>
       </p:ext>
     </p:extLst>
   </p:cSld>
@@ -1174,7 +1173,7 @@
     </p:spTree>
     <p:extLst>
       <p:ext uri="{BB962C8B-B14F-4D97-AF65-F5344CB8AC3E}">
-        <p14:creationId xmlns:p14="http://schemas.microsoft.com/office/powerpoint/2010/main" val="1980204064"/>
+        <p14:creationId xmlns:p14="http://schemas.microsoft.com/office/powerpoint/2010/main" val="1281391939"/>
       </p:ext>
     </p:extLst>
   </p:cSld>
@@ -1258,7 +1257,7 @@
     </p:spTree>
     <p:extLst>
       <p:ext uri="{BB962C8B-B14F-4D97-AF65-F5344CB8AC3E}">
-        <p14:creationId xmlns:p14="http://schemas.microsoft.com/office/powerpoint/2010/main" val="1281391939"/>
+        <p14:creationId xmlns:p14="http://schemas.microsoft.com/office/powerpoint/2010/main" val="2086041061"/>
       </p:ext>
     </p:extLst>
   </p:cSld>
@@ -1342,7 +1341,7 @@
     </p:spTree>
     <p:extLst>
       <p:ext uri="{BB962C8B-B14F-4D97-AF65-F5344CB8AC3E}">
-        <p14:creationId xmlns:p14="http://schemas.microsoft.com/office/powerpoint/2010/main" val="2086041061"/>
+        <p14:creationId xmlns:p14="http://schemas.microsoft.com/office/powerpoint/2010/main" val="394912259"/>
       </p:ext>
     </p:extLst>
   </p:cSld>
@@ -1426,7 +1425,7 @@
     </p:spTree>
     <p:extLst>
       <p:ext uri="{BB962C8B-B14F-4D97-AF65-F5344CB8AC3E}">
-        <p14:creationId xmlns:p14="http://schemas.microsoft.com/office/powerpoint/2010/main" val="394912259"/>
+        <p14:creationId xmlns:p14="http://schemas.microsoft.com/office/powerpoint/2010/main" val="504869384"/>
       </p:ext>
     </p:extLst>
   </p:cSld>
@@ -1594,7 +1593,7 @@
     </p:spTree>
     <p:extLst>
       <p:ext uri="{BB962C8B-B14F-4D97-AF65-F5344CB8AC3E}">
-        <p14:creationId xmlns:p14="http://schemas.microsoft.com/office/powerpoint/2010/main" val="504869384"/>
+        <p14:creationId xmlns:p14="http://schemas.microsoft.com/office/powerpoint/2010/main" val="1150545563"/>
       </p:ext>
     </p:extLst>
   </p:cSld>
@@ -1678,7 +1677,7 @@
     </p:spTree>
     <p:extLst>
       <p:ext uri="{BB962C8B-B14F-4D97-AF65-F5344CB8AC3E}">
-        <p14:creationId xmlns:p14="http://schemas.microsoft.com/office/powerpoint/2010/main" val="1150545563"/>
+        <p14:creationId xmlns:p14="http://schemas.microsoft.com/office/powerpoint/2010/main" val="2973476796"/>
       </p:ext>
     </p:extLst>
   </p:cSld>
@@ -1753,7 +1752,7 @@
           <a:p>
             <a:fld id="{5641018C-6CAF-B84E-B92C-ECB119457FBA}" type="slidenum">
               <a:rPr lang="en-US" smtClean="0"/>
-              <a:t>24</a:t>
+              <a:t>25</a:t>
             </a:fld>
             <a:endParaRPr lang="en-US" dirty="0"/>
           </a:p>
@@ -1762,7 +1761,7 @@
     </p:spTree>
     <p:extLst>
       <p:ext uri="{BB962C8B-B14F-4D97-AF65-F5344CB8AC3E}">
-        <p14:creationId xmlns:p14="http://schemas.microsoft.com/office/powerpoint/2010/main" val="2973476796"/>
+        <p14:creationId xmlns:p14="http://schemas.microsoft.com/office/powerpoint/2010/main" val="2644084006"/>
       </p:ext>
     </p:extLst>
   </p:cSld>
@@ -1846,7 +1845,7 @@
     </p:spTree>
     <p:extLst>
       <p:ext uri="{BB962C8B-B14F-4D97-AF65-F5344CB8AC3E}">
-        <p14:creationId xmlns:p14="http://schemas.microsoft.com/office/powerpoint/2010/main" val="2644084006"/>
+        <p14:creationId xmlns:p14="http://schemas.microsoft.com/office/powerpoint/2010/main" val="1306764172"/>
       </p:ext>
     </p:extLst>
   </p:cSld>
@@ -1930,7 +1929,7 @@
     </p:spTree>
     <p:extLst>
       <p:ext uri="{BB962C8B-B14F-4D97-AF65-F5344CB8AC3E}">
-        <p14:creationId xmlns:p14="http://schemas.microsoft.com/office/powerpoint/2010/main" val="1306764172"/>
+        <p14:creationId xmlns:p14="http://schemas.microsoft.com/office/powerpoint/2010/main" val="403880143"/>
       </p:ext>
     </p:extLst>
   </p:cSld>
@@ -2014,7 +2013,7 @@
     </p:spTree>
     <p:extLst>
       <p:ext uri="{BB962C8B-B14F-4D97-AF65-F5344CB8AC3E}">
-        <p14:creationId xmlns:p14="http://schemas.microsoft.com/office/powerpoint/2010/main" val="403880143"/>
+        <p14:creationId xmlns:p14="http://schemas.microsoft.com/office/powerpoint/2010/main" val="1733043944"/>
       </p:ext>
     </p:extLst>
   </p:cSld>
@@ -2098,7 +2097,7 @@
     </p:spTree>
     <p:extLst>
       <p:ext uri="{BB962C8B-B14F-4D97-AF65-F5344CB8AC3E}">
-        <p14:creationId xmlns:p14="http://schemas.microsoft.com/office/powerpoint/2010/main" val="1733043944"/>
+        <p14:creationId xmlns:p14="http://schemas.microsoft.com/office/powerpoint/2010/main" val="4275122519"/>
       </p:ext>
     </p:extLst>
   </p:cSld>
@@ -2182,7 +2181,7 @@
     </p:spTree>
     <p:extLst>
       <p:ext uri="{BB962C8B-B14F-4D97-AF65-F5344CB8AC3E}">
-        <p14:creationId xmlns:p14="http://schemas.microsoft.com/office/powerpoint/2010/main" val="4275122519"/>
+        <p14:creationId xmlns:p14="http://schemas.microsoft.com/office/powerpoint/2010/main" val="1716839726"/>
       </p:ext>
     </p:extLst>
   </p:cSld>
@@ -2266,7 +2265,7 @@
     </p:spTree>
     <p:extLst>
       <p:ext uri="{BB962C8B-B14F-4D97-AF65-F5344CB8AC3E}">
-        <p14:creationId xmlns:p14="http://schemas.microsoft.com/office/powerpoint/2010/main" val="1716839726"/>
+        <p14:creationId xmlns:p14="http://schemas.microsoft.com/office/powerpoint/2010/main" val="233203746"/>
       </p:ext>
     </p:extLst>
   </p:cSld>
@@ -2350,7 +2349,7 @@
     </p:spTree>
     <p:extLst>
       <p:ext uri="{BB962C8B-B14F-4D97-AF65-F5344CB8AC3E}">
-        <p14:creationId xmlns:p14="http://schemas.microsoft.com/office/powerpoint/2010/main" val="233203746"/>
+        <p14:creationId xmlns:p14="http://schemas.microsoft.com/office/powerpoint/2010/main" val="2433778308"/>
       </p:ext>
     </p:extLst>
   </p:cSld>
@@ -2434,7 +2433,7 @@
     </p:spTree>
     <p:extLst>
       <p:ext uri="{BB962C8B-B14F-4D97-AF65-F5344CB8AC3E}">
-        <p14:creationId xmlns:p14="http://schemas.microsoft.com/office/powerpoint/2010/main" val="603921325"/>
+        <p14:creationId xmlns:p14="http://schemas.microsoft.com/office/powerpoint/2010/main" val="1220011153"/>
       </p:ext>
     </p:extLst>
   </p:cSld>
@@ -2518,7 +2517,7 @@
     </p:spTree>
     <p:extLst>
       <p:ext uri="{BB962C8B-B14F-4D97-AF65-F5344CB8AC3E}">
-        <p14:creationId xmlns:p14="http://schemas.microsoft.com/office/powerpoint/2010/main" val="2433778308"/>
+        <p14:creationId xmlns:p14="http://schemas.microsoft.com/office/powerpoint/2010/main" val="4047125594"/>
       </p:ext>
     </p:extLst>
   </p:cSld>
@@ -2602,7 +2601,7 @@
     </p:spTree>
     <p:extLst>
       <p:ext uri="{BB962C8B-B14F-4D97-AF65-F5344CB8AC3E}">
-        <p14:creationId xmlns:p14="http://schemas.microsoft.com/office/powerpoint/2010/main" val="4047125594"/>
+        <p14:creationId xmlns:p14="http://schemas.microsoft.com/office/powerpoint/2010/main" val="3686057752"/>
       </p:ext>
     </p:extLst>
   </p:cSld>
@@ -2686,7 +2685,7 @@
     </p:spTree>
     <p:extLst>
       <p:ext uri="{BB962C8B-B14F-4D97-AF65-F5344CB8AC3E}">
-        <p14:creationId xmlns:p14="http://schemas.microsoft.com/office/powerpoint/2010/main" val="3686057752"/>
+        <p14:creationId xmlns:p14="http://schemas.microsoft.com/office/powerpoint/2010/main" val="1008097442"/>
       </p:ext>
     </p:extLst>
   </p:cSld>
@@ -2762,90 +2761,6 @@
             <a:fld id="{5641018C-6CAF-B84E-B92C-ECB119457FBA}" type="slidenum">
               <a:rPr lang="en-US" smtClean="0"/>
               <a:t>36</a:t>
-            </a:fld>
-            <a:endParaRPr lang="en-US" dirty="0"/>
-          </a:p>
-        </p:txBody>
-      </p:sp>
-    </p:spTree>
-    <p:extLst>
-      <p:ext uri="{BB962C8B-B14F-4D97-AF65-F5344CB8AC3E}">
-        <p14:creationId xmlns:p14="http://schemas.microsoft.com/office/powerpoint/2010/main" val="1008097442"/>
-      </p:ext>
-    </p:extLst>
-  </p:cSld>
-  <p:clrMapOvr>
-    <a:masterClrMapping/>
-  </p:clrMapOvr>
-</p:notes>
-</file>
-
-<file path=ppt/notesSlides/notesSlide34.xml><?xml version="1.0" encoding="utf-8"?>
-<p:notes xmlns:a="http://schemas.openxmlformats.org/drawingml/2006/main" xmlns:r="http://schemas.openxmlformats.org/officeDocument/2006/relationships" xmlns:p="http://schemas.openxmlformats.org/presentationml/2006/main">
-  <p:cSld>
-    <p:spTree>
-      <p:nvGrpSpPr>
-        <p:cNvPr id="1" name=""/>
-        <p:cNvGrpSpPr/>
-        <p:nvPr/>
-      </p:nvGrpSpPr>
-      <p:grpSpPr>
-        <a:xfrm>
-          <a:off x="0" y="0"/>
-          <a:ext cx="0" cy="0"/>
-          <a:chOff x="0" y="0"/>
-          <a:chExt cx="0" cy="0"/>
-        </a:xfrm>
-      </p:grpSpPr>
-      <p:sp>
-        <p:nvSpPr>
-          <p:cNvPr id="2" name="Slide Image Placeholder 1"/>
-          <p:cNvSpPr>
-            <a:spLocks noGrp="1" noRot="1" noChangeAspect="1"/>
-          </p:cNvSpPr>
-          <p:nvPr>
-            <p:ph type="sldImg"/>
-          </p:nvPr>
-        </p:nvSpPr>
-        <p:spPr/>
-      </p:sp>
-      <p:sp>
-        <p:nvSpPr>
-          <p:cNvPr id="3" name="Notes Placeholder 2"/>
-          <p:cNvSpPr>
-            <a:spLocks noGrp="1"/>
-          </p:cNvSpPr>
-          <p:nvPr>
-            <p:ph type="body" idx="1"/>
-          </p:nvPr>
-        </p:nvSpPr>
-        <p:spPr/>
-        <p:txBody>
-          <a:bodyPr/>
-          <a:lstStyle/>
-          <a:p>
-            <a:endParaRPr lang="en-US" dirty="0"/>
-          </a:p>
-        </p:txBody>
-      </p:sp>
-      <p:sp>
-        <p:nvSpPr>
-          <p:cNvPr id="4" name="Slide Number Placeholder 3"/>
-          <p:cNvSpPr>
-            <a:spLocks noGrp="1"/>
-          </p:cNvSpPr>
-          <p:nvPr>
-            <p:ph type="sldNum" sz="quarter" idx="5"/>
-          </p:nvPr>
-        </p:nvSpPr>
-        <p:spPr/>
-        <p:txBody>
-          <a:bodyPr/>
-          <a:lstStyle/>
-          <a:p>
-            <a:fld id="{5641018C-6CAF-B84E-B92C-ECB119457FBA}" type="slidenum">
-              <a:rPr lang="en-US" smtClean="0"/>
-              <a:t>37</a:t>
             </a:fld>
             <a:endParaRPr lang="en-US" dirty="0"/>
           </a:p>
@@ -2938,7 +2853,7 @@
     </p:spTree>
     <p:extLst>
       <p:ext uri="{BB962C8B-B14F-4D97-AF65-F5344CB8AC3E}">
-        <p14:creationId xmlns:p14="http://schemas.microsoft.com/office/powerpoint/2010/main" val="1220011153"/>
+        <p14:creationId xmlns:p14="http://schemas.microsoft.com/office/powerpoint/2010/main" val="471150993"/>
       </p:ext>
     </p:extLst>
   </p:cSld>
@@ -3022,7 +2937,7 @@
     </p:spTree>
     <p:extLst>
       <p:ext uri="{BB962C8B-B14F-4D97-AF65-F5344CB8AC3E}">
-        <p14:creationId xmlns:p14="http://schemas.microsoft.com/office/powerpoint/2010/main" val="471150993"/>
+        <p14:creationId xmlns:p14="http://schemas.microsoft.com/office/powerpoint/2010/main" val="4184697280"/>
       </p:ext>
     </p:extLst>
   </p:cSld>
@@ -3106,7 +3021,7 @@
     </p:spTree>
     <p:extLst>
       <p:ext uri="{BB962C8B-B14F-4D97-AF65-F5344CB8AC3E}">
-        <p14:creationId xmlns:p14="http://schemas.microsoft.com/office/powerpoint/2010/main" val="4184697280"/>
+        <p14:creationId xmlns:p14="http://schemas.microsoft.com/office/powerpoint/2010/main" val="3768855866"/>
       </p:ext>
     </p:extLst>
   </p:cSld>
@@ -3190,7 +3105,7 @@
     </p:spTree>
     <p:extLst>
       <p:ext uri="{BB962C8B-B14F-4D97-AF65-F5344CB8AC3E}">
-        <p14:creationId xmlns:p14="http://schemas.microsoft.com/office/powerpoint/2010/main" val="3768855866"/>
+        <p14:creationId xmlns:p14="http://schemas.microsoft.com/office/powerpoint/2010/main" val="124146739"/>
       </p:ext>
     </p:extLst>
   </p:cSld>
@@ -3274,7 +3189,7 @@
     </p:spTree>
     <p:extLst>
       <p:ext uri="{BB962C8B-B14F-4D97-AF65-F5344CB8AC3E}">
-        <p14:creationId xmlns:p14="http://schemas.microsoft.com/office/powerpoint/2010/main" val="124146739"/>
+        <p14:creationId xmlns:p14="http://schemas.microsoft.com/office/powerpoint/2010/main" val="3548784187"/>
       </p:ext>
     </p:extLst>
   </p:cSld>
@@ -3358,7 +3273,7 @@
     </p:spTree>
     <p:extLst>
       <p:ext uri="{BB962C8B-B14F-4D97-AF65-F5344CB8AC3E}">
-        <p14:creationId xmlns:p14="http://schemas.microsoft.com/office/powerpoint/2010/main" val="3548784187"/>
+        <p14:creationId xmlns:p14="http://schemas.microsoft.com/office/powerpoint/2010/main" val="2929658784"/>
       </p:ext>
     </p:extLst>
   </p:cSld>
@@ -3549,7 +3464,7 @@
           <a:p>
             <a:fld id="{5E75A0DC-66C6-4CEC-A5EB-F8C97CEC3796}" type="datetimeFigureOut">
               <a:rPr lang="es-MX" smtClean="0"/>
-              <a:t>27/04/2023</a:t>
+              <a:t>29/04/2024</a:t>
             </a:fld>
             <a:endParaRPr lang="es-MX" dirty="0"/>
           </a:p>
@@ -3591,7 +3506,7 @@
           <a:p>
             <a:fld id="{C077EE1E-7A06-4E7F-9AFB-189FC69B7B0C}" type="slidenum">
               <a:rPr lang="es-MX" smtClean="0"/>
-              <a:t>‹Nº›</a:t>
+              <a:t>‹#›</a:t>
             </a:fld>
             <a:endParaRPr lang="es-MX" dirty="0"/>
           </a:p>
@@ -3719,7 +3634,7 @@
           <a:p>
             <a:fld id="{5E75A0DC-66C6-4CEC-A5EB-F8C97CEC3796}" type="datetimeFigureOut">
               <a:rPr lang="es-MX" smtClean="0"/>
-              <a:t>27/04/2023</a:t>
+              <a:t>29/04/2024</a:t>
             </a:fld>
             <a:endParaRPr lang="es-MX" dirty="0"/>
           </a:p>
@@ -3761,7 +3676,7 @@
           <a:p>
             <a:fld id="{C077EE1E-7A06-4E7F-9AFB-189FC69B7B0C}" type="slidenum">
               <a:rPr lang="es-MX" smtClean="0"/>
-              <a:t>‹Nº›</a:t>
+              <a:t>‹#›</a:t>
             </a:fld>
             <a:endParaRPr lang="es-MX" dirty="0"/>
           </a:p>
@@ -3899,7 +3814,7 @@
           <a:p>
             <a:fld id="{5E75A0DC-66C6-4CEC-A5EB-F8C97CEC3796}" type="datetimeFigureOut">
               <a:rPr lang="es-MX" smtClean="0"/>
-              <a:t>27/04/2023</a:t>
+              <a:t>29/04/2024</a:t>
             </a:fld>
             <a:endParaRPr lang="es-MX" dirty="0"/>
           </a:p>
@@ -3941,7 +3856,7 @@
           <a:p>
             <a:fld id="{C077EE1E-7A06-4E7F-9AFB-189FC69B7B0C}" type="slidenum">
               <a:rPr lang="es-MX" smtClean="0"/>
-              <a:t>‹Nº›</a:t>
+              <a:t>‹#›</a:t>
             </a:fld>
             <a:endParaRPr lang="es-MX" dirty="0"/>
           </a:p>
@@ -4231,7 +4146,7 @@
           <a:p>
             <a:fld id="{5E75A0DC-66C6-4CEC-A5EB-F8C97CEC3796}" type="datetimeFigureOut">
               <a:rPr lang="es-MX" smtClean="0"/>
-              <a:t>27/04/2023</a:t>
+              <a:t>29/04/2024</a:t>
             </a:fld>
             <a:endParaRPr lang="es-MX" dirty="0"/>
           </a:p>
@@ -4273,7 +4188,7 @@
           <a:p>
             <a:fld id="{C077EE1E-7A06-4E7F-9AFB-189FC69B7B0C}" type="slidenum">
               <a:rPr lang="es-MX" smtClean="0"/>
-              <a:t>‹Nº›</a:t>
+              <a:t>‹#›</a:t>
             </a:fld>
             <a:endParaRPr lang="es-MX" dirty="0"/>
           </a:p>
@@ -4477,7 +4392,7 @@
           <a:p>
             <a:fld id="{5E75A0DC-66C6-4CEC-A5EB-F8C97CEC3796}" type="datetimeFigureOut">
               <a:rPr lang="es-MX" smtClean="0"/>
-              <a:t>27/04/2023</a:t>
+              <a:t>29/04/2024</a:t>
             </a:fld>
             <a:endParaRPr lang="es-MX" dirty="0"/>
           </a:p>
@@ -4519,7 +4434,7 @@
           <a:p>
             <a:fld id="{C077EE1E-7A06-4E7F-9AFB-189FC69B7B0C}" type="slidenum">
               <a:rPr lang="es-MX" smtClean="0"/>
-              <a:t>‹Nº›</a:t>
+              <a:t>‹#›</a:t>
             </a:fld>
             <a:endParaRPr lang="es-MX" dirty="0"/>
           </a:p>
@@ -4765,7 +4680,7 @@
           <a:p>
             <a:fld id="{5E75A0DC-66C6-4CEC-A5EB-F8C97CEC3796}" type="datetimeFigureOut">
               <a:rPr lang="es-MX" smtClean="0"/>
-              <a:t>27/04/2023</a:t>
+              <a:t>29/04/2024</a:t>
             </a:fld>
             <a:endParaRPr lang="es-MX" dirty="0"/>
           </a:p>
@@ -4807,7 +4722,7 @@
           <a:p>
             <a:fld id="{C077EE1E-7A06-4E7F-9AFB-189FC69B7B0C}" type="slidenum">
               <a:rPr lang="es-MX" smtClean="0"/>
-              <a:t>‹Nº›</a:t>
+              <a:t>‹#›</a:t>
             </a:fld>
             <a:endParaRPr lang="es-MX" dirty="0"/>
           </a:p>
@@ -5187,7 +5102,7 @@
           <a:p>
             <a:fld id="{5E75A0DC-66C6-4CEC-A5EB-F8C97CEC3796}" type="datetimeFigureOut">
               <a:rPr lang="es-MX" smtClean="0"/>
-              <a:t>27/04/2023</a:t>
+              <a:t>29/04/2024</a:t>
             </a:fld>
             <a:endParaRPr lang="es-MX" dirty="0"/>
           </a:p>
@@ -5229,7 +5144,7 @@
           <a:p>
             <a:fld id="{C077EE1E-7A06-4E7F-9AFB-189FC69B7B0C}" type="slidenum">
               <a:rPr lang="es-MX" smtClean="0"/>
-              <a:t>‹Nº›</a:t>
+              <a:t>‹#›</a:t>
             </a:fld>
             <a:endParaRPr lang="es-MX" dirty="0"/>
           </a:p>
@@ -5305,7 +5220,7 @@
           <a:p>
             <a:fld id="{5E75A0DC-66C6-4CEC-A5EB-F8C97CEC3796}" type="datetimeFigureOut">
               <a:rPr lang="es-MX" smtClean="0"/>
-              <a:t>27/04/2023</a:t>
+              <a:t>29/04/2024</a:t>
             </a:fld>
             <a:endParaRPr lang="es-MX" dirty="0"/>
           </a:p>
@@ -5347,7 +5262,7 @@
           <a:p>
             <a:fld id="{C077EE1E-7A06-4E7F-9AFB-189FC69B7B0C}" type="slidenum">
               <a:rPr lang="es-MX" smtClean="0"/>
-              <a:t>‹Nº›</a:t>
+              <a:t>‹#›</a:t>
             </a:fld>
             <a:endParaRPr lang="es-MX" dirty="0"/>
           </a:p>
@@ -5400,7 +5315,7 @@
           <a:p>
             <a:fld id="{5E75A0DC-66C6-4CEC-A5EB-F8C97CEC3796}" type="datetimeFigureOut">
               <a:rPr lang="es-MX" smtClean="0"/>
-              <a:t>27/04/2023</a:t>
+              <a:t>29/04/2024</a:t>
             </a:fld>
             <a:endParaRPr lang="es-MX" dirty="0"/>
           </a:p>
@@ -5442,7 +5357,7 @@
           <a:p>
             <a:fld id="{C077EE1E-7A06-4E7F-9AFB-189FC69B7B0C}" type="slidenum">
               <a:rPr lang="es-MX" smtClean="0"/>
-              <a:t>‹Nº›</a:t>
+              <a:t>‹#›</a:t>
             </a:fld>
             <a:endParaRPr lang="es-MX" dirty="0"/>
           </a:p>
@@ -5677,7 +5592,7 @@
           <a:p>
             <a:fld id="{5E75A0DC-66C6-4CEC-A5EB-F8C97CEC3796}" type="datetimeFigureOut">
               <a:rPr lang="es-MX" smtClean="0"/>
-              <a:t>27/04/2023</a:t>
+              <a:t>29/04/2024</a:t>
             </a:fld>
             <a:endParaRPr lang="es-MX" dirty="0"/>
           </a:p>
@@ -5719,7 +5634,7 @@
           <a:p>
             <a:fld id="{C077EE1E-7A06-4E7F-9AFB-189FC69B7B0C}" type="slidenum">
               <a:rPr lang="es-MX" smtClean="0"/>
-              <a:t>‹Nº›</a:t>
+              <a:t>‹#›</a:t>
             </a:fld>
             <a:endParaRPr lang="es-MX" dirty="0"/>
           </a:p>
@@ -5930,7 +5845,7 @@
           <a:p>
             <a:fld id="{5E75A0DC-66C6-4CEC-A5EB-F8C97CEC3796}" type="datetimeFigureOut">
               <a:rPr lang="es-MX" smtClean="0"/>
-              <a:t>27/04/2023</a:t>
+              <a:t>29/04/2024</a:t>
             </a:fld>
             <a:endParaRPr lang="es-MX" dirty="0"/>
           </a:p>
@@ -5972,7 +5887,7 @@
           <a:p>
             <a:fld id="{C077EE1E-7A06-4E7F-9AFB-189FC69B7B0C}" type="slidenum">
               <a:rPr lang="es-MX" smtClean="0"/>
-              <a:t>‹Nº›</a:t>
+              <a:t>‹#›</a:t>
             </a:fld>
             <a:endParaRPr lang="es-MX" dirty="0"/>
           </a:p>
@@ -6143,7 +6058,7 @@
           <a:p>
             <a:fld id="{5E75A0DC-66C6-4CEC-A5EB-F8C97CEC3796}" type="datetimeFigureOut">
               <a:rPr lang="es-MX" smtClean="0"/>
-              <a:t>27/04/2023</a:t>
+              <a:t>29/04/2024</a:t>
             </a:fld>
             <a:endParaRPr lang="es-MX" dirty="0"/>
           </a:p>
@@ -6221,7 +6136,7 @@
           <a:p>
             <a:fld id="{C077EE1E-7A06-4E7F-9AFB-189FC69B7B0C}" type="slidenum">
               <a:rPr lang="es-MX" smtClean="0"/>
-              <a:t>‹Nº›</a:t>
+              <a:t>‹#›</a:t>
             </a:fld>
             <a:endParaRPr lang="es-MX" dirty="0"/>
           </a:p>
@@ -6746,8 +6661,8 @@
         </p:blipFill>
         <p:spPr>
           <a:xfrm>
-            <a:off x="107504" y="3338104"/>
-            <a:ext cx="8784976" cy="3090192"/>
+            <a:off x="302940" y="3212976"/>
+            <a:ext cx="8538119" cy="3003358"/>
           </a:xfrm>
           <a:prstGeom prst="rect">
             <a:avLst/>
@@ -6783,7 +6698,7 @@
               </a:spcBef>
             </a:pPr>
             <a:r>
-              <a:rPr lang="es-ES" sz="1800" dirty="0">
+              <a:rPr lang="es-ES" sz="1800" b="1" dirty="0" err="1">
                 <a:solidFill>
                   <a:schemeClr val="tx1">
                     <a:lumMod val="95000"/>
@@ -6793,10 +6708,10 @@
                 <a:latin typeface="Arial" panose="020B0604020202020204" pitchFamily="34" charset="0"/>
                 <a:cs typeface="Arial" panose="020B0604020202020204" pitchFamily="34" charset="0"/>
               </a:rPr>
-              <a:t>Sin embargo, los diferentes tipos de tráfico ahora tienen que competir por el </a:t>
-            </a:r>
-            <a:r>
-              <a:rPr lang="es-ES" sz="1800" b="1" dirty="0">
+              <a:t>QoS</a:t>
+            </a:r>
+            <a:r>
+              <a:rPr lang="es-ES" sz="1800" dirty="0">
                 <a:solidFill>
                   <a:schemeClr val="tx1">
                     <a:lumMod val="95000"/>
@@ -6806,38 +6721,12 @@
                 <a:latin typeface="Arial" panose="020B0604020202020204" pitchFamily="34" charset="0"/>
                 <a:cs typeface="Arial" panose="020B0604020202020204" pitchFamily="34" charset="0"/>
               </a:rPr>
-              <a:t>ancho de banda. </a:t>
-            </a:r>
-          </a:p>
-          <a:p>
-            <a:pPr marL="571440" indent="-285750" algn="just">
-              <a:lnSpc>
-                <a:spcPct val="150000"/>
-              </a:lnSpc>
-              <a:spcBef>
-                <a:spcPts val="0"/>
-              </a:spcBef>
-              <a:buFont typeface="Arial" panose="020B0604020202020204" pitchFamily="34" charset="0"/>
-              <a:buChar char="•"/>
-            </a:pPr>
-            <a:r>
-              <a:rPr lang="es-ES" sz="1800" dirty="0">
-                <a:solidFill>
-                  <a:schemeClr val="tx1">
-                    <a:lumMod val="95000"/>
-                    <a:lumOff val="5000"/>
-                  </a:schemeClr>
-                </a:solidFill>
-                <a:latin typeface="Arial" panose="020B0604020202020204" pitchFamily="34" charset="0"/>
-                <a:cs typeface="Arial" panose="020B0604020202020204" pitchFamily="34" charset="0"/>
-              </a:rPr>
-              <a:t>Si hay mucho ancho de banda disponible y la red no está congestionada, esto no es un problema, pero una red ocupada puede traer problemas para el tráfico de voz y video que es sensible a situaciones como la demora.</a:t>
+              <a:t> es un conjunto de herramientas utilizadas por los dispositivos de red para aplicar diferente trato a diferentes paquetes. Ciertos tipos de tráfico reciben un tratamiento de mayor prioridad y otros tipos de tráfico reciben un tratamiento de menor prioridad.</a:t>
             </a:r>
             <a:endParaRPr lang="en-US" sz="2600" dirty="0">
               <a:solidFill>
-                <a:schemeClr val="tx1">
-                  <a:lumMod val="95000"/>
-                  <a:lumOff val="5000"/>
+                <a:schemeClr val="accent6">
+                  <a:lumMod val="75000"/>
                 </a:schemeClr>
               </a:solidFill>
               <a:latin typeface="Arial" panose="020B0604020202020204" pitchFamily="34" charset="0"/>
@@ -7064,815 +6953,6 @@
               </a:rPr>
               <a:t>Calidad del servicio</a:t>
             </a:r>
-          </a:p>
-        </p:txBody>
-      </p:sp>
-      <p:sp>
-        <p:nvSpPr>
-          <p:cNvPr id="7" name="Content Placeholder 1">
-            <a:extLst>
-              <a:ext uri="{FF2B5EF4-FFF2-40B4-BE49-F238E27FC236}">
-                <a16:creationId xmlns:a16="http://schemas.microsoft.com/office/drawing/2014/main" id="{85DE273E-42E0-636F-ADC8-BE928AD82509}"/>
-              </a:ext>
-            </a:extLst>
-          </p:cNvPr>
-          <p:cNvSpPr txBox="1">
-            <a:spLocks/>
-          </p:cNvSpPr>
-          <p:nvPr/>
-        </p:nvSpPr>
-        <p:spPr>
-          <a:xfrm>
-            <a:off x="3203848" y="6364903"/>
-            <a:ext cx="2952328" cy="455376"/>
-          </a:xfrm>
-          <a:prstGeom prst="rect">
-            <a:avLst/>
-          </a:prstGeom>
-          <a:solidFill>
-            <a:schemeClr val="bg1">
-              <a:lumMod val="85000"/>
-            </a:schemeClr>
-          </a:solidFill>
-        </p:spPr>
-        <p:txBody>
-          <a:bodyPr vert="horz" lIns="91420" tIns="45710" rIns="91420" bIns="45710" rtlCol="0">
-            <a:noAutofit/>
-          </a:bodyPr>
-          <a:lstStyle>
-            <a:lvl1pPr marL="285690" marR="0" indent="-285690" algn="ctr" defTabSz="457105" rtl="0" eaLnBrk="1" fontAlgn="auto" latinLnBrk="0" hangingPunct="1">
-              <a:lnSpc>
-                <a:spcPct val="100000"/>
-              </a:lnSpc>
-              <a:spcBef>
-                <a:spcPct val="20000"/>
-              </a:spcBef>
-              <a:spcAft>
-                <a:spcPts val="0"/>
-              </a:spcAft>
-              <a:buClrTx/>
-              <a:buSzTx/>
-              <a:buFont typeface="Arial"/>
-              <a:buNone/>
-              <a:tabLst/>
-              <a:defRPr sz="2000" b="0" i="0" kern="1200" baseline="0">
-                <a:solidFill>
-                  <a:schemeClr val="bg1"/>
-                </a:solidFill>
-                <a:latin typeface="+mn-lt"/>
-                <a:ea typeface="+mn-ea"/>
-                <a:cs typeface="CiscoSans ExtraLight"/>
-              </a:defRPr>
-            </a:lvl1pPr>
-            <a:lvl2pPr marL="742950" indent="-285750" algn="l" defTabSz="914400" rtl="0" eaLnBrk="1" latinLnBrk="0" hangingPunct="1">
-              <a:spcBef>
-                <a:spcPct val="20000"/>
-              </a:spcBef>
-              <a:buFont typeface="Arial" pitchFamily="34" charset="0"/>
-              <a:buChar char="–"/>
-              <a:defRPr sz="2800" kern="1200">
-                <a:solidFill>
-                  <a:schemeClr val="tx1"/>
-                </a:solidFill>
-                <a:latin typeface="+mn-lt"/>
-                <a:ea typeface="+mn-ea"/>
-                <a:cs typeface="+mn-cs"/>
-              </a:defRPr>
-            </a:lvl2pPr>
-            <a:lvl3pPr marL="1143000" indent="-228600" algn="l" defTabSz="914400" rtl="0" eaLnBrk="1" latinLnBrk="0" hangingPunct="1">
-              <a:spcBef>
-                <a:spcPct val="20000"/>
-              </a:spcBef>
-              <a:buFont typeface="Arial" pitchFamily="34" charset="0"/>
-              <a:buChar char="•"/>
-              <a:defRPr sz="2400" kern="1200">
-                <a:solidFill>
-                  <a:schemeClr val="tx1"/>
-                </a:solidFill>
-                <a:latin typeface="+mn-lt"/>
-                <a:ea typeface="+mn-ea"/>
-                <a:cs typeface="+mn-cs"/>
-              </a:defRPr>
-            </a:lvl3pPr>
-            <a:lvl4pPr marL="1600200" indent="-228600" algn="l" defTabSz="914400" rtl="0" eaLnBrk="1" latinLnBrk="0" hangingPunct="1">
-              <a:spcBef>
-                <a:spcPct val="20000"/>
-              </a:spcBef>
-              <a:buFont typeface="Arial" pitchFamily="34" charset="0"/>
-              <a:buChar char="–"/>
-              <a:defRPr sz="2000" kern="1200">
-                <a:solidFill>
-                  <a:schemeClr val="tx1"/>
-                </a:solidFill>
-                <a:latin typeface="+mn-lt"/>
-                <a:ea typeface="+mn-ea"/>
-                <a:cs typeface="+mn-cs"/>
-              </a:defRPr>
-            </a:lvl4pPr>
-            <a:lvl5pPr marL="2057400" indent="-228600" algn="l" defTabSz="914400" rtl="0" eaLnBrk="1" latinLnBrk="0" hangingPunct="1">
-              <a:spcBef>
-                <a:spcPct val="20000"/>
-              </a:spcBef>
-              <a:buFont typeface="Arial" pitchFamily="34" charset="0"/>
-              <a:buChar char="»"/>
-              <a:defRPr sz="2000" kern="1200">
-                <a:solidFill>
-                  <a:schemeClr val="tx1"/>
-                </a:solidFill>
-                <a:latin typeface="+mn-lt"/>
-                <a:ea typeface="+mn-ea"/>
-                <a:cs typeface="+mn-cs"/>
-              </a:defRPr>
-            </a:lvl5pPr>
-            <a:lvl6pPr marL="2514600" indent="-228600" algn="l" defTabSz="914400" rtl="0" eaLnBrk="1" latinLnBrk="0" hangingPunct="1">
-              <a:spcBef>
-                <a:spcPct val="20000"/>
-              </a:spcBef>
-              <a:buFont typeface="Arial" pitchFamily="34" charset="0"/>
-              <a:buChar char="•"/>
-              <a:defRPr sz="2000" kern="1200">
-                <a:solidFill>
-                  <a:schemeClr val="tx1"/>
-                </a:solidFill>
-                <a:latin typeface="+mn-lt"/>
-                <a:ea typeface="+mn-ea"/>
-                <a:cs typeface="+mn-cs"/>
-              </a:defRPr>
-            </a:lvl6pPr>
-            <a:lvl7pPr marL="2971800" indent="-228600" algn="l" defTabSz="914400" rtl="0" eaLnBrk="1" latinLnBrk="0" hangingPunct="1">
-              <a:spcBef>
-                <a:spcPct val="20000"/>
-              </a:spcBef>
-              <a:buFont typeface="Arial" pitchFamily="34" charset="0"/>
-              <a:buChar char="•"/>
-              <a:defRPr sz="2000" kern="1200">
-                <a:solidFill>
-                  <a:schemeClr val="tx1"/>
-                </a:solidFill>
-                <a:latin typeface="+mn-lt"/>
-                <a:ea typeface="+mn-ea"/>
-                <a:cs typeface="+mn-cs"/>
-              </a:defRPr>
-            </a:lvl7pPr>
-            <a:lvl8pPr marL="3429000" indent="-228600" algn="l" defTabSz="914400" rtl="0" eaLnBrk="1" latinLnBrk="0" hangingPunct="1">
-              <a:spcBef>
-                <a:spcPct val="20000"/>
-              </a:spcBef>
-              <a:buFont typeface="Arial" pitchFamily="34" charset="0"/>
-              <a:buChar char="•"/>
-              <a:defRPr sz="2000" kern="1200">
-                <a:solidFill>
-                  <a:schemeClr val="tx1"/>
-                </a:solidFill>
-                <a:latin typeface="+mn-lt"/>
-                <a:ea typeface="+mn-ea"/>
-                <a:cs typeface="+mn-cs"/>
-              </a:defRPr>
-            </a:lvl8pPr>
-            <a:lvl9pPr marL="3886200" indent="-228600" algn="l" defTabSz="914400" rtl="0" eaLnBrk="1" latinLnBrk="0" hangingPunct="1">
-              <a:spcBef>
-                <a:spcPct val="20000"/>
-              </a:spcBef>
-              <a:buFont typeface="Arial" pitchFamily="34" charset="0"/>
-              <a:buChar char="•"/>
-              <a:defRPr sz="2000" kern="1200">
-                <a:solidFill>
-                  <a:schemeClr val="tx1"/>
-                </a:solidFill>
-                <a:latin typeface="+mn-lt"/>
-                <a:ea typeface="+mn-ea"/>
-                <a:cs typeface="+mn-cs"/>
-              </a:defRPr>
-            </a:lvl9pPr>
-          </a:lstStyle>
-          <a:p>
-            <a:pPr indent="0" algn="just">
-              <a:lnSpc>
-                <a:spcPct val="150000"/>
-              </a:lnSpc>
-              <a:spcBef>
-                <a:spcPts val="0"/>
-              </a:spcBef>
-            </a:pPr>
-            <a:r>
-              <a:rPr lang="es-ES" sz="1800" dirty="0">
-                <a:solidFill>
-                  <a:schemeClr val="tx1"/>
-                </a:solidFill>
-                <a:latin typeface="Arial" panose="020B0604020202020204" pitchFamily="34" charset="0"/>
-                <a:cs typeface="Arial" panose="020B0604020202020204" pitchFamily="34" charset="0"/>
-              </a:rPr>
-              <a:t>WAN IP empresarial</a:t>
-            </a:r>
-            <a:endParaRPr lang="es-ES" sz="1800" dirty="0">
-              <a:solidFill>
-                <a:schemeClr val="accent6">
-                  <a:lumMod val="75000"/>
-                </a:schemeClr>
-              </a:solidFill>
-              <a:latin typeface="Arial" panose="020B0604020202020204" pitchFamily="34" charset="0"/>
-              <a:cs typeface="Arial" panose="020B0604020202020204" pitchFamily="34" charset="0"/>
-            </a:endParaRPr>
-          </a:p>
-          <a:p>
-            <a:pPr marL="1028700" lvl="1" algn="just">
-              <a:lnSpc>
-                <a:spcPct val="150000"/>
-              </a:lnSpc>
-              <a:spcBef>
-                <a:spcPts val="0"/>
-              </a:spcBef>
-              <a:buFont typeface="Courier New" panose="02070309020205020404" pitchFamily="49" charset="0"/>
-              <a:buChar char="o"/>
-            </a:pPr>
-            <a:endParaRPr lang="en-US" sz="2600" dirty="0">
-              <a:latin typeface="Arial" panose="020B0604020202020204" pitchFamily="34" charset="0"/>
-              <a:cs typeface="Arial" panose="020B0604020202020204" pitchFamily="34" charset="0"/>
-            </a:endParaRPr>
-          </a:p>
-        </p:txBody>
-      </p:sp>
-    </p:spTree>
-    <p:extLst>
-      <p:ext uri="{BB962C8B-B14F-4D97-AF65-F5344CB8AC3E}">
-        <p14:creationId xmlns:p14="http://schemas.microsoft.com/office/powerpoint/2010/main" val="3144528850"/>
-      </p:ext>
-    </p:extLst>
-  </p:cSld>
-  <p:clrMapOvr>
-    <a:masterClrMapping/>
-  </p:clrMapOvr>
-  <mc:AlternateContent xmlns:mc="http://schemas.openxmlformats.org/markup-compatibility/2006" xmlns:p14="http://schemas.microsoft.com/office/powerpoint/2010/main">
-    <mc:Choice Requires="p14">
-      <p:transition spd="med" p14:dur="700">
-        <p:fade/>
-      </p:transition>
-    </mc:Choice>
-    <mc:Fallback xmlns="">
-      <p:transition xmlns:p14="http://schemas.microsoft.com/office/powerpoint/2010/main" spd="med">
-        <p:fade/>
-      </p:transition>
-    </mc:Fallback>
-  </mc:AlternateContent>
-</p:sld>
-</file>
-
-<file path=ppt/slides/slide11.xml><?xml version="1.0" encoding="utf-8"?>
-<p:sld xmlns:a="http://schemas.openxmlformats.org/drawingml/2006/main" xmlns:r="http://schemas.openxmlformats.org/officeDocument/2006/relationships" xmlns:p="http://schemas.openxmlformats.org/presentationml/2006/main">
-  <p:cSld>
-    <p:spTree>
-      <p:nvGrpSpPr>
-        <p:cNvPr id="1" name=""/>
-        <p:cNvGrpSpPr/>
-        <p:nvPr/>
-      </p:nvGrpSpPr>
-      <p:grpSpPr>
-        <a:xfrm>
-          <a:off x="0" y="0"/>
-          <a:ext cx="0" cy="0"/>
-          <a:chOff x="0" y="0"/>
-          <a:chExt cx="0" cy="0"/>
-        </a:xfrm>
-      </p:grpSpPr>
-      <p:pic>
-        <p:nvPicPr>
-          <p:cNvPr id="6" name="Imagen 5">
-            <a:extLst>
-              <a:ext uri="{FF2B5EF4-FFF2-40B4-BE49-F238E27FC236}">
-                <a16:creationId xmlns:a16="http://schemas.microsoft.com/office/drawing/2014/main" id="{29833350-029F-C062-0CA3-9A371108E775}"/>
-              </a:ext>
-            </a:extLst>
-          </p:cNvPr>
-          <p:cNvPicPr>
-            <a:picLocks noChangeAspect="1"/>
-          </p:cNvPicPr>
-          <p:nvPr/>
-        </p:nvPicPr>
-        <p:blipFill>
-          <a:blip r:embed="rId3"/>
-          <a:stretch>
-            <a:fillRect/>
-          </a:stretch>
-        </p:blipFill>
-        <p:spPr>
-          <a:xfrm>
-            <a:off x="-5679" y="3174711"/>
-            <a:ext cx="9144000" cy="3216482"/>
-          </a:xfrm>
-          <a:prstGeom prst="rect">
-            <a:avLst/>
-          </a:prstGeom>
-        </p:spPr>
-      </p:pic>
-      <p:sp>
-        <p:nvSpPr>
-          <p:cNvPr id="2" name="Content Placeholder 1"/>
-          <p:cNvSpPr>
-            <a:spLocks noGrp="1"/>
-          </p:cNvSpPr>
-          <p:nvPr>
-            <p:ph idx="1"/>
-          </p:nvPr>
-        </p:nvSpPr>
-        <p:spPr>
-          <a:xfrm>
-            <a:off x="179512" y="1180721"/>
-            <a:ext cx="8784976" cy="2248279"/>
-          </a:xfrm>
-        </p:spPr>
-        <p:txBody>
-          <a:bodyPr/>
-          <a:lstStyle/>
-          <a:p>
-            <a:pPr indent="0" algn="just">
-              <a:lnSpc>
-                <a:spcPct val="150000"/>
-              </a:lnSpc>
-              <a:spcBef>
-                <a:spcPts val="0"/>
-              </a:spcBef>
-            </a:pPr>
-            <a:r>
-              <a:rPr lang="es-ES" sz="1800" b="1" dirty="0" err="1">
-                <a:solidFill>
-                  <a:schemeClr val="tx1">
-                    <a:lumMod val="95000"/>
-                    <a:lumOff val="5000"/>
-                  </a:schemeClr>
-                </a:solidFill>
-                <a:latin typeface="Arial" panose="020B0604020202020204" pitchFamily="34" charset="0"/>
-                <a:cs typeface="Arial" panose="020B0604020202020204" pitchFamily="34" charset="0"/>
-              </a:rPr>
-              <a:t>QoS</a:t>
-            </a:r>
-            <a:r>
-              <a:rPr lang="es-ES" sz="1800" dirty="0">
-                <a:solidFill>
-                  <a:schemeClr val="tx1">
-                    <a:lumMod val="95000"/>
-                    <a:lumOff val="5000"/>
-                  </a:schemeClr>
-                </a:solidFill>
-                <a:latin typeface="Arial" panose="020B0604020202020204" pitchFamily="34" charset="0"/>
-                <a:cs typeface="Arial" panose="020B0604020202020204" pitchFamily="34" charset="0"/>
-              </a:rPr>
-              <a:t> es un conjunto de herramientas utilizadas por los dispositivos de red para aplicar diferente trato a diferentes paquetes. Ciertos tipos de tráfico reciben un tratamiento de mayor prioridad y otros tipos de tráfico reciben un tratamiento de menor prioridad.</a:t>
-            </a:r>
-            <a:endParaRPr lang="en-US" sz="2600" dirty="0">
-              <a:solidFill>
-                <a:schemeClr val="accent6">
-                  <a:lumMod val="75000"/>
-                </a:schemeClr>
-              </a:solidFill>
-              <a:latin typeface="Arial" panose="020B0604020202020204" pitchFamily="34" charset="0"/>
-              <a:cs typeface="Arial" panose="020B0604020202020204" pitchFamily="34" charset="0"/>
-            </a:endParaRPr>
-          </a:p>
-        </p:txBody>
-      </p:sp>
-      <p:sp>
-        <p:nvSpPr>
-          <p:cNvPr id="4" name="Rectangle 5">
-            <a:extLst>
-              <a:ext uri="{FF2B5EF4-FFF2-40B4-BE49-F238E27FC236}">
-                <a16:creationId xmlns:a16="http://schemas.microsoft.com/office/drawing/2014/main" id="{BD2FAA3E-64BB-4FFB-46CC-02579F1E62D9}"/>
-              </a:ext>
-            </a:extLst>
-          </p:cNvPr>
-          <p:cNvSpPr txBox="1">
-            <a:spLocks noChangeArrowheads="1"/>
-          </p:cNvSpPr>
-          <p:nvPr/>
-        </p:nvSpPr>
-        <p:spPr bwMode="auto">
-          <a:xfrm>
-            <a:off x="1028700" y="37721"/>
-            <a:ext cx="7086600" cy="1143000"/>
-          </a:xfrm>
-          <a:prstGeom prst="rect">
-            <a:avLst/>
-          </a:prstGeom>
-          <a:noFill/>
-          <a:ln>
-            <a:noFill/>
-          </a:ln>
-          <a:extLst>
-            <a:ext uri="{909E8E84-426E-40DD-AFC4-6F175D3DCCD1}">
-              <a14:hiddenFill xmlns:a14="http://schemas.microsoft.com/office/drawing/2010/main">
-                <a:solidFill>
-                  <a:srgbClr val="FFFFFF"/>
-                </a:solidFill>
-              </a14:hiddenFill>
-            </a:ext>
-            <a:ext uri="{91240B29-F687-4F45-9708-019B960494DF}">
-              <a14:hiddenLine xmlns:a14="http://schemas.microsoft.com/office/drawing/2010/main" w="9525">
-                <a:solidFill>
-                  <a:srgbClr val="000000"/>
-                </a:solidFill>
-                <a:miter lim="800000"/>
-                <a:headEnd/>
-                <a:tailEnd/>
-              </a14:hiddenLine>
-            </a:ext>
-          </a:extLst>
-        </p:spPr>
-        <p:txBody>
-          <a:bodyPr vert="horz" lIns="91440" tIns="45720" rIns="91440" bIns="45720" rtlCol="0" anchor="ctr">
-            <a:normAutofit/>
-          </a:bodyPr>
-          <a:lstStyle>
-            <a:lvl1pPr algn="ctr" defTabSz="914400" rtl="0" eaLnBrk="1" latinLnBrk="0" hangingPunct="1">
-              <a:spcBef>
-                <a:spcPct val="0"/>
-              </a:spcBef>
-              <a:buNone/>
-              <a:defRPr sz="4400" kern="1200">
-                <a:solidFill>
-                  <a:srgbClr val="004C69"/>
-                </a:solidFill>
-                <a:latin typeface="+mj-lt"/>
-                <a:ea typeface="+mj-ea"/>
-                <a:cs typeface="+mj-cs"/>
-              </a:defRPr>
-            </a:lvl1pPr>
-          </a:lstStyle>
-          <a:p>
-            <a:pPr>
-              <a:spcBef>
-                <a:spcPts val="0"/>
-              </a:spcBef>
-            </a:pPr>
-            <a:r>
-              <a:rPr lang="es-ES_tradnl" altLang="es-MX" sz="3200" b="1" dirty="0" err="1">
-                <a:solidFill>
-                  <a:schemeClr val="accent4">
-                    <a:lumMod val="50000"/>
-                  </a:schemeClr>
-                </a:solidFill>
-                <a:effectLst>
-                  <a:outerShdw blurRad="38100" dist="38100" dir="2700000" algn="tl">
-                    <a:srgbClr val="C0C0C0"/>
-                  </a:outerShdw>
-                </a:effectLst>
-                <a:latin typeface="Dom Casual" charset="0"/>
-              </a:rPr>
-              <a:t>Quality</a:t>
-            </a:r>
-            <a:r>
-              <a:rPr lang="es-ES_tradnl" altLang="es-MX" sz="3200" b="1" dirty="0">
-                <a:solidFill>
-                  <a:schemeClr val="accent4">
-                    <a:lumMod val="50000"/>
-                  </a:schemeClr>
-                </a:solidFill>
-                <a:effectLst>
-                  <a:outerShdw blurRad="38100" dist="38100" dir="2700000" algn="tl">
-                    <a:srgbClr val="C0C0C0"/>
-                  </a:outerShdw>
-                </a:effectLst>
-                <a:latin typeface="Dom Casual" charset="0"/>
-              </a:rPr>
-              <a:t> </a:t>
-            </a:r>
-            <a:r>
-              <a:rPr lang="es-ES_tradnl" altLang="es-MX" sz="3200" b="1" dirty="0" err="1">
-                <a:solidFill>
-                  <a:schemeClr val="accent4">
-                    <a:lumMod val="50000"/>
-                  </a:schemeClr>
-                </a:solidFill>
-                <a:effectLst>
-                  <a:outerShdw blurRad="38100" dist="38100" dir="2700000" algn="tl">
-                    <a:srgbClr val="C0C0C0"/>
-                  </a:outerShdw>
-                </a:effectLst>
-                <a:latin typeface="Dom Casual" charset="0"/>
-              </a:rPr>
-              <a:t>of</a:t>
-            </a:r>
-            <a:r>
-              <a:rPr lang="es-ES_tradnl" altLang="es-MX" sz="3200" b="1" dirty="0">
-                <a:solidFill>
-                  <a:schemeClr val="accent4">
-                    <a:lumMod val="50000"/>
-                  </a:schemeClr>
-                </a:solidFill>
-                <a:effectLst>
-                  <a:outerShdw blurRad="38100" dist="38100" dir="2700000" algn="tl">
-                    <a:srgbClr val="C0C0C0"/>
-                  </a:outerShdw>
-                </a:effectLst>
-                <a:latin typeface="Dom Casual" charset="0"/>
-              </a:rPr>
-              <a:t> </a:t>
-            </a:r>
-            <a:r>
-              <a:rPr lang="es-ES_tradnl" altLang="es-MX" sz="3200" b="1" dirty="0" err="1">
-                <a:solidFill>
-                  <a:schemeClr val="accent4">
-                    <a:lumMod val="50000"/>
-                  </a:schemeClr>
-                </a:solidFill>
-                <a:effectLst>
-                  <a:outerShdw blurRad="38100" dist="38100" dir="2700000" algn="tl">
-                    <a:srgbClr val="C0C0C0"/>
-                  </a:outerShdw>
-                </a:effectLst>
-                <a:latin typeface="Dom Casual" charset="0"/>
-              </a:rPr>
-              <a:t>service</a:t>
-            </a:r>
-            <a:r>
-              <a:rPr lang="es-ES_tradnl" altLang="es-MX" sz="3200" b="1" dirty="0">
-                <a:solidFill>
-                  <a:schemeClr val="accent4">
-                    <a:lumMod val="50000"/>
-                  </a:schemeClr>
-                </a:solidFill>
-                <a:effectLst>
-                  <a:outerShdw blurRad="38100" dist="38100" dir="2700000" algn="tl">
-                    <a:srgbClr val="C0C0C0"/>
-                  </a:outerShdw>
-                </a:effectLst>
-                <a:latin typeface="Dom Casual" charset="0"/>
-              </a:rPr>
-              <a:t> (</a:t>
-            </a:r>
-            <a:r>
-              <a:rPr lang="es-ES_tradnl" altLang="es-MX" sz="3200" b="1" dirty="0" err="1">
-                <a:solidFill>
-                  <a:schemeClr val="accent4">
-                    <a:lumMod val="50000"/>
-                  </a:schemeClr>
-                </a:solidFill>
-                <a:effectLst>
-                  <a:outerShdw blurRad="38100" dist="38100" dir="2700000" algn="tl">
-                    <a:srgbClr val="C0C0C0"/>
-                  </a:outerShdw>
-                </a:effectLst>
-                <a:latin typeface="Dom Casual" charset="0"/>
-              </a:rPr>
-              <a:t>QoS</a:t>
-            </a:r>
-            <a:r>
-              <a:rPr lang="es-ES_tradnl" altLang="es-MX" sz="3200" b="1" dirty="0">
-                <a:solidFill>
-                  <a:schemeClr val="accent4">
-                    <a:lumMod val="50000"/>
-                  </a:schemeClr>
-                </a:solidFill>
-                <a:effectLst>
-                  <a:outerShdw blurRad="38100" dist="38100" dir="2700000" algn="tl">
-                    <a:srgbClr val="C0C0C0"/>
-                  </a:outerShdw>
-                </a:effectLst>
-                <a:latin typeface="Dom Casual" charset="0"/>
-              </a:rPr>
-              <a:t>)</a:t>
-            </a:r>
-          </a:p>
-          <a:p>
-            <a:pPr>
-              <a:spcBef>
-                <a:spcPts val="0"/>
-              </a:spcBef>
-            </a:pPr>
-            <a:r>
-              <a:rPr lang="es-ES_tradnl" altLang="es-MX" sz="1800" b="1" dirty="0">
-                <a:solidFill>
-                  <a:schemeClr val="accent3">
-                    <a:lumMod val="75000"/>
-                  </a:schemeClr>
-                </a:solidFill>
-                <a:latin typeface="Dom Casual" charset="0"/>
-              </a:rPr>
-              <a:t>Calidad del servicio</a:t>
-            </a:r>
-          </a:p>
-        </p:txBody>
-      </p:sp>
-      <p:sp>
-        <p:nvSpPr>
-          <p:cNvPr id="7" name="Content Placeholder 1">
-            <a:extLst>
-              <a:ext uri="{FF2B5EF4-FFF2-40B4-BE49-F238E27FC236}">
-                <a16:creationId xmlns:a16="http://schemas.microsoft.com/office/drawing/2014/main" id="{85DE273E-42E0-636F-ADC8-BE928AD82509}"/>
-              </a:ext>
-            </a:extLst>
-          </p:cNvPr>
-          <p:cNvSpPr txBox="1">
-            <a:spLocks/>
-          </p:cNvSpPr>
-          <p:nvPr/>
-        </p:nvSpPr>
-        <p:spPr>
-          <a:xfrm>
-            <a:off x="3203848" y="6364903"/>
-            <a:ext cx="2952328" cy="455376"/>
-          </a:xfrm>
-          <a:prstGeom prst="rect">
-            <a:avLst/>
-          </a:prstGeom>
-          <a:solidFill>
-            <a:schemeClr val="bg1">
-              <a:lumMod val="85000"/>
-            </a:schemeClr>
-          </a:solidFill>
-        </p:spPr>
-        <p:txBody>
-          <a:bodyPr vert="horz" lIns="91420" tIns="45710" rIns="91420" bIns="45710" rtlCol="0">
-            <a:noAutofit/>
-          </a:bodyPr>
-          <a:lstStyle>
-            <a:lvl1pPr marL="285690" marR="0" indent="-285690" algn="ctr" defTabSz="457105" rtl="0" eaLnBrk="1" fontAlgn="auto" latinLnBrk="0" hangingPunct="1">
-              <a:lnSpc>
-                <a:spcPct val="100000"/>
-              </a:lnSpc>
-              <a:spcBef>
-                <a:spcPct val="20000"/>
-              </a:spcBef>
-              <a:spcAft>
-                <a:spcPts val="0"/>
-              </a:spcAft>
-              <a:buClrTx/>
-              <a:buSzTx/>
-              <a:buFont typeface="Arial"/>
-              <a:buNone/>
-              <a:tabLst/>
-              <a:defRPr sz="2000" b="0" i="0" kern="1200" baseline="0">
-                <a:solidFill>
-                  <a:schemeClr val="bg1"/>
-                </a:solidFill>
-                <a:latin typeface="+mn-lt"/>
-                <a:ea typeface="+mn-ea"/>
-                <a:cs typeface="CiscoSans ExtraLight"/>
-              </a:defRPr>
-            </a:lvl1pPr>
-            <a:lvl2pPr marL="742950" indent="-285750" algn="l" defTabSz="914400" rtl="0" eaLnBrk="1" latinLnBrk="0" hangingPunct="1">
-              <a:spcBef>
-                <a:spcPct val="20000"/>
-              </a:spcBef>
-              <a:buFont typeface="Arial" pitchFamily="34" charset="0"/>
-              <a:buChar char="–"/>
-              <a:defRPr sz="2800" kern="1200">
-                <a:solidFill>
-                  <a:schemeClr val="tx1"/>
-                </a:solidFill>
-                <a:latin typeface="+mn-lt"/>
-                <a:ea typeface="+mn-ea"/>
-                <a:cs typeface="+mn-cs"/>
-              </a:defRPr>
-            </a:lvl2pPr>
-            <a:lvl3pPr marL="1143000" indent="-228600" algn="l" defTabSz="914400" rtl="0" eaLnBrk="1" latinLnBrk="0" hangingPunct="1">
-              <a:spcBef>
-                <a:spcPct val="20000"/>
-              </a:spcBef>
-              <a:buFont typeface="Arial" pitchFamily="34" charset="0"/>
-              <a:buChar char="•"/>
-              <a:defRPr sz="2400" kern="1200">
-                <a:solidFill>
-                  <a:schemeClr val="tx1"/>
-                </a:solidFill>
-                <a:latin typeface="+mn-lt"/>
-                <a:ea typeface="+mn-ea"/>
-                <a:cs typeface="+mn-cs"/>
-              </a:defRPr>
-            </a:lvl3pPr>
-            <a:lvl4pPr marL="1600200" indent="-228600" algn="l" defTabSz="914400" rtl="0" eaLnBrk="1" latinLnBrk="0" hangingPunct="1">
-              <a:spcBef>
-                <a:spcPct val="20000"/>
-              </a:spcBef>
-              <a:buFont typeface="Arial" pitchFamily="34" charset="0"/>
-              <a:buChar char="–"/>
-              <a:defRPr sz="2000" kern="1200">
-                <a:solidFill>
-                  <a:schemeClr val="tx1"/>
-                </a:solidFill>
-                <a:latin typeface="+mn-lt"/>
-                <a:ea typeface="+mn-ea"/>
-                <a:cs typeface="+mn-cs"/>
-              </a:defRPr>
-            </a:lvl4pPr>
-            <a:lvl5pPr marL="2057400" indent="-228600" algn="l" defTabSz="914400" rtl="0" eaLnBrk="1" latinLnBrk="0" hangingPunct="1">
-              <a:spcBef>
-                <a:spcPct val="20000"/>
-              </a:spcBef>
-              <a:buFont typeface="Arial" pitchFamily="34" charset="0"/>
-              <a:buChar char="»"/>
-              <a:defRPr sz="2000" kern="1200">
-                <a:solidFill>
-                  <a:schemeClr val="tx1"/>
-                </a:solidFill>
-                <a:latin typeface="+mn-lt"/>
-                <a:ea typeface="+mn-ea"/>
-                <a:cs typeface="+mn-cs"/>
-              </a:defRPr>
-            </a:lvl5pPr>
-            <a:lvl6pPr marL="2514600" indent="-228600" algn="l" defTabSz="914400" rtl="0" eaLnBrk="1" latinLnBrk="0" hangingPunct="1">
-              <a:spcBef>
-                <a:spcPct val="20000"/>
-              </a:spcBef>
-              <a:buFont typeface="Arial" pitchFamily="34" charset="0"/>
-              <a:buChar char="•"/>
-              <a:defRPr sz="2000" kern="1200">
-                <a:solidFill>
-                  <a:schemeClr val="tx1"/>
-                </a:solidFill>
-                <a:latin typeface="+mn-lt"/>
-                <a:ea typeface="+mn-ea"/>
-                <a:cs typeface="+mn-cs"/>
-              </a:defRPr>
-            </a:lvl6pPr>
-            <a:lvl7pPr marL="2971800" indent="-228600" algn="l" defTabSz="914400" rtl="0" eaLnBrk="1" latinLnBrk="0" hangingPunct="1">
-              <a:spcBef>
-                <a:spcPct val="20000"/>
-              </a:spcBef>
-              <a:buFont typeface="Arial" pitchFamily="34" charset="0"/>
-              <a:buChar char="•"/>
-              <a:defRPr sz="2000" kern="1200">
-                <a:solidFill>
-                  <a:schemeClr val="tx1"/>
-                </a:solidFill>
-                <a:latin typeface="+mn-lt"/>
-                <a:ea typeface="+mn-ea"/>
-                <a:cs typeface="+mn-cs"/>
-              </a:defRPr>
-            </a:lvl7pPr>
-            <a:lvl8pPr marL="3429000" indent="-228600" algn="l" defTabSz="914400" rtl="0" eaLnBrk="1" latinLnBrk="0" hangingPunct="1">
-              <a:spcBef>
-                <a:spcPct val="20000"/>
-              </a:spcBef>
-              <a:buFont typeface="Arial" pitchFamily="34" charset="0"/>
-              <a:buChar char="•"/>
-              <a:defRPr sz="2000" kern="1200">
-                <a:solidFill>
-                  <a:schemeClr val="tx1"/>
-                </a:solidFill>
-                <a:latin typeface="+mn-lt"/>
-                <a:ea typeface="+mn-ea"/>
-                <a:cs typeface="+mn-cs"/>
-              </a:defRPr>
-            </a:lvl8pPr>
-            <a:lvl9pPr marL="3886200" indent="-228600" algn="l" defTabSz="914400" rtl="0" eaLnBrk="1" latinLnBrk="0" hangingPunct="1">
-              <a:spcBef>
-                <a:spcPct val="20000"/>
-              </a:spcBef>
-              <a:buFont typeface="Arial" pitchFamily="34" charset="0"/>
-              <a:buChar char="•"/>
-              <a:defRPr sz="2000" kern="1200">
-                <a:solidFill>
-                  <a:schemeClr val="tx1"/>
-                </a:solidFill>
-                <a:latin typeface="+mn-lt"/>
-                <a:ea typeface="+mn-ea"/>
-                <a:cs typeface="+mn-cs"/>
-              </a:defRPr>
-            </a:lvl9pPr>
-          </a:lstStyle>
-          <a:p>
-            <a:pPr indent="0" algn="just">
-              <a:lnSpc>
-                <a:spcPct val="150000"/>
-              </a:lnSpc>
-              <a:spcBef>
-                <a:spcPts val="0"/>
-              </a:spcBef>
-            </a:pPr>
-            <a:r>
-              <a:rPr lang="es-ES" sz="1800" dirty="0">
-                <a:solidFill>
-                  <a:schemeClr val="tx1"/>
-                </a:solidFill>
-                <a:latin typeface="Arial" panose="020B0604020202020204" pitchFamily="34" charset="0"/>
-                <a:cs typeface="Arial" panose="020B0604020202020204" pitchFamily="34" charset="0"/>
-              </a:rPr>
-              <a:t>WAN IP empresarial</a:t>
-            </a:r>
-            <a:endParaRPr lang="es-ES" sz="1800" dirty="0">
-              <a:solidFill>
-                <a:schemeClr val="accent6">
-                  <a:lumMod val="75000"/>
-                </a:schemeClr>
-              </a:solidFill>
-              <a:latin typeface="Arial" panose="020B0604020202020204" pitchFamily="34" charset="0"/>
-              <a:cs typeface="Arial" panose="020B0604020202020204" pitchFamily="34" charset="0"/>
-            </a:endParaRPr>
-          </a:p>
-          <a:p>
-            <a:pPr marL="1028700" lvl="1" algn="just">
-              <a:lnSpc>
-                <a:spcPct val="150000"/>
-              </a:lnSpc>
-              <a:spcBef>
-                <a:spcPts val="0"/>
-              </a:spcBef>
-              <a:buFont typeface="Courier New" panose="02070309020205020404" pitchFamily="49" charset="0"/>
-              <a:buChar char="o"/>
-            </a:pPr>
-            <a:endParaRPr lang="en-US" sz="2600" dirty="0">
-              <a:latin typeface="Arial" panose="020B0604020202020204" pitchFamily="34" charset="0"/>
-              <a:cs typeface="Arial" panose="020B0604020202020204" pitchFamily="34" charset="0"/>
-            </a:endParaRPr>
           </a:p>
         </p:txBody>
       </p:sp>
@@ -7901,7 +6981,7 @@
 </p:sld>
 </file>
 
-<file path=ppt/slides/slide12.xml><?xml version="1.0" encoding="utf-8"?>
+<file path=ppt/slides/slide11.xml><?xml version="1.0" encoding="utf-8"?>
 <p:sld xmlns:a="http://schemas.openxmlformats.org/drawingml/2006/main" xmlns:r="http://schemas.openxmlformats.org/officeDocument/2006/relationships" xmlns:p="http://schemas.openxmlformats.org/presentationml/2006/main">
   <p:cSld>
     <p:spTree>
@@ -8404,7 +7484,7 @@
 </p:sld>
 </file>
 
-<file path=ppt/slides/slide13.xml><?xml version="1.0" encoding="utf-8"?>
+<file path=ppt/slides/slide12.xml><?xml version="1.0" encoding="utf-8"?>
 <p:sld xmlns:a="http://schemas.openxmlformats.org/drawingml/2006/main" xmlns:r="http://schemas.openxmlformats.org/officeDocument/2006/relationships" xmlns:p="http://schemas.openxmlformats.org/presentationml/2006/main">
   <p:cSld>
     <p:spTree>
@@ -9061,7 +8141,85 @@
                 <a:latin typeface="Arial" panose="020B0604020202020204" pitchFamily="34" charset="0"/>
                 <a:cs typeface="Arial" panose="020B0604020202020204" pitchFamily="34" charset="0"/>
               </a:rPr>
-              <a:t>Por ejemplo, se podría reservar el 20% del ancho de banda del enlace para el tráfico de voz, el 30 % para tipos específicos de tráfico de datos y dejar el 50% para el resto del tráfico.</a:t>
+              <a:t>Por ejemplo, se podría reservar el </a:t>
+            </a:r>
+            <a:r>
+              <a:rPr lang="es-ES" sz="1800" b="1" dirty="0">
+                <a:solidFill>
+                  <a:schemeClr val="tx1">
+                    <a:lumMod val="95000"/>
+                    <a:lumOff val="5000"/>
+                  </a:schemeClr>
+                </a:solidFill>
+                <a:latin typeface="Arial" panose="020B0604020202020204" pitchFamily="34" charset="0"/>
+                <a:cs typeface="Arial" panose="020B0604020202020204" pitchFamily="34" charset="0"/>
+              </a:rPr>
+              <a:t>20% </a:t>
+            </a:r>
+            <a:r>
+              <a:rPr lang="es-ES" sz="1800" dirty="0">
+                <a:solidFill>
+                  <a:schemeClr val="tx1">
+                    <a:lumMod val="95000"/>
+                    <a:lumOff val="5000"/>
+                  </a:schemeClr>
+                </a:solidFill>
+                <a:latin typeface="Arial" panose="020B0604020202020204" pitchFamily="34" charset="0"/>
+                <a:cs typeface="Arial" panose="020B0604020202020204" pitchFamily="34" charset="0"/>
+              </a:rPr>
+              <a:t>del ancho de banda del enlace para el tráfico de voz, el </a:t>
+            </a:r>
+            <a:r>
+              <a:rPr lang="es-ES" sz="1800" b="1" dirty="0">
+                <a:solidFill>
+                  <a:schemeClr val="tx1">
+                    <a:lumMod val="95000"/>
+                    <a:lumOff val="5000"/>
+                  </a:schemeClr>
+                </a:solidFill>
+                <a:latin typeface="Arial" panose="020B0604020202020204" pitchFamily="34" charset="0"/>
+                <a:cs typeface="Arial" panose="020B0604020202020204" pitchFamily="34" charset="0"/>
+              </a:rPr>
+              <a:t>30% </a:t>
+            </a:r>
+            <a:r>
+              <a:rPr lang="es-ES" sz="1800" dirty="0">
+                <a:solidFill>
+                  <a:schemeClr val="tx1">
+                    <a:lumMod val="95000"/>
+                    <a:lumOff val="5000"/>
+                  </a:schemeClr>
+                </a:solidFill>
+                <a:latin typeface="Arial" panose="020B0604020202020204" pitchFamily="34" charset="0"/>
+                <a:cs typeface="Arial" panose="020B0604020202020204" pitchFamily="34" charset="0"/>
+              </a:rPr>
+              <a:t>para tipos específicos de tráfico de datos y dejar el </a:t>
+            </a:r>
+            <a:r>
+              <a:rPr lang="es-ES" sz="1800" b="1" dirty="0">
+                <a:solidFill>
+                  <a:schemeClr val="tx1">
+                    <a:lumMod val="95000"/>
+                    <a:lumOff val="5000"/>
+                  </a:schemeClr>
+                </a:solidFill>
+                <a:latin typeface="Arial" panose="020B0604020202020204" pitchFamily="34" charset="0"/>
+                <a:cs typeface="Arial" panose="020B0604020202020204" pitchFamily="34" charset="0"/>
+              </a:rPr>
+              <a:t>50%</a:t>
+            </a:r>
+            <a:r>
+              <a:rPr lang="es-ES" sz="1800" dirty="0">
+                <a:solidFill>
+                  <a:schemeClr val="tx1">
+                    <a:lumMod val="95000"/>
+                    <a:lumOff val="5000"/>
+                  </a:schemeClr>
+                </a:solidFill>
+                <a:latin typeface="Arial" panose="020B0604020202020204" pitchFamily="34" charset="0"/>
+                <a:cs typeface="Arial" panose="020B0604020202020204" pitchFamily="34" charset="0"/>
+              </a:rPr>
+              <a:t> para el resto del tráfico.</a:t>
             </a:r>
           </a:p>
           <a:p>
@@ -9113,6 +8271,505 @@
     <p:extLst>
       <p:ext uri="{BB962C8B-B14F-4D97-AF65-F5344CB8AC3E}">
         <p14:creationId xmlns:p14="http://schemas.microsoft.com/office/powerpoint/2010/main" val="2886956972"/>
+      </p:ext>
+    </p:extLst>
+  </p:cSld>
+  <p:clrMapOvr>
+    <a:masterClrMapping/>
+  </p:clrMapOvr>
+  <mc:AlternateContent xmlns:mc="http://schemas.openxmlformats.org/markup-compatibility/2006" xmlns:p14="http://schemas.microsoft.com/office/powerpoint/2010/main">
+    <mc:Choice Requires="p14">
+      <p:transition spd="med" p14:dur="700">
+        <p:fade/>
+      </p:transition>
+    </mc:Choice>
+    <mc:Fallback xmlns="">
+      <p:transition xmlns:p14="http://schemas.microsoft.com/office/powerpoint/2010/main" spd="med">
+        <p:fade/>
+      </p:transition>
+    </mc:Fallback>
+  </mc:AlternateContent>
+</p:sld>
+</file>
+
+<file path=ppt/slides/slide13.xml><?xml version="1.0" encoding="utf-8"?>
+<p:sld xmlns:a="http://schemas.openxmlformats.org/drawingml/2006/main" xmlns:r="http://schemas.openxmlformats.org/officeDocument/2006/relationships" xmlns:p="http://schemas.openxmlformats.org/presentationml/2006/main">
+  <p:cSld>
+    <p:spTree>
+      <p:nvGrpSpPr>
+        <p:cNvPr id="1" name=""/>
+        <p:cNvGrpSpPr/>
+        <p:nvPr/>
+      </p:nvGrpSpPr>
+      <p:grpSpPr>
+        <a:xfrm>
+          <a:off x="0" y="0"/>
+          <a:ext cx="0" cy="0"/>
+          <a:chOff x="0" y="0"/>
+          <a:chExt cx="0" cy="0"/>
+        </a:xfrm>
+      </p:grpSpPr>
+      <p:sp>
+        <p:nvSpPr>
+          <p:cNvPr id="2" name="Content Placeholder 1"/>
+          <p:cNvSpPr>
+            <a:spLocks noGrp="1"/>
+          </p:cNvSpPr>
+          <p:nvPr>
+            <p:ph idx="1"/>
+          </p:nvPr>
+        </p:nvSpPr>
+        <p:spPr>
+          <a:xfrm>
+            <a:off x="107504" y="1340768"/>
+            <a:ext cx="8590279" cy="2608319"/>
+          </a:xfrm>
+        </p:spPr>
+        <p:txBody>
+          <a:bodyPr/>
+          <a:lstStyle/>
+          <a:p>
+            <a:pPr indent="0" algn="just">
+              <a:lnSpc>
+                <a:spcPct val="150000"/>
+              </a:lnSpc>
+              <a:spcBef>
+                <a:spcPts val="0"/>
+              </a:spcBef>
+            </a:pPr>
+            <a:r>
+              <a:rPr lang="es-ES" sz="1800" b="1" dirty="0">
+                <a:solidFill>
+                  <a:schemeClr val="accent6">
+                    <a:lumMod val="75000"/>
+                  </a:schemeClr>
+                </a:solidFill>
+                <a:latin typeface="Arial" panose="020B0604020202020204" pitchFamily="34" charset="0"/>
+                <a:cs typeface="Arial" panose="020B0604020202020204" pitchFamily="34" charset="0"/>
+              </a:rPr>
+              <a:t>2) Demora (</a:t>
+            </a:r>
+            <a:r>
+              <a:rPr lang="es-ES" sz="1800" b="1" dirty="0" err="1">
+                <a:solidFill>
+                  <a:schemeClr val="accent6">
+                    <a:lumMod val="75000"/>
+                  </a:schemeClr>
+                </a:solidFill>
+                <a:latin typeface="Arial" panose="020B0604020202020204" pitchFamily="34" charset="0"/>
+                <a:cs typeface="Arial" panose="020B0604020202020204" pitchFamily="34" charset="0"/>
+              </a:rPr>
+              <a:t>Delay</a:t>
+            </a:r>
+            <a:r>
+              <a:rPr lang="es-ES" sz="1800" b="1" dirty="0">
+                <a:solidFill>
+                  <a:schemeClr val="accent6">
+                    <a:lumMod val="75000"/>
+                  </a:schemeClr>
+                </a:solidFill>
+                <a:latin typeface="Arial" panose="020B0604020202020204" pitchFamily="34" charset="0"/>
+                <a:cs typeface="Arial" panose="020B0604020202020204" pitchFamily="34" charset="0"/>
+              </a:rPr>
+              <a:t>)  </a:t>
+            </a:r>
+          </a:p>
+          <a:p>
+            <a:pPr indent="0" algn="just">
+              <a:lnSpc>
+                <a:spcPct val="150000"/>
+              </a:lnSpc>
+              <a:spcBef>
+                <a:spcPts val="0"/>
+              </a:spcBef>
+            </a:pPr>
+            <a:r>
+              <a:rPr lang="es-ES" sz="1800" dirty="0">
+                <a:solidFill>
+                  <a:schemeClr val="tx1">
+                    <a:lumMod val="95000"/>
+                    <a:lumOff val="5000"/>
+                  </a:schemeClr>
+                </a:solidFill>
+                <a:latin typeface="Arial" panose="020B0604020202020204" pitchFamily="34" charset="0"/>
+                <a:cs typeface="Arial" panose="020B0604020202020204" pitchFamily="34" charset="0"/>
+              </a:rPr>
+              <a:t>    Hay dos formas principales de medir el retraso.</a:t>
+            </a:r>
+          </a:p>
+          <a:p>
+            <a:pPr marL="896938" indent="-358775" algn="just">
+              <a:lnSpc>
+                <a:spcPct val="150000"/>
+              </a:lnSpc>
+              <a:spcBef>
+                <a:spcPts val="0"/>
+              </a:spcBef>
+              <a:buFont typeface="+mj-lt"/>
+              <a:buAutoNum type="alphaLcParenR"/>
+            </a:pPr>
+            <a:r>
+              <a:rPr lang="es-ES" sz="1800" dirty="0">
+                <a:solidFill>
+                  <a:schemeClr val="tx1">
+                    <a:lumMod val="95000"/>
+                    <a:lumOff val="5000"/>
+                  </a:schemeClr>
+                </a:solidFill>
+                <a:latin typeface="Arial" panose="020B0604020202020204" pitchFamily="34" charset="0"/>
+                <a:cs typeface="Arial" panose="020B0604020202020204" pitchFamily="34" charset="0"/>
+              </a:rPr>
+              <a:t>La cantidad de tiempo que tarda el tráfico en ir del origen al destino = </a:t>
+            </a:r>
+            <a:r>
+              <a:rPr lang="es-ES" sz="1800" b="1" dirty="0">
+                <a:solidFill>
+                  <a:srgbClr val="00B0F0"/>
+                </a:solidFill>
+                <a:latin typeface="Arial" panose="020B0604020202020204" pitchFamily="34" charset="0"/>
+                <a:cs typeface="Arial" panose="020B0604020202020204" pitchFamily="34" charset="0"/>
+              </a:rPr>
+              <a:t>Demora en un solo sentido (</a:t>
+            </a:r>
+            <a:r>
+              <a:rPr lang="es-ES" sz="1800" b="1" dirty="0" err="1">
+                <a:solidFill>
+                  <a:srgbClr val="00B0F0"/>
+                </a:solidFill>
+                <a:latin typeface="Arial" panose="020B0604020202020204" pitchFamily="34" charset="0"/>
+                <a:cs typeface="Arial" panose="020B0604020202020204" pitchFamily="34" charset="0"/>
+              </a:rPr>
+              <a:t>one-way</a:t>
+            </a:r>
+            <a:r>
+              <a:rPr lang="es-ES" sz="1800" b="1" dirty="0">
+                <a:solidFill>
+                  <a:srgbClr val="00B0F0"/>
+                </a:solidFill>
+                <a:latin typeface="Arial" panose="020B0604020202020204" pitchFamily="34" charset="0"/>
+                <a:cs typeface="Arial" panose="020B0604020202020204" pitchFamily="34" charset="0"/>
+              </a:rPr>
+              <a:t> </a:t>
+            </a:r>
+            <a:r>
+              <a:rPr lang="es-ES" sz="1800" b="1" dirty="0" err="1">
+                <a:solidFill>
+                  <a:srgbClr val="00B0F0"/>
+                </a:solidFill>
+                <a:latin typeface="Arial" panose="020B0604020202020204" pitchFamily="34" charset="0"/>
+                <a:cs typeface="Arial" panose="020B0604020202020204" pitchFamily="34" charset="0"/>
+              </a:rPr>
+              <a:t>delay</a:t>
+            </a:r>
+            <a:r>
+              <a:rPr lang="es-ES" sz="1800" b="1" dirty="0">
+                <a:solidFill>
+                  <a:srgbClr val="00B0F0"/>
+                </a:solidFill>
+                <a:latin typeface="Arial" panose="020B0604020202020204" pitchFamily="34" charset="0"/>
+                <a:cs typeface="Arial" panose="020B0604020202020204" pitchFamily="34" charset="0"/>
+              </a:rPr>
+              <a:t>) </a:t>
+            </a:r>
+          </a:p>
+          <a:p>
+            <a:pPr marL="1255713" lvl="1" indent="-358775" algn="just">
+              <a:lnSpc>
+                <a:spcPct val="150000"/>
+              </a:lnSpc>
+              <a:spcBef>
+                <a:spcPts val="0"/>
+              </a:spcBef>
+              <a:buFont typeface="Arial" panose="020B0604020202020204" pitchFamily="34" charset="0"/>
+              <a:buChar char="•"/>
+            </a:pPr>
+            <a:r>
+              <a:rPr lang="es-ES" sz="1800" dirty="0">
+                <a:solidFill>
+                  <a:schemeClr val="tx1"/>
+                </a:solidFill>
+                <a:latin typeface="Arial" panose="020B0604020202020204" pitchFamily="34" charset="0"/>
+                <a:cs typeface="Arial" panose="020B0604020202020204" pitchFamily="34" charset="0"/>
+              </a:rPr>
+              <a:t>La cantidad de tiempo que tarda un paquete desde el teléfono 1 en llegar al teléfono 2 se denomina demora unidireccional.</a:t>
+            </a:r>
+          </a:p>
+        </p:txBody>
+      </p:sp>
+      <p:sp>
+        <p:nvSpPr>
+          <p:cNvPr id="4" name="Rectangle 5">
+            <a:extLst>
+              <a:ext uri="{FF2B5EF4-FFF2-40B4-BE49-F238E27FC236}">
+                <a16:creationId xmlns:a16="http://schemas.microsoft.com/office/drawing/2014/main" id="{BD2FAA3E-64BB-4FFB-46CC-02579F1E62D9}"/>
+              </a:ext>
+            </a:extLst>
+          </p:cNvPr>
+          <p:cNvSpPr txBox="1">
+            <a:spLocks noChangeArrowheads="1"/>
+          </p:cNvSpPr>
+          <p:nvPr/>
+        </p:nvSpPr>
+        <p:spPr bwMode="auto">
+          <a:xfrm>
+            <a:off x="1028700" y="37721"/>
+            <a:ext cx="7086600" cy="1143000"/>
+          </a:xfrm>
+          <a:prstGeom prst="rect">
+            <a:avLst/>
+          </a:prstGeom>
+          <a:noFill/>
+          <a:ln>
+            <a:noFill/>
+          </a:ln>
+          <a:extLst>
+            <a:ext uri="{909E8E84-426E-40DD-AFC4-6F175D3DCCD1}">
+              <a14:hiddenFill xmlns:a14="http://schemas.microsoft.com/office/drawing/2010/main">
+                <a:solidFill>
+                  <a:srgbClr val="FFFFFF"/>
+                </a:solidFill>
+              </a14:hiddenFill>
+            </a:ext>
+            <a:ext uri="{91240B29-F687-4F45-9708-019B960494DF}">
+              <a14:hiddenLine xmlns:a14="http://schemas.microsoft.com/office/drawing/2010/main" w="9525">
+                <a:solidFill>
+                  <a:srgbClr val="000000"/>
+                </a:solidFill>
+                <a:miter lim="800000"/>
+                <a:headEnd/>
+                <a:tailEnd/>
+              </a14:hiddenLine>
+            </a:ext>
+          </a:extLst>
+        </p:spPr>
+        <p:txBody>
+          <a:bodyPr vert="horz" lIns="91440" tIns="45720" rIns="91440" bIns="45720" rtlCol="0" anchor="ctr">
+            <a:normAutofit/>
+          </a:bodyPr>
+          <a:lstStyle>
+            <a:lvl1pPr algn="ctr" defTabSz="914400" rtl="0" eaLnBrk="1" latinLnBrk="0" hangingPunct="1">
+              <a:spcBef>
+                <a:spcPct val="0"/>
+              </a:spcBef>
+              <a:buNone/>
+              <a:defRPr sz="4400" kern="1200">
+                <a:solidFill>
+                  <a:srgbClr val="004C69"/>
+                </a:solidFill>
+                <a:latin typeface="+mj-lt"/>
+                <a:ea typeface="+mj-ea"/>
+                <a:cs typeface="+mj-cs"/>
+              </a:defRPr>
+            </a:lvl1pPr>
+          </a:lstStyle>
+          <a:p>
+            <a:pPr>
+              <a:spcBef>
+                <a:spcPts val="0"/>
+              </a:spcBef>
+            </a:pPr>
+            <a:r>
+              <a:rPr lang="es-ES_tradnl" altLang="es-MX" sz="3200" b="1" dirty="0" err="1">
+                <a:solidFill>
+                  <a:schemeClr val="accent4">
+                    <a:lumMod val="50000"/>
+                  </a:schemeClr>
+                </a:solidFill>
+                <a:effectLst>
+                  <a:outerShdw blurRad="38100" dist="38100" dir="2700000" algn="tl">
+                    <a:srgbClr val="C0C0C0"/>
+                  </a:outerShdw>
+                </a:effectLst>
+                <a:latin typeface="Dom Casual" charset="0"/>
+              </a:rPr>
+              <a:t>Quality</a:t>
+            </a:r>
+            <a:r>
+              <a:rPr lang="es-ES_tradnl" altLang="es-MX" sz="3200" b="1" dirty="0">
+                <a:solidFill>
+                  <a:schemeClr val="accent4">
+                    <a:lumMod val="50000"/>
+                  </a:schemeClr>
+                </a:solidFill>
+                <a:effectLst>
+                  <a:outerShdw blurRad="38100" dist="38100" dir="2700000" algn="tl">
+                    <a:srgbClr val="C0C0C0"/>
+                  </a:outerShdw>
+                </a:effectLst>
+                <a:latin typeface="Dom Casual" charset="0"/>
+              </a:rPr>
+              <a:t> </a:t>
+            </a:r>
+            <a:r>
+              <a:rPr lang="es-ES_tradnl" altLang="es-MX" sz="3200" b="1" dirty="0" err="1">
+                <a:solidFill>
+                  <a:schemeClr val="accent4">
+                    <a:lumMod val="50000"/>
+                  </a:schemeClr>
+                </a:solidFill>
+                <a:effectLst>
+                  <a:outerShdw blurRad="38100" dist="38100" dir="2700000" algn="tl">
+                    <a:srgbClr val="C0C0C0"/>
+                  </a:outerShdw>
+                </a:effectLst>
+                <a:latin typeface="Dom Casual" charset="0"/>
+              </a:rPr>
+              <a:t>of</a:t>
+            </a:r>
+            <a:r>
+              <a:rPr lang="es-ES_tradnl" altLang="es-MX" sz="3200" b="1" dirty="0">
+                <a:solidFill>
+                  <a:schemeClr val="accent4">
+                    <a:lumMod val="50000"/>
+                  </a:schemeClr>
+                </a:solidFill>
+                <a:effectLst>
+                  <a:outerShdw blurRad="38100" dist="38100" dir="2700000" algn="tl">
+                    <a:srgbClr val="C0C0C0"/>
+                  </a:outerShdw>
+                </a:effectLst>
+                <a:latin typeface="Dom Casual" charset="0"/>
+              </a:rPr>
+              <a:t> </a:t>
+            </a:r>
+            <a:r>
+              <a:rPr lang="es-ES_tradnl" altLang="es-MX" sz="3200" b="1" dirty="0" err="1">
+                <a:solidFill>
+                  <a:schemeClr val="accent4">
+                    <a:lumMod val="50000"/>
+                  </a:schemeClr>
+                </a:solidFill>
+                <a:effectLst>
+                  <a:outerShdw blurRad="38100" dist="38100" dir="2700000" algn="tl">
+                    <a:srgbClr val="C0C0C0"/>
+                  </a:outerShdw>
+                </a:effectLst>
+                <a:latin typeface="Dom Casual" charset="0"/>
+              </a:rPr>
+              <a:t>service</a:t>
+            </a:r>
+            <a:r>
+              <a:rPr lang="es-ES_tradnl" altLang="es-MX" sz="3200" b="1" dirty="0">
+                <a:solidFill>
+                  <a:schemeClr val="accent4">
+                    <a:lumMod val="50000"/>
+                  </a:schemeClr>
+                </a:solidFill>
+                <a:effectLst>
+                  <a:outerShdw blurRad="38100" dist="38100" dir="2700000" algn="tl">
+                    <a:srgbClr val="C0C0C0"/>
+                  </a:outerShdw>
+                </a:effectLst>
+                <a:latin typeface="Dom Casual" charset="0"/>
+              </a:rPr>
+              <a:t> (</a:t>
+            </a:r>
+            <a:r>
+              <a:rPr lang="es-ES_tradnl" altLang="es-MX" sz="3200" b="1" dirty="0" err="1">
+                <a:solidFill>
+                  <a:schemeClr val="accent4">
+                    <a:lumMod val="50000"/>
+                  </a:schemeClr>
+                </a:solidFill>
+                <a:effectLst>
+                  <a:outerShdw blurRad="38100" dist="38100" dir="2700000" algn="tl">
+                    <a:srgbClr val="C0C0C0"/>
+                  </a:outerShdw>
+                </a:effectLst>
+                <a:latin typeface="Dom Casual" charset="0"/>
+              </a:rPr>
+              <a:t>QoS</a:t>
+            </a:r>
+            <a:r>
+              <a:rPr lang="es-ES_tradnl" altLang="es-MX" sz="3200" b="1" dirty="0">
+                <a:solidFill>
+                  <a:schemeClr val="accent4">
+                    <a:lumMod val="50000"/>
+                  </a:schemeClr>
+                </a:solidFill>
+                <a:effectLst>
+                  <a:outerShdw blurRad="38100" dist="38100" dir="2700000" algn="tl">
+                    <a:srgbClr val="C0C0C0"/>
+                  </a:outerShdw>
+                </a:effectLst>
+                <a:latin typeface="Dom Casual" charset="0"/>
+              </a:rPr>
+              <a:t>)</a:t>
+            </a:r>
+          </a:p>
+          <a:p>
+            <a:pPr>
+              <a:spcBef>
+                <a:spcPts val="0"/>
+              </a:spcBef>
+            </a:pPr>
+            <a:r>
+              <a:rPr lang="es-ES_tradnl" altLang="es-MX" sz="1800" b="1" dirty="0">
+                <a:solidFill>
+                  <a:schemeClr val="accent3">
+                    <a:lumMod val="75000"/>
+                  </a:schemeClr>
+                </a:solidFill>
+                <a:latin typeface="Dom Casual" charset="0"/>
+              </a:rPr>
+              <a:t>Demora - </a:t>
+            </a:r>
+            <a:r>
+              <a:rPr lang="es-ES_tradnl" altLang="es-MX" sz="1800" b="1" dirty="0" err="1">
+                <a:solidFill>
+                  <a:schemeClr val="accent3">
+                    <a:lumMod val="75000"/>
+                  </a:schemeClr>
+                </a:solidFill>
+                <a:latin typeface="Dom Casual" charset="0"/>
+              </a:rPr>
+              <a:t>Delay</a:t>
+            </a:r>
+            <a:endParaRPr lang="es-ES_tradnl" altLang="es-MX" sz="1800" b="1" dirty="0">
+              <a:solidFill>
+                <a:schemeClr val="accent3">
+                  <a:lumMod val="75000"/>
+                </a:schemeClr>
+              </a:solidFill>
+              <a:latin typeface="Dom Casual" charset="0"/>
+            </a:endParaRPr>
+          </a:p>
+        </p:txBody>
+      </p:sp>
+      <p:pic>
+        <p:nvPicPr>
+          <p:cNvPr id="13" name="Imagen 12">
+            <a:extLst>
+              <a:ext uri="{FF2B5EF4-FFF2-40B4-BE49-F238E27FC236}">
+                <a16:creationId xmlns:a16="http://schemas.microsoft.com/office/drawing/2014/main" id="{848DCE5A-B05B-A69C-C728-F2BF7E4DEB00}"/>
+              </a:ext>
+            </a:extLst>
+          </p:cNvPr>
+          <p:cNvPicPr>
+            <a:picLocks noChangeAspect="1"/>
+          </p:cNvPicPr>
+          <p:nvPr/>
+        </p:nvPicPr>
+        <p:blipFill>
+          <a:blip r:embed="rId3"/>
+          <a:stretch>
+            <a:fillRect/>
+          </a:stretch>
+        </p:blipFill>
+        <p:spPr>
+          <a:xfrm>
+            <a:off x="2836" y="4221088"/>
+            <a:ext cx="9141164" cy="1663087"/>
+          </a:xfrm>
+          <a:prstGeom prst="rect">
+            <a:avLst/>
+          </a:prstGeom>
+        </p:spPr>
+      </p:pic>
+    </p:spTree>
+    <p:extLst>
+      <p:ext uri="{BB962C8B-B14F-4D97-AF65-F5344CB8AC3E}">
+        <p14:creationId xmlns:p14="http://schemas.microsoft.com/office/powerpoint/2010/main" val="1064112853"/>
       </p:ext>
     </p:extLst>
   </p:cSld>
@@ -9163,82 +8820,13 @@
         </p:nvSpPr>
         <p:spPr>
           <a:xfrm>
-            <a:off x="35496" y="1700808"/>
-            <a:ext cx="8590279" cy="2608319"/>
+            <a:off x="8632" y="1556793"/>
+            <a:ext cx="8590279" cy="2088232"/>
           </a:xfrm>
         </p:spPr>
         <p:txBody>
           <a:bodyPr/>
           <a:lstStyle/>
-          <a:p>
-            <a:pPr indent="0" algn="just">
-              <a:lnSpc>
-                <a:spcPct val="150000"/>
-              </a:lnSpc>
-              <a:spcBef>
-                <a:spcPts val="0"/>
-              </a:spcBef>
-            </a:pPr>
-            <a:r>
-              <a:rPr lang="es-ES" sz="1800" b="1" dirty="0">
-                <a:solidFill>
-                  <a:schemeClr val="accent6">
-                    <a:lumMod val="75000"/>
-                  </a:schemeClr>
-                </a:solidFill>
-                <a:latin typeface="Arial" panose="020B0604020202020204" pitchFamily="34" charset="0"/>
-                <a:cs typeface="Arial" panose="020B0604020202020204" pitchFamily="34" charset="0"/>
-              </a:rPr>
-              <a:t>2) Demora (</a:t>
-            </a:r>
-            <a:r>
-              <a:rPr lang="es-ES" sz="1800" b="1" dirty="0" err="1">
-                <a:solidFill>
-                  <a:schemeClr val="accent6">
-                    <a:lumMod val="75000"/>
-                  </a:schemeClr>
-                </a:solidFill>
-                <a:latin typeface="Arial" panose="020B0604020202020204" pitchFamily="34" charset="0"/>
-                <a:cs typeface="Arial" panose="020B0604020202020204" pitchFamily="34" charset="0"/>
-              </a:rPr>
-              <a:t>Delay</a:t>
-            </a:r>
-            <a:r>
-              <a:rPr lang="es-ES" sz="1800" b="1" dirty="0">
-                <a:solidFill>
-                  <a:schemeClr val="accent6">
-                    <a:lumMod val="75000"/>
-                  </a:schemeClr>
-                </a:solidFill>
-                <a:latin typeface="Arial" panose="020B0604020202020204" pitchFamily="34" charset="0"/>
-                <a:cs typeface="Arial" panose="020B0604020202020204" pitchFamily="34" charset="0"/>
-              </a:rPr>
-              <a:t>)  </a:t>
-            </a:r>
-          </a:p>
-          <a:p>
-            <a:pPr indent="0" algn="just">
-              <a:lnSpc>
-                <a:spcPct val="150000"/>
-              </a:lnSpc>
-              <a:spcBef>
-                <a:spcPts val="0"/>
-              </a:spcBef>
-            </a:pPr>
-            <a:r>
-              <a:rPr lang="es-ES" sz="1800" dirty="0">
-                <a:solidFill>
-                  <a:schemeClr val="tx1">
-                    <a:lumMod val="95000"/>
-                    <a:lumOff val="5000"/>
-                  </a:schemeClr>
-                </a:solidFill>
-                <a:latin typeface="Arial" panose="020B0604020202020204" pitchFamily="34" charset="0"/>
-                <a:cs typeface="Arial" panose="020B0604020202020204" pitchFamily="34" charset="0"/>
-              </a:rPr>
-              <a:t>Hay dos formas principales de medir el retraso.</a:t>
-            </a:r>
-          </a:p>
           <a:p>
             <a:pPr marL="628590" indent="-342900" algn="just">
               <a:lnSpc>
@@ -9248,7 +8836,7 @@
                 <a:spcPts val="0"/>
               </a:spcBef>
               <a:buFont typeface="+mj-lt"/>
-              <a:buAutoNum type="alphaLcParenR"/>
+              <a:buAutoNum type="alphaLcParenR" startAt="2"/>
             </a:pPr>
             <a:r>
               <a:rPr lang="es-ES" sz="1800" dirty="0">
@@ -9261,7 +8849,7 @@
                 <a:latin typeface="Arial" panose="020B0604020202020204" pitchFamily="34" charset="0"/>
                 <a:cs typeface="Arial" panose="020B0604020202020204" pitchFamily="34" charset="0"/>
               </a:rPr>
-              <a:t>La cantidad de tiempo que tarda el tráfico en ir del origen al destino = </a:t>
+              <a:t>La cantidad de tiempo que tarda el tráfico en ir del origen al destino y regresar = </a:t>
             </a:r>
             <a:r>
               <a:rPr lang="es-ES" sz="1800" b="1" dirty="0">
@@ -9271,7 +8859,7 @@
                 <a:latin typeface="Arial" panose="020B0604020202020204" pitchFamily="34" charset="0"/>
                 <a:cs typeface="Arial" panose="020B0604020202020204" pitchFamily="34" charset="0"/>
               </a:rPr>
-              <a:t>Demora en un solo sentido (</a:t>
+              <a:t>Demora bidireccional (</a:t>
             </a:r>
             <a:r>
               <a:rPr lang="es-ES" sz="1800" b="1" dirty="0" err="1">
@@ -9281,7 +8869,7 @@
                 <a:latin typeface="Arial" panose="020B0604020202020204" pitchFamily="34" charset="0"/>
                 <a:cs typeface="Arial" panose="020B0604020202020204" pitchFamily="34" charset="0"/>
               </a:rPr>
-              <a:t>one-way</a:t>
+              <a:t>two-way</a:t>
             </a:r>
             <a:r>
               <a:rPr lang="es-ES" sz="1800" b="1" dirty="0">
@@ -9315,7 +8903,7 @@
             </a:r>
           </a:p>
           <a:p>
-            <a:pPr marL="1028700" lvl="1" algn="just">
+            <a:pPr marL="912813" lvl="1" algn="just">
               <a:lnSpc>
                 <a:spcPct val="150000"/>
               </a:lnSpc>
@@ -9328,12 +8916,15 @@
             <a:r>
               <a:rPr lang="es-ES" sz="1800" dirty="0">
                 <a:solidFill>
-                  <a:schemeClr val="tx1"/>
-                </a:solidFill>
-                <a:latin typeface="Arial" panose="020B0604020202020204" pitchFamily="34" charset="0"/>
-                <a:cs typeface="Arial" panose="020B0604020202020204" pitchFamily="34" charset="0"/>
-              </a:rPr>
-              <a:t>La cantidad de tiempo que tarda un paquete desde el teléfono 1 en llegar al teléfono 2 se denomina demora unidireccional.</a:t>
+                  <a:schemeClr val="tx1">
+                    <a:lumMod val="95000"/>
+                    <a:lumOff val="5000"/>
+                  </a:schemeClr>
+                </a:solidFill>
+                <a:latin typeface="Arial" panose="020B0604020202020204" pitchFamily="34" charset="0"/>
+                <a:cs typeface="Arial" panose="020B0604020202020204" pitchFamily="34" charset="0"/>
+              </a:rPr>
+              <a:t>No solo mide cuánto tarda un paquete en ir del teléfono 1 al teléfono 2, sino también cuánto tiempo tarda la respuesta en volver al teléfono 1.</a:t>
             </a:r>
           </a:p>
         </p:txBody>
@@ -9580,10 +9171,10 @@
       </p:sp>
       <p:pic>
         <p:nvPicPr>
-          <p:cNvPr id="13" name="Imagen 12">
+          <p:cNvPr id="15" name="Imagen 14">
             <a:extLst>
               <a:ext uri="{FF2B5EF4-FFF2-40B4-BE49-F238E27FC236}">
-                <a16:creationId xmlns:a16="http://schemas.microsoft.com/office/drawing/2014/main" id="{848DCE5A-B05B-A69C-C728-F2BF7E4DEB00}"/>
+                <a16:creationId xmlns:a16="http://schemas.microsoft.com/office/drawing/2014/main" id="{B66CE1CC-F06F-AF30-E86D-1C5D4CC5222B}"/>
               </a:ext>
             </a:extLst>
           </p:cNvPr>
@@ -9600,8 +9191,8 @@
         </p:blipFill>
         <p:spPr>
           <a:xfrm>
-            <a:off x="2836" y="5194913"/>
-            <a:ext cx="9141164" cy="1663087"/>
+            <a:off x="0" y="3596281"/>
+            <a:ext cx="9144000" cy="1704926"/>
           </a:xfrm>
           <a:prstGeom prst="rect">
             <a:avLst/>
@@ -9611,7 +9202,7 @@
     </p:spTree>
     <p:extLst>
       <p:ext uri="{BB962C8B-B14F-4D97-AF65-F5344CB8AC3E}">
-        <p14:creationId xmlns:p14="http://schemas.microsoft.com/office/powerpoint/2010/main" val="1064112853"/>
+        <p14:creationId xmlns:p14="http://schemas.microsoft.com/office/powerpoint/2010/main" val="3038598994"/>
       </p:ext>
     </p:extLst>
   </p:cSld>
@@ -9662,23 +9253,65 @@
         </p:nvSpPr>
         <p:spPr>
           <a:xfrm>
-            <a:off x="8632" y="1556793"/>
-            <a:ext cx="8590279" cy="2088232"/>
+            <a:off x="179512" y="1180721"/>
+            <a:ext cx="8590279" cy="2608319"/>
           </a:xfrm>
         </p:spPr>
         <p:txBody>
           <a:bodyPr/>
           <a:lstStyle/>
           <a:p>
-            <a:pPr marL="628590" indent="-342900" algn="just">
+            <a:pPr indent="0" algn="just">
               <a:lnSpc>
                 <a:spcPct val="150000"/>
               </a:lnSpc>
               <a:spcBef>
                 <a:spcPts val="0"/>
               </a:spcBef>
-              <a:buFont typeface="+mj-lt"/>
-              <a:buAutoNum type="alphaLcParenR" startAt="2"/>
+            </a:pPr>
+            <a:r>
+              <a:rPr lang="es-ES" sz="1800" b="1" dirty="0">
+                <a:solidFill>
+                  <a:schemeClr val="accent6">
+                    <a:lumMod val="75000"/>
+                  </a:schemeClr>
+                </a:solidFill>
+                <a:latin typeface="Arial" panose="020B0604020202020204" pitchFamily="34" charset="0"/>
+                <a:cs typeface="Arial" panose="020B0604020202020204" pitchFamily="34" charset="0"/>
+              </a:rPr>
+              <a:t>3) </a:t>
+            </a:r>
+            <a:r>
+              <a:rPr lang="es-ES" sz="1800" b="1" dirty="0" err="1">
+                <a:solidFill>
+                  <a:schemeClr val="accent6">
+                    <a:lumMod val="75000"/>
+                  </a:schemeClr>
+                </a:solidFill>
+                <a:latin typeface="Arial" panose="020B0604020202020204" pitchFamily="34" charset="0"/>
+                <a:cs typeface="Arial" panose="020B0604020202020204" pitchFamily="34" charset="0"/>
+              </a:rPr>
+              <a:t>Jitter</a:t>
+            </a:r>
+            <a:endParaRPr lang="es-ES" sz="1800" dirty="0">
+              <a:solidFill>
+                <a:schemeClr val="tx1">
+                  <a:lumMod val="95000"/>
+                  <a:lumOff val="5000"/>
+                </a:schemeClr>
+              </a:solidFill>
+              <a:latin typeface="Arial" panose="020B0604020202020204" pitchFamily="34" charset="0"/>
+              <a:cs typeface="Arial" panose="020B0604020202020204" pitchFamily="34" charset="0"/>
+            </a:endParaRPr>
+          </a:p>
+          <a:p>
+            <a:pPr marL="627063" indent="0" algn="just">
+              <a:lnSpc>
+                <a:spcPct val="150000"/>
+              </a:lnSpc>
+              <a:spcBef>
+                <a:spcPts val="0"/>
+              </a:spcBef>
             </a:pPr>
             <a:r>
               <a:rPr lang="es-ES" sz="1800" dirty="0">
@@ -9691,61 +9324,11 @@
                 <a:latin typeface="Arial" panose="020B0604020202020204" pitchFamily="34" charset="0"/>
                 <a:cs typeface="Arial" panose="020B0604020202020204" pitchFamily="34" charset="0"/>
               </a:rPr>
-              <a:t>La cantidad de tiempo que tarda el tráfico en ir del origen al destino y regresar = </a:t>
-            </a:r>
-            <a:r>
-              <a:rPr lang="es-ES" sz="1800" b="1" dirty="0">
-                <a:solidFill>
-                  <a:srgbClr val="00B0F0"/>
-                </a:solidFill>
-                <a:latin typeface="Arial" panose="020B0604020202020204" pitchFamily="34" charset="0"/>
-                <a:cs typeface="Arial" panose="020B0604020202020204" pitchFamily="34" charset="0"/>
-              </a:rPr>
-              <a:t>Demora bidireccional (</a:t>
-            </a:r>
-            <a:r>
-              <a:rPr lang="es-ES" sz="1800" b="1" dirty="0" err="1">
-                <a:solidFill>
-                  <a:srgbClr val="00B0F0"/>
-                </a:solidFill>
-                <a:latin typeface="Arial" panose="020B0604020202020204" pitchFamily="34" charset="0"/>
-                <a:cs typeface="Arial" panose="020B0604020202020204" pitchFamily="34" charset="0"/>
-              </a:rPr>
-              <a:t>two-way</a:t>
-            </a:r>
-            <a:r>
-              <a:rPr lang="es-ES" sz="1800" b="1" dirty="0">
-                <a:solidFill>
-                  <a:srgbClr val="00B0F0"/>
-                </a:solidFill>
-                <a:latin typeface="Arial" panose="020B0604020202020204" pitchFamily="34" charset="0"/>
-                <a:cs typeface="Arial" panose="020B0604020202020204" pitchFamily="34" charset="0"/>
-              </a:rPr>
-              <a:t> </a:t>
-            </a:r>
-            <a:r>
-              <a:rPr lang="es-ES" sz="1800" b="1" dirty="0" err="1">
-                <a:solidFill>
-                  <a:srgbClr val="00B0F0"/>
-                </a:solidFill>
-                <a:latin typeface="Arial" panose="020B0604020202020204" pitchFamily="34" charset="0"/>
-                <a:cs typeface="Arial" panose="020B0604020202020204" pitchFamily="34" charset="0"/>
-              </a:rPr>
-              <a:t>delay</a:t>
-            </a:r>
-            <a:r>
-              <a:rPr lang="es-ES" sz="1800" b="1" dirty="0">
-                <a:solidFill>
-                  <a:srgbClr val="00B0F0"/>
-                </a:solidFill>
-                <a:latin typeface="Arial" panose="020B0604020202020204" pitchFamily="34" charset="0"/>
-                <a:cs typeface="Arial" panose="020B0604020202020204" pitchFamily="34" charset="0"/>
-              </a:rPr>
-              <a:t>) </a:t>
-            </a:r>
-          </a:p>
-          <a:p>
-            <a:pPr marL="912813" lvl="1" algn="just">
+              <a:t>Es la variación en el retardo unidireccional entre los paquetes enviados por la misma aplicación. </a:t>
+            </a:r>
+          </a:p>
+          <a:p>
+            <a:pPr marL="806450" indent="-179388" algn="just">
               <a:lnSpc>
                 <a:spcPct val="150000"/>
               </a:lnSpc>
@@ -9766,8 +9349,17 @@
                 <a:latin typeface="Arial" panose="020B0604020202020204" pitchFamily="34" charset="0"/>
                 <a:cs typeface="Arial" panose="020B0604020202020204" pitchFamily="34" charset="0"/>
               </a:rPr>
-              <a:t>No solo mide cuánto tarda un paquete en ir del teléfono 1 al teléfono 2, sino también cuánto tiempo tarda la respuesta en volver al teléfono 1.</a:t>
-            </a:r>
+              <a:t>Por ejemplo, si algunos paquetes llegan en 10 milisegundos, pero algunos llegan en 100 milisegundos, eso es mucha fluctuación, una gran diferencia en el tiempo que tarda cada paquete en llegar a su destino. </a:t>
+            </a:r>
+            <a:endParaRPr lang="es-ES" sz="1800" b="1" dirty="0">
+              <a:solidFill>
+                <a:schemeClr val="accent6">
+                  <a:lumMod val="75000"/>
+                </a:schemeClr>
+              </a:solidFill>
+              <a:latin typeface="Arial" panose="020B0604020202020204" pitchFamily="34" charset="0"/>
+              <a:cs typeface="Arial" panose="020B0604020202020204" pitchFamily="34" charset="0"/>
+            </a:endParaRPr>
           </a:p>
         </p:txBody>
       </p:sp>
@@ -9979,7 +9571,7 @@
               </a:spcBef>
             </a:pPr>
             <a:r>
-              <a:rPr lang="es-ES_tradnl" altLang="es-MX" sz="1800" b="1" dirty="0">
+              <a:rPr lang="es-ES_tradnl" altLang="es-MX" sz="1800" b="1" dirty="0" err="1">
                 <a:solidFill>
                   <a:schemeClr val="accent3">
                     <a:lumMod val="75000"/>
@@ -9987,18 +9579,7 @@
                 </a:solidFill>
                 <a:latin typeface="Dom Casual" charset="0"/>
               </a:rPr>
-              <a:t>Demora - </a:t>
-            </a:r>
-            <a:r>
-              <a:rPr lang="es-ES_tradnl" altLang="es-MX" sz="1800" b="1" dirty="0" err="1">
-                <a:solidFill>
-                  <a:schemeClr val="accent3">
-                    <a:lumMod val="75000"/>
-                  </a:schemeClr>
-                </a:solidFill>
-                <a:latin typeface="Dom Casual" charset="0"/>
-              </a:rPr>
-              <a:t>Delay</a:t>
+              <a:t>Jitter</a:t>
             </a:r>
             <a:endParaRPr lang="es-ES_tradnl" altLang="es-MX" sz="1800" b="1" dirty="0">
               <a:solidFill>
@@ -10013,10 +9594,10 @@
       </p:sp>
       <p:pic>
         <p:nvPicPr>
-          <p:cNvPr id="15" name="Imagen 14">
+          <p:cNvPr id="6" name="Imagen 5">
             <a:extLst>
               <a:ext uri="{FF2B5EF4-FFF2-40B4-BE49-F238E27FC236}">
-                <a16:creationId xmlns:a16="http://schemas.microsoft.com/office/drawing/2014/main" id="{B66CE1CC-F06F-AF30-E86D-1C5D4CC5222B}"/>
+                <a16:creationId xmlns:a16="http://schemas.microsoft.com/office/drawing/2014/main" id="{DAB8B6F3-28F0-87A2-65F9-58DB04AAAB3E}"/>
               </a:ext>
             </a:extLst>
           </p:cNvPr>
@@ -10033,8 +9614,8 @@
         </p:blipFill>
         <p:spPr>
           <a:xfrm>
-            <a:off x="26268" y="5153074"/>
-            <a:ext cx="9144000" cy="1704926"/>
+            <a:off x="1619672" y="4005064"/>
+            <a:ext cx="6200775" cy="1476375"/>
           </a:xfrm>
           <a:prstGeom prst="rect">
             <a:avLst/>
@@ -10044,7 +9625,7 @@
     </p:spTree>
     <p:extLst>
       <p:ext uri="{BB962C8B-B14F-4D97-AF65-F5344CB8AC3E}">
-        <p14:creationId xmlns:p14="http://schemas.microsoft.com/office/powerpoint/2010/main" val="3038598994"/>
+        <p14:creationId xmlns:p14="http://schemas.microsoft.com/office/powerpoint/2010/main" val="600043969"/>
       </p:ext>
     </p:extLst>
   </p:cSld>
@@ -10147,29 +9728,6 @@
             </a:endParaRPr>
           </a:p>
           <a:p>
-            <a:pPr indent="0" algn="just">
-              <a:lnSpc>
-                <a:spcPct val="150000"/>
-              </a:lnSpc>
-              <a:spcBef>
-                <a:spcPts val="0"/>
-              </a:spcBef>
-            </a:pPr>
-            <a:r>
-              <a:rPr lang="es-ES" sz="1800" dirty="0">
-                <a:solidFill>
-                  <a:schemeClr val="tx1">
-                    <a:lumMod val="95000"/>
-                    <a:lumOff val="5000"/>
-                  </a:schemeClr>
-                </a:solidFill>
-                <a:latin typeface="Arial" panose="020B0604020202020204" pitchFamily="34" charset="0"/>
-                <a:cs typeface="Arial" panose="020B0604020202020204" pitchFamily="34" charset="0"/>
-              </a:rPr>
-              <a:t>Es la variación en el retardo unidireccional entre los paquetes enviados por la misma aplicación. </a:t>
-            </a:r>
-          </a:p>
-          <a:p>
             <a:pPr marL="571440" indent="-285750" algn="just">
               <a:lnSpc>
                 <a:spcPct val="150000"/>
@@ -10191,12 +9749,143 @@
                 <a:latin typeface="Arial" panose="020B0604020202020204" pitchFamily="34" charset="0"/>
                 <a:cs typeface="Arial" panose="020B0604020202020204" pitchFamily="34" charset="0"/>
               </a:rPr>
-              <a:t>Por ejemplo, si algunos paquetes llegan en 10 milisegundos, pero algunos llegan en 100 milisegundos, eso es mucha fluctuación, una gran diferencia en el tiempo que tarda cada paquete en llegar a su destino. </a:t>
+              <a:t>El </a:t>
+            </a:r>
+            <a:r>
+              <a:rPr lang="es-ES" sz="1800" dirty="0" err="1">
+                <a:solidFill>
+                  <a:schemeClr val="tx1">
+                    <a:lumMod val="95000"/>
+                    <a:lumOff val="5000"/>
+                  </a:schemeClr>
+                </a:solidFill>
+                <a:latin typeface="Arial" panose="020B0604020202020204" pitchFamily="34" charset="0"/>
+                <a:cs typeface="Arial" panose="020B0604020202020204" pitchFamily="34" charset="0"/>
+              </a:rPr>
+              <a:t>jitter</a:t>
+            </a:r>
+            <a:r>
+              <a:rPr lang="es-ES" sz="1800" dirty="0">
+                <a:solidFill>
+                  <a:schemeClr val="tx1">
+                    <a:lumMod val="95000"/>
+                    <a:lumOff val="5000"/>
+                  </a:schemeClr>
+                </a:solidFill>
+                <a:latin typeface="Arial" panose="020B0604020202020204" pitchFamily="34" charset="0"/>
+                <a:cs typeface="Arial" panose="020B0604020202020204" pitchFamily="34" charset="0"/>
+              </a:rPr>
+              <a:t> afectará negativamente la </a:t>
+            </a:r>
+            <a:r>
+              <a:rPr lang="es-ES" sz="1800" b="1" dirty="0">
+                <a:solidFill>
+                  <a:schemeClr val="tx1">
+                    <a:lumMod val="95000"/>
+                    <a:lumOff val="5000"/>
+                  </a:schemeClr>
+                </a:solidFill>
+                <a:latin typeface="Arial" panose="020B0604020202020204" pitchFamily="34" charset="0"/>
+                <a:cs typeface="Arial" panose="020B0604020202020204" pitchFamily="34" charset="0"/>
+              </a:rPr>
+              <a:t>calidad de audio de las llamadas telefónicas</a:t>
+            </a:r>
+            <a:r>
+              <a:rPr lang="es-ES" sz="1800" dirty="0">
+                <a:solidFill>
+                  <a:schemeClr val="tx1">
+                    <a:lumMod val="95000"/>
+                    <a:lumOff val="5000"/>
+                  </a:schemeClr>
+                </a:solidFill>
+                <a:latin typeface="Arial" panose="020B0604020202020204" pitchFamily="34" charset="0"/>
+                <a:cs typeface="Arial" panose="020B0604020202020204" pitchFamily="34" charset="0"/>
+              </a:rPr>
+              <a:t>, por lo que los teléfonos IP tienen un búfer de </a:t>
+            </a:r>
+            <a:r>
+              <a:rPr lang="es-ES" sz="1800" dirty="0" err="1">
+                <a:solidFill>
+                  <a:schemeClr val="tx1">
+                    <a:lumMod val="95000"/>
+                    <a:lumOff val="5000"/>
+                  </a:schemeClr>
+                </a:solidFill>
+                <a:latin typeface="Arial" panose="020B0604020202020204" pitchFamily="34" charset="0"/>
+                <a:cs typeface="Arial" panose="020B0604020202020204" pitchFamily="34" charset="0"/>
+              </a:rPr>
+              <a:t>jitter</a:t>
+            </a:r>
+            <a:r>
+              <a:rPr lang="es-ES" sz="1800" dirty="0">
+                <a:solidFill>
+                  <a:schemeClr val="tx1">
+                    <a:lumMod val="95000"/>
+                    <a:lumOff val="5000"/>
+                  </a:schemeClr>
+                </a:solidFill>
+                <a:latin typeface="Arial" panose="020B0604020202020204" pitchFamily="34" charset="0"/>
+                <a:cs typeface="Arial" panose="020B0604020202020204" pitchFamily="34" charset="0"/>
+              </a:rPr>
+              <a:t> (</a:t>
+            </a:r>
+            <a:r>
+              <a:rPr lang="es-ES" sz="1800" dirty="0" err="1">
+                <a:solidFill>
+                  <a:schemeClr val="tx1">
+                    <a:lumMod val="95000"/>
+                    <a:lumOff val="5000"/>
+                  </a:schemeClr>
+                </a:solidFill>
+                <a:latin typeface="Arial" panose="020B0604020202020204" pitchFamily="34" charset="0"/>
+                <a:cs typeface="Arial" panose="020B0604020202020204" pitchFamily="34" charset="0"/>
+              </a:rPr>
+              <a:t>jitter</a:t>
+            </a:r>
+            <a:r>
+              <a:rPr lang="es-ES" sz="1800" dirty="0">
+                <a:solidFill>
+                  <a:schemeClr val="tx1">
+                    <a:lumMod val="95000"/>
+                    <a:lumOff val="5000"/>
+                  </a:schemeClr>
+                </a:solidFill>
+                <a:latin typeface="Arial" panose="020B0604020202020204" pitchFamily="34" charset="0"/>
+                <a:cs typeface="Arial" panose="020B0604020202020204" pitchFamily="34" charset="0"/>
+              </a:rPr>
+              <a:t> buffer) para proporcionar un retraso fijo a los paquetes de audio. Sin embargo, si el </a:t>
+            </a:r>
+            <a:r>
+              <a:rPr lang="es-ES" sz="1800" dirty="0" err="1">
+                <a:solidFill>
+                  <a:schemeClr val="tx1">
+                    <a:lumMod val="95000"/>
+                    <a:lumOff val="5000"/>
+                  </a:schemeClr>
+                </a:solidFill>
+                <a:latin typeface="Arial" panose="020B0604020202020204" pitchFamily="34" charset="0"/>
+                <a:cs typeface="Arial" panose="020B0604020202020204" pitchFamily="34" charset="0"/>
+              </a:rPr>
+              <a:t>jitter</a:t>
+            </a:r>
+            <a:r>
+              <a:rPr lang="es-ES" sz="1800" dirty="0">
+                <a:solidFill>
+                  <a:schemeClr val="tx1">
+                    <a:lumMod val="95000"/>
+                    <a:lumOff val="5000"/>
+                  </a:schemeClr>
+                </a:solidFill>
+                <a:latin typeface="Arial" panose="020B0604020202020204" pitchFamily="34" charset="0"/>
+                <a:cs typeface="Arial" panose="020B0604020202020204" pitchFamily="34" charset="0"/>
+              </a:rPr>
+              <a:t> es demasiado alto, sobrepasará el búfer y la calidad del audio se verá afectada. Finalmente, la pérdida de paquetes se dará.</a:t>
             </a:r>
             <a:endParaRPr lang="es-ES" sz="1800" b="1" dirty="0">
               <a:solidFill>
-                <a:schemeClr val="accent6">
-                  <a:lumMod val="75000"/>
+                <a:schemeClr val="tx1">
+                  <a:lumMod val="95000"/>
+                  <a:lumOff val="5000"/>
                 </a:schemeClr>
               </a:solidFill>
               <a:latin typeface="Arial" panose="020B0604020202020204" pitchFamily="34" charset="0"/>
@@ -10456,7 +10145,7 @@
         </p:blipFill>
         <p:spPr>
           <a:xfrm>
-            <a:off x="1691680" y="4077072"/>
+            <a:off x="1471612" y="3933056"/>
             <a:ext cx="6200775" cy="1476375"/>
           </a:xfrm>
           <a:prstGeom prst="rect">
@@ -10467,7 +10156,7 @@
     </p:spTree>
     <p:extLst>
       <p:ext uri="{BB962C8B-B14F-4D97-AF65-F5344CB8AC3E}">
-        <p14:creationId xmlns:p14="http://schemas.microsoft.com/office/powerpoint/2010/main" val="600043969"/>
+        <p14:creationId xmlns:p14="http://schemas.microsoft.com/office/powerpoint/2010/main" val="2382378987"/>
       </p:ext>
     </p:extLst>
   </p:cSld>
@@ -10518,8 +10207,8 @@
         </p:nvSpPr>
         <p:spPr>
           <a:xfrm>
-            <a:off x="179512" y="1180721"/>
-            <a:ext cx="8590279" cy="2608319"/>
+            <a:off x="179513" y="1180721"/>
+            <a:ext cx="8391202" cy="2824343"/>
           </a:xfrm>
         </p:spPr>
         <p:txBody>
@@ -10544,7 +10233,7 @@
                 <a:latin typeface="Arial" panose="020B0604020202020204" pitchFamily="34" charset="0"/>
                 <a:cs typeface="Arial" panose="020B0604020202020204" pitchFamily="34" charset="0"/>
               </a:rPr>
-              <a:t>3) </a:t>
+              <a:t>4) </a:t>
             </a:r>
             <a:r>
               <a:rPr lang="es-ES" sz="1800" b="1" dirty="0" err="1">
@@ -10556,7 +10245,7 @@
                 <a:latin typeface="Arial" panose="020B0604020202020204" pitchFamily="34" charset="0"/>
                 <a:cs typeface="Arial" panose="020B0604020202020204" pitchFamily="34" charset="0"/>
               </a:rPr>
-              <a:t>Jitter</a:t>
+              <a:t>Loss</a:t>
             </a:r>
             <a:endParaRPr lang="es-ES" sz="1800" dirty="0">
               <a:solidFill>
@@ -10570,7 +10259,56 @@
             </a:endParaRPr>
           </a:p>
           <a:p>
-            <a:pPr marL="571440" indent="-285750" algn="just">
+            <a:pPr marL="538163" indent="-17463" algn="just">
+              <a:lnSpc>
+                <a:spcPct val="150000"/>
+              </a:lnSpc>
+              <a:spcBef>
+                <a:spcPts val="0"/>
+              </a:spcBef>
+            </a:pPr>
+            <a:r>
+              <a:rPr lang="es-ES" sz="1600" dirty="0">
+                <a:solidFill>
+                  <a:schemeClr val="tx1">
+                    <a:lumMod val="95000"/>
+                    <a:lumOff val="5000"/>
+                  </a:schemeClr>
+                </a:solidFill>
+                <a:latin typeface="Arial" panose="020B0604020202020204" pitchFamily="34" charset="0"/>
+                <a:cs typeface="Arial" panose="020B0604020202020204" pitchFamily="34" charset="0"/>
+              </a:rPr>
+              <a:t>Se refiere al </a:t>
+            </a:r>
+            <a:r>
+              <a:rPr lang="es-ES" sz="1600" b="1" dirty="0">
+                <a:solidFill>
+                  <a:schemeClr val="tx1">
+                    <a:lumMod val="95000"/>
+                    <a:lumOff val="5000"/>
+                  </a:schemeClr>
+                </a:solidFill>
+                <a:latin typeface="Arial" panose="020B0604020202020204" pitchFamily="34" charset="0"/>
+                <a:cs typeface="Arial" panose="020B0604020202020204" pitchFamily="34" charset="0"/>
+              </a:rPr>
+              <a:t>porcentaje de paquetes enviados que no llegan a su destino</a:t>
+            </a:r>
+            <a:r>
+              <a:rPr lang="es-ES" sz="1600" dirty="0">
+                <a:solidFill>
+                  <a:schemeClr val="tx1">
+                    <a:lumMod val="95000"/>
+                    <a:lumOff val="5000"/>
+                  </a:schemeClr>
+                </a:solidFill>
+                <a:latin typeface="Arial" panose="020B0604020202020204" pitchFamily="34" charset="0"/>
+                <a:cs typeface="Arial" panose="020B0604020202020204" pitchFamily="34" charset="0"/>
+              </a:rPr>
+              <a:t>.</a:t>
+            </a:r>
+          </a:p>
+          <a:p>
+            <a:pPr marL="806450" indent="-285750" algn="just">
               <a:lnSpc>
                 <a:spcPct val="150000"/>
               </a:lnSpc>
@@ -10581,7 +10319,7 @@
               <a:buChar char="•"/>
             </a:pPr>
             <a:r>
-              <a:rPr lang="es-ES" sz="1800" dirty="0">
+              <a:rPr lang="es-ES" sz="1600" dirty="0">
                 <a:solidFill>
                   <a:schemeClr val="tx1">
                     <a:lumMod val="95000"/>
@@ -10591,10 +10329,22 @@
                 <a:latin typeface="Arial" panose="020B0604020202020204" pitchFamily="34" charset="0"/>
                 <a:cs typeface="Arial" panose="020B0604020202020204" pitchFamily="34" charset="0"/>
               </a:rPr>
-              <a:t>El </a:t>
-            </a:r>
-            <a:r>
-              <a:rPr lang="es-ES" sz="1800" dirty="0" err="1">
+              <a:t>Esto puede deberse a cables defectuosos.</a:t>
+            </a:r>
+          </a:p>
+          <a:p>
+            <a:pPr marL="806450" indent="-285750" algn="just">
+              <a:lnSpc>
+                <a:spcPct val="150000"/>
+              </a:lnSpc>
+              <a:spcBef>
+                <a:spcPts val="0"/>
+              </a:spcBef>
+              <a:buFont typeface="Arial" panose="020B0604020202020204" pitchFamily="34" charset="0"/>
+              <a:buChar char="•"/>
+            </a:pPr>
+            <a:r>
+              <a:rPr lang="es-ES" sz="1600" dirty="0">
                 <a:solidFill>
                   <a:schemeClr val="tx1">
                     <a:lumMod val="95000"/>
@@ -10604,135 +10354,8 @@
                 <a:latin typeface="Arial" panose="020B0604020202020204" pitchFamily="34" charset="0"/>
                 <a:cs typeface="Arial" panose="020B0604020202020204" pitchFamily="34" charset="0"/>
               </a:rPr>
-              <a:t>jitter</a:t>
-            </a:r>
-            <a:r>
-              <a:rPr lang="es-ES" sz="1800" dirty="0">
-                <a:solidFill>
-                  <a:schemeClr val="tx1">
-                    <a:lumMod val="95000"/>
-                    <a:lumOff val="5000"/>
-                  </a:schemeClr>
-                </a:solidFill>
-                <a:latin typeface="Arial" panose="020B0604020202020204" pitchFamily="34" charset="0"/>
-                <a:cs typeface="Arial" panose="020B0604020202020204" pitchFamily="34" charset="0"/>
-              </a:rPr>
-              <a:t> afectará negativamente la </a:t>
-            </a:r>
-            <a:r>
-              <a:rPr lang="es-ES" sz="1800" b="1" dirty="0">
-                <a:solidFill>
-                  <a:schemeClr val="tx1">
-                    <a:lumMod val="95000"/>
-                    <a:lumOff val="5000"/>
-                  </a:schemeClr>
-                </a:solidFill>
-                <a:latin typeface="Arial" panose="020B0604020202020204" pitchFamily="34" charset="0"/>
-                <a:cs typeface="Arial" panose="020B0604020202020204" pitchFamily="34" charset="0"/>
-              </a:rPr>
-              <a:t>calidad de audio de las llamadas telefónicas</a:t>
-            </a:r>
-            <a:r>
-              <a:rPr lang="es-ES" sz="1800" dirty="0">
-                <a:solidFill>
-                  <a:schemeClr val="tx1">
-                    <a:lumMod val="95000"/>
-                    <a:lumOff val="5000"/>
-                  </a:schemeClr>
-                </a:solidFill>
-                <a:latin typeface="Arial" panose="020B0604020202020204" pitchFamily="34" charset="0"/>
-                <a:cs typeface="Arial" panose="020B0604020202020204" pitchFamily="34" charset="0"/>
-              </a:rPr>
-              <a:t>, por lo que los teléfonos IP tienen un búfer de </a:t>
-            </a:r>
-            <a:r>
-              <a:rPr lang="es-ES" sz="1800" dirty="0" err="1">
-                <a:solidFill>
-                  <a:schemeClr val="tx1">
-                    <a:lumMod val="95000"/>
-                    <a:lumOff val="5000"/>
-                  </a:schemeClr>
-                </a:solidFill>
-                <a:latin typeface="Arial" panose="020B0604020202020204" pitchFamily="34" charset="0"/>
-                <a:cs typeface="Arial" panose="020B0604020202020204" pitchFamily="34" charset="0"/>
-              </a:rPr>
-              <a:t>jitter</a:t>
-            </a:r>
-            <a:r>
-              <a:rPr lang="es-ES" sz="1800" dirty="0">
-                <a:solidFill>
-                  <a:schemeClr val="tx1">
-                    <a:lumMod val="95000"/>
-                    <a:lumOff val="5000"/>
-                  </a:schemeClr>
-                </a:solidFill>
-                <a:latin typeface="Arial" panose="020B0604020202020204" pitchFamily="34" charset="0"/>
-                <a:cs typeface="Arial" panose="020B0604020202020204" pitchFamily="34" charset="0"/>
-              </a:rPr>
-              <a:t> (</a:t>
-            </a:r>
-            <a:r>
-              <a:rPr lang="es-ES" sz="1800" dirty="0" err="1">
-                <a:solidFill>
-                  <a:schemeClr val="tx1">
-                    <a:lumMod val="95000"/>
-                    <a:lumOff val="5000"/>
-                  </a:schemeClr>
-                </a:solidFill>
-                <a:latin typeface="Arial" panose="020B0604020202020204" pitchFamily="34" charset="0"/>
-                <a:cs typeface="Arial" panose="020B0604020202020204" pitchFamily="34" charset="0"/>
-              </a:rPr>
-              <a:t>jitter</a:t>
-            </a:r>
-            <a:r>
-              <a:rPr lang="es-ES" sz="1800" dirty="0">
-                <a:solidFill>
-                  <a:schemeClr val="tx1">
-                    <a:lumMod val="95000"/>
-                    <a:lumOff val="5000"/>
-                  </a:schemeClr>
-                </a:solidFill>
-                <a:latin typeface="Arial" panose="020B0604020202020204" pitchFamily="34" charset="0"/>
-                <a:cs typeface="Arial" panose="020B0604020202020204" pitchFamily="34" charset="0"/>
-              </a:rPr>
-              <a:t> buffer) para proporcionar un retraso fijo a los paquetes de audio. Sin embargo, si el </a:t>
-            </a:r>
-            <a:r>
-              <a:rPr lang="es-ES" sz="1800" dirty="0" err="1">
-                <a:solidFill>
-                  <a:schemeClr val="tx1">
-                    <a:lumMod val="95000"/>
-                    <a:lumOff val="5000"/>
-                  </a:schemeClr>
-                </a:solidFill>
-                <a:latin typeface="Arial" panose="020B0604020202020204" pitchFamily="34" charset="0"/>
-                <a:cs typeface="Arial" panose="020B0604020202020204" pitchFamily="34" charset="0"/>
-              </a:rPr>
-              <a:t>jitter</a:t>
-            </a:r>
-            <a:r>
-              <a:rPr lang="es-ES" sz="1800" dirty="0">
-                <a:solidFill>
-                  <a:schemeClr val="tx1">
-                    <a:lumMod val="95000"/>
-                    <a:lumOff val="5000"/>
-                  </a:schemeClr>
-                </a:solidFill>
-                <a:latin typeface="Arial" panose="020B0604020202020204" pitchFamily="34" charset="0"/>
-                <a:cs typeface="Arial" panose="020B0604020202020204" pitchFamily="34" charset="0"/>
-              </a:rPr>
-              <a:t> es demasiado alto, sobrepasará el búfer y la calidad del audio se verá afectada. Finalmente, la pérdida de paquetes se dará.</a:t>
-            </a:r>
-            <a:endParaRPr lang="es-ES" sz="1800" b="1" dirty="0">
-              <a:solidFill>
-                <a:schemeClr val="tx1">
-                  <a:lumMod val="95000"/>
-                  <a:lumOff val="5000"/>
-                </a:schemeClr>
-              </a:solidFill>
-              <a:latin typeface="Arial" panose="020B0604020202020204" pitchFamily="34" charset="0"/>
-              <a:cs typeface="Arial" panose="020B0604020202020204" pitchFamily="34" charset="0"/>
-            </a:endParaRPr>
+              <a:t>También puede ocurrir cuando la red está congestionada y las colas de paquetes de un dispositivo se llenan y el dispositivo comienza a descartar paquetes. Si algunos paquetes de audio no llegan a su destino, esto tendrá un efecto negativo en la calidad de la llamada.</a:t>
+            </a:r>
           </a:p>
         </p:txBody>
       </p:sp>
@@ -10944,7 +10567,7 @@
               </a:spcBef>
             </a:pPr>
             <a:r>
-              <a:rPr lang="es-ES_tradnl" altLang="es-MX" sz="1800" b="1" dirty="0" err="1">
+              <a:rPr lang="es-ES_tradnl" altLang="es-MX" sz="1800" b="1" dirty="0">
                 <a:solidFill>
                   <a:schemeClr val="accent3">
                     <a:lumMod val="75000"/>
@@ -10952,7 +10575,18 @@
                 </a:solidFill>
                 <a:latin typeface="Dom Casual" charset="0"/>
               </a:rPr>
-              <a:t>Jitter</a:t>
+              <a:t>Pérdida - </a:t>
+            </a:r>
+            <a:r>
+              <a:rPr lang="es-ES_tradnl" altLang="es-MX" sz="1800" b="1" dirty="0" err="1">
+                <a:solidFill>
+                  <a:schemeClr val="accent3">
+                    <a:lumMod val="75000"/>
+                  </a:schemeClr>
+                </a:solidFill>
+                <a:latin typeface="Dom Casual" charset="0"/>
+              </a:rPr>
+              <a:t>Loss</a:t>
             </a:r>
             <a:endParaRPr lang="es-ES_tradnl" altLang="es-MX" sz="1800" b="1" dirty="0">
               <a:solidFill>
@@ -10967,10 +10601,10 @@
       </p:sp>
       <p:pic>
         <p:nvPicPr>
-          <p:cNvPr id="6" name="Imagen 5">
+          <p:cNvPr id="5" name="Imagen 4">
             <a:extLst>
               <a:ext uri="{FF2B5EF4-FFF2-40B4-BE49-F238E27FC236}">
-                <a16:creationId xmlns:a16="http://schemas.microsoft.com/office/drawing/2014/main" id="{DAB8B6F3-28F0-87A2-65F9-58DB04AAAB3E}"/>
+                <a16:creationId xmlns:a16="http://schemas.microsoft.com/office/drawing/2014/main" id="{6D177446-F96E-3313-2C85-477B085C2FCA}"/>
               </a:ext>
             </a:extLst>
           </p:cNvPr>
@@ -10987,8 +10621,8 @@
         </p:blipFill>
         <p:spPr>
           <a:xfrm>
-            <a:off x="1471612" y="4189444"/>
-            <a:ext cx="6200775" cy="1476375"/>
+            <a:off x="3059832" y="4077072"/>
+            <a:ext cx="5366866" cy="2262832"/>
           </a:xfrm>
           <a:prstGeom prst="rect">
             <a:avLst/>
@@ -10998,7 +10632,7 @@
     </p:spTree>
     <p:extLst>
       <p:ext uri="{BB962C8B-B14F-4D97-AF65-F5344CB8AC3E}">
-        <p14:creationId xmlns:p14="http://schemas.microsoft.com/office/powerpoint/2010/main" val="2382378987"/>
+        <p14:creationId xmlns:p14="http://schemas.microsoft.com/office/powerpoint/2010/main" val="3079820067"/>
       </p:ext>
     </p:extLst>
   </p:cSld>
@@ -11049,7 +10683,7 @@
         </p:nvSpPr>
         <p:spPr>
           <a:xfrm>
-            <a:off x="179512" y="1180721"/>
+            <a:off x="179512" y="1268760"/>
             <a:ext cx="8590279" cy="3112375"/>
           </a:xfrm>
         </p:spPr>
@@ -11066,50 +10700,6 @@
               </a:spcBef>
             </a:pPr>
             <a:r>
-              <a:rPr lang="es-ES" sz="1800" b="1" dirty="0">
-                <a:solidFill>
-                  <a:schemeClr val="accent6">
-                    <a:lumMod val="75000"/>
-                  </a:schemeClr>
-                </a:solidFill>
-                <a:latin typeface="Arial" panose="020B0604020202020204" pitchFamily="34" charset="0"/>
-                <a:cs typeface="Arial" panose="020B0604020202020204" pitchFamily="34" charset="0"/>
-              </a:rPr>
-              <a:t>4) </a:t>
-            </a:r>
-            <a:r>
-              <a:rPr lang="es-ES" sz="1800" b="1" dirty="0" err="1">
-                <a:solidFill>
-                  <a:schemeClr val="accent6">
-                    <a:lumMod val="75000"/>
-                  </a:schemeClr>
-                </a:solidFill>
-                <a:latin typeface="Arial" panose="020B0604020202020204" pitchFamily="34" charset="0"/>
-                <a:cs typeface="Arial" panose="020B0604020202020204" pitchFamily="34" charset="0"/>
-              </a:rPr>
-              <a:t>Loss</a:t>
-            </a:r>
-            <a:endParaRPr lang="es-ES" sz="1800" dirty="0">
-              <a:solidFill>
-                <a:schemeClr val="tx1">
-                  <a:lumMod val="95000"/>
-                  <a:lumOff val="5000"/>
-                </a:schemeClr>
-              </a:solidFill>
-              <a:latin typeface="Arial" panose="020B0604020202020204" pitchFamily="34" charset="0"/>
-              <a:cs typeface="Arial" panose="020B0604020202020204" pitchFamily="34" charset="0"/>
-            </a:endParaRPr>
-          </a:p>
-          <a:p>
-            <a:pPr indent="0" algn="just">
-              <a:lnSpc>
-                <a:spcPct val="150000"/>
-              </a:lnSpc>
-              <a:spcBef>
-                <a:spcPts val="0"/>
-              </a:spcBef>
-            </a:pPr>
-            <a:r>
               <a:rPr lang="es-ES" sz="1800" dirty="0">
                 <a:solidFill>
                   <a:schemeClr val="tx1">
@@ -11120,33 +10710,7 @@
                 <a:latin typeface="Arial" panose="020B0604020202020204" pitchFamily="34" charset="0"/>
                 <a:cs typeface="Arial" panose="020B0604020202020204" pitchFamily="34" charset="0"/>
               </a:rPr>
-              <a:t>Se refiere al </a:t>
-            </a:r>
-            <a:r>
-              <a:rPr lang="es-ES" sz="1800" b="1" dirty="0">
-                <a:solidFill>
-                  <a:schemeClr val="tx1">
-                    <a:lumMod val="95000"/>
-                    <a:lumOff val="5000"/>
-                  </a:schemeClr>
-                </a:solidFill>
-                <a:latin typeface="Arial" panose="020B0604020202020204" pitchFamily="34" charset="0"/>
-                <a:cs typeface="Arial" panose="020B0604020202020204" pitchFamily="34" charset="0"/>
-              </a:rPr>
-              <a:t>porcentaje de paquetes enviados que no llegan a su destino</a:t>
-            </a:r>
-            <a:r>
-              <a:rPr lang="es-ES" sz="1800" dirty="0">
-                <a:solidFill>
-                  <a:schemeClr val="tx1">
-                    <a:lumMod val="95000"/>
-                    <a:lumOff val="5000"/>
-                  </a:schemeClr>
-                </a:solidFill>
-                <a:latin typeface="Arial" panose="020B0604020202020204" pitchFamily="34" charset="0"/>
-                <a:cs typeface="Arial" panose="020B0604020202020204" pitchFamily="34" charset="0"/>
-              </a:rPr>
-              <a:t>.</a:t>
+              <a:t>Se recomiendan los siguientes estándares para una calidad aceptable de audio para llamadas telefónicas:</a:t>
             </a:r>
           </a:p>
           <a:p>
@@ -11161,6 +10725,66 @@
               <a:buChar char="•"/>
             </a:pPr>
             <a:r>
+              <a:rPr lang="es-ES" sz="1800" b="1" dirty="0">
+                <a:solidFill>
+                  <a:schemeClr val="accent6">
+                    <a:lumMod val="75000"/>
+                  </a:schemeClr>
+                </a:solidFill>
+                <a:latin typeface="Arial" panose="020B0604020202020204" pitchFamily="34" charset="0"/>
+                <a:cs typeface="Arial" panose="020B0604020202020204" pitchFamily="34" charset="0"/>
+              </a:rPr>
+              <a:t>Retraso unidireccional (</a:t>
+            </a:r>
+            <a:r>
+              <a:rPr lang="es-ES" sz="1800" b="1" dirty="0" err="1">
+                <a:solidFill>
+                  <a:schemeClr val="accent6">
+                    <a:lumMod val="75000"/>
+                  </a:schemeClr>
+                </a:solidFill>
+                <a:latin typeface="Arial" panose="020B0604020202020204" pitchFamily="34" charset="0"/>
+                <a:cs typeface="Arial" panose="020B0604020202020204" pitchFamily="34" charset="0"/>
+              </a:rPr>
+              <a:t>One-way</a:t>
+            </a:r>
+            <a:r>
+              <a:rPr lang="es-ES" sz="1800" b="1" dirty="0">
+                <a:solidFill>
+                  <a:schemeClr val="accent6">
+                    <a:lumMod val="75000"/>
+                  </a:schemeClr>
+                </a:solidFill>
+                <a:latin typeface="Arial" panose="020B0604020202020204" pitchFamily="34" charset="0"/>
+                <a:cs typeface="Arial" panose="020B0604020202020204" pitchFamily="34" charset="0"/>
+              </a:rPr>
+              <a:t> </a:t>
+            </a:r>
+            <a:r>
+              <a:rPr lang="es-ES" sz="1800" b="1" dirty="0" err="1">
+                <a:solidFill>
+                  <a:schemeClr val="accent6">
+                    <a:lumMod val="75000"/>
+                  </a:schemeClr>
+                </a:solidFill>
+                <a:latin typeface="Arial" panose="020B0604020202020204" pitchFamily="34" charset="0"/>
+                <a:cs typeface="Arial" panose="020B0604020202020204" pitchFamily="34" charset="0"/>
+              </a:rPr>
+              <a:t>delay</a:t>
+            </a:r>
+            <a:r>
+              <a:rPr lang="es-ES" sz="1800" b="1" dirty="0">
+                <a:solidFill>
+                  <a:schemeClr val="accent6">
+                    <a:lumMod val="75000"/>
+                  </a:schemeClr>
+                </a:solidFill>
+                <a:latin typeface="Arial" panose="020B0604020202020204" pitchFamily="34" charset="0"/>
+                <a:cs typeface="Arial" panose="020B0604020202020204" pitchFamily="34" charset="0"/>
+              </a:rPr>
+              <a:t>): </a:t>
+            </a:r>
+            <a:r>
               <a:rPr lang="es-ES" sz="1800" dirty="0">
                 <a:solidFill>
                   <a:schemeClr val="tx1">
@@ -11171,7 +10795,7 @@
                 <a:latin typeface="Arial" panose="020B0604020202020204" pitchFamily="34" charset="0"/>
                 <a:cs typeface="Arial" panose="020B0604020202020204" pitchFamily="34" charset="0"/>
               </a:rPr>
-              <a:t>Esto puede deberse a cables defectuosos.</a:t>
+              <a:t>150 ms o menos. </a:t>
             </a:r>
           </a:p>
           <a:p>
@@ -11186,6 +10810,30 @@
               <a:buChar char="•"/>
             </a:pPr>
             <a:r>
+              <a:rPr lang="es-ES" sz="1800" b="1" dirty="0" err="1">
+                <a:solidFill>
+                  <a:schemeClr val="accent6">
+                    <a:lumMod val="75000"/>
+                  </a:schemeClr>
+                </a:solidFill>
+                <a:latin typeface="Arial" panose="020B0604020202020204" pitchFamily="34" charset="0"/>
+                <a:cs typeface="Arial" panose="020B0604020202020204" pitchFamily="34" charset="0"/>
+              </a:rPr>
+              <a:t>Jitter</a:t>
+            </a:r>
+            <a:r>
+              <a:rPr lang="es-ES" sz="1800" b="1" dirty="0">
+                <a:solidFill>
+                  <a:schemeClr val="accent6">
+                    <a:lumMod val="75000"/>
+                  </a:schemeClr>
+                </a:solidFill>
+                <a:latin typeface="Arial" panose="020B0604020202020204" pitchFamily="34" charset="0"/>
+                <a:cs typeface="Arial" panose="020B0604020202020204" pitchFamily="34" charset="0"/>
+              </a:rPr>
+              <a:t>: </a:t>
+            </a:r>
+            <a:r>
               <a:rPr lang="es-ES" sz="1800" dirty="0">
                 <a:solidFill>
                   <a:schemeClr val="tx1">
@@ -11196,7 +10844,104 @@
                 <a:latin typeface="Arial" panose="020B0604020202020204" pitchFamily="34" charset="0"/>
                 <a:cs typeface="Arial" panose="020B0604020202020204" pitchFamily="34" charset="0"/>
               </a:rPr>
-              <a:t>También puede ocurrir cuando la red está congestionada y las colas de paquetes de un dispositivo se llenan y el dispositivo comienza a descartar paquetes. Si algunos paquetes de audio no llegan a su destino, esto tendrá un efecto negativo en la calidad de la llamada.</a:t>
+              <a:t>30 ms o menos</a:t>
+            </a:r>
+          </a:p>
+          <a:p>
+            <a:pPr marL="571440" indent="-285750" algn="just">
+              <a:lnSpc>
+                <a:spcPct val="150000"/>
+              </a:lnSpc>
+              <a:spcBef>
+                <a:spcPts val="0"/>
+              </a:spcBef>
+              <a:buFont typeface="Arial" panose="020B0604020202020204" pitchFamily="34" charset="0"/>
+              <a:buChar char="•"/>
+            </a:pPr>
+            <a:r>
+              <a:rPr lang="es-ES" sz="1800" b="1" dirty="0" err="1">
+                <a:solidFill>
+                  <a:schemeClr val="accent6">
+                    <a:lumMod val="75000"/>
+                  </a:schemeClr>
+                </a:solidFill>
+                <a:latin typeface="Arial" panose="020B0604020202020204" pitchFamily="34" charset="0"/>
+                <a:cs typeface="Arial" panose="020B0604020202020204" pitchFamily="34" charset="0"/>
+              </a:rPr>
+              <a:t>Loss</a:t>
+            </a:r>
+            <a:r>
+              <a:rPr lang="es-ES" sz="1800" b="1" dirty="0">
+                <a:solidFill>
+                  <a:schemeClr val="accent6">
+                    <a:lumMod val="75000"/>
+                  </a:schemeClr>
+                </a:solidFill>
+                <a:latin typeface="Arial" panose="020B0604020202020204" pitchFamily="34" charset="0"/>
+                <a:cs typeface="Arial" panose="020B0604020202020204" pitchFamily="34" charset="0"/>
+              </a:rPr>
+              <a:t>: </a:t>
+            </a:r>
+            <a:r>
+              <a:rPr lang="es-ES" sz="1800" dirty="0">
+                <a:solidFill>
+                  <a:schemeClr val="tx1">
+                    <a:lumMod val="95000"/>
+                    <a:lumOff val="5000"/>
+                  </a:schemeClr>
+                </a:solidFill>
+                <a:latin typeface="Arial" panose="020B0604020202020204" pitchFamily="34" charset="0"/>
+                <a:cs typeface="Arial" panose="020B0604020202020204" pitchFamily="34" charset="0"/>
+              </a:rPr>
+              <a:t>1% o menos</a:t>
+            </a:r>
+          </a:p>
+          <a:p>
+            <a:pPr indent="0" algn="just">
+              <a:lnSpc>
+                <a:spcPct val="150000"/>
+              </a:lnSpc>
+              <a:spcBef>
+                <a:spcPts val="0"/>
+              </a:spcBef>
+            </a:pPr>
+            <a:r>
+              <a:rPr lang="es-ES" sz="1800" dirty="0">
+                <a:solidFill>
+                  <a:schemeClr val="tx1">
+                    <a:lumMod val="95000"/>
+                    <a:lumOff val="5000"/>
+                  </a:schemeClr>
+                </a:solidFill>
+                <a:latin typeface="Arial" panose="020B0604020202020204" pitchFamily="34" charset="0"/>
+                <a:cs typeface="Arial" panose="020B0604020202020204" pitchFamily="34" charset="0"/>
+              </a:rPr>
+              <a:t>Si no se cumplen estos estándares, podría haber una reducción notable en la calidad de la llamada telefónica</a:t>
+            </a:r>
+            <a:r>
+              <a:rPr lang="es-ES" sz="1800" dirty="0">
+                <a:solidFill>
+                  <a:schemeClr val="accent6">
+                    <a:lumMod val="75000"/>
+                  </a:schemeClr>
+                </a:solidFill>
+                <a:latin typeface="Arial" panose="020B0604020202020204" pitchFamily="34" charset="0"/>
+                <a:cs typeface="Arial" panose="020B0604020202020204" pitchFamily="34" charset="0"/>
+              </a:rPr>
+              <a:t>. </a:t>
+            </a:r>
+            <a:r>
+              <a:rPr lang="es-ES" sz="1800" dirty="0">
+                <a:solidFill>
+                  <a:schemeClr val="tx1">
+                    <a:lumMod val="95000"/>
+                    <a:lumOff val="5000"/>
+                  </a:schemeClr>
+                </a:solidFill>
+                <a:latin typeface="Arial" panose="020B0604020202020204" pitchFamily="34" charset="0"/>
+                <a:cs typeface="Arial" panose="020B0604020202020204" pitchFamily="34" charset="0"/>
+              </a:rPr>
+              <a:t>La experiencia de usuario no será tan buena.</a:t>
             </a:r>
           </a:p>
         </p:txBody>
@@ -11417,36 +11162,17 @@
                 </a:solidFill>
                 <a:latin typeface="Dom Casual" charset="0"/>
               </a:rPr>
-              <a:t>Pérdida - </a:t>
-            </a:r>
-            <a:r>
-              <a:rPr lang="es-ES_tradnl" altLang="es-MX" sz="1800" b="1" dirty="0" err="1">
-                <a:solidFill>
-                  <a:schemeClr val="accent3">
-                    <a:lumMod val="75000"/>
-                  </a:schemeClr>
-                </a:solidFill>
-                <a:latin typeface="Dom Casual" charset="0"/>
-              </a:rPr>
-              <a:t>Loss</a:t>
-            </a:r>
-            <a:endParaRPr lang="es-ES_tradnl" altLang="es-MX" sz="1800" b="1" dirty="0">
-              <a:solidFill>
-                <a:schemeClr val="accent3">
-                  <a:lumMod val="75000"/>
-                </a:schemeClr>
-              </a:solidFill>
-              <a:latin typeface="Dom Casual" charset="0"/>
-            </a:endParaRPr>
+              <a:t>Estándares para una calidad del servicio aceptable</a:t>
+            </a:r>
           </a:p>
         </p:txBody>
       </p:sp>
       <p:pic>
         <p:nvPicPr>
-          <p:cNvPr id="5" name="Imagen 4">
+          <p:cNvPr id="3" name="Imagen 2">
             <a:extLst>
               <a:ext uri="{FF2B5EF4-FFF2-40B4-BE49-F238E27FC236}">
-                <a16:creationId xmlns:a16="http://schemas.microsoft.com/office/drawing/2014/main" id="{6D177446-F96E-3313-2C85-477B085C2FCA}"/>
+                <a16:creationId xmlns:a16="http://schemas.microsoft.com/office/drawing/2014/main" id="{73C9A04A-731B-0521-165E-1AC6C572D3DA}"/>
               </a:ext>
             </a:extLst>
           </p:cNvPr>
@@ -11463,8 +11189,8 @@
         </p:blipFill>
         <p:spPr>
           <a:xfrm>
-            <a:off x="3203848" y="4304680"/>
-            <a:ext cx="5366866" cy="2262832"/>
+            <a:off x="1374263" y="4563020"/>
+            <a:ext cx="6200775" cy="1476375"/>
           </a:xfrm>
           <a:prstGeom prst="rect">
             <a:avLst/>
@@ -11474,7 +11200,7 @@
     </p:spTree>
     <p:extLst>
       <p:ext uri="{BB962C8B-B14F-4D97-AF65-F5344CB8AC3E}">
-        <p14:creationId xmlns:p14="http://schemas.microsoft.com/office/powerpoint/2010/main" val="3079820067"/>
+        <p14:creationId xmlns:p14="http://schemas.microsoft.com/office/powerpoint/2010/main" val="298812370"/>
       </p:ext>
     </p:extLst>
   </p:cSld>
@@ -11525,36 +11251,13 @@
         </p:nvSpPr>
         <p:spPr>
           <a:xfrm>
-            <a:off x="179510" y="1412776"/>
-            <a:ext cx="8590279" cy="3112375"/>
+            <a:off x="107504" y="1412776"/>
+            <a:ext cx="8352930" cy="2016224"/>
           </a:xfrm>
         </p:spPr>
         <p:txBody>
           <a:bodyPr/>
           <a:lstStyle/>
-          <a:p>
-            <a:pPr indent="0" algn="just">
-              <a:lnSpc>
-                <a:spcPct val="150000"/>
-              </a:lnSpc>
-              <a:spcBef>
-                <a:spcPts val="0"/>
-              </a:spcBef>
-            </a:pPr>
-            <a:r>
-              <a:rPr lang="es-ES" sz="1800" dirty="0">
-                <a:solidFill>
-                  <a:schemeClr val="tx1">
-                    <a:lumMod val="95000"/>
-                    <a:lumOff val="5000"/>
-                  </a:schemeClr>
-                </a:solidFill>
-                <a:latin typeface="Arial" panose="020B0604020202020204" pitchFamily="34" charset="0"/>
-                <a:cs typeface="Arial" panose="020B0604020202020204" pitchFamily="34" charset="0"/>
-              </a:rPr>
-              <a:t>Se recomiendan los siguientes estándares para una calidad aceptable de audio para llamadas telefónicas:</a:t>
-            </a:r>
-          </a:p>
           <a:p>
             <a:pPr marL="571440" indent="-285750" algn="just">
               <a:lnSpc>
@@ -11567,66 +11270,6 @@
               <a:buChar char="•"/>
             </a:pPr>
             <a:r>
-              <a:rPr lang="es-ES" sz="1800" b="1" dirty="0">
-                <a:solidFill>
-                  <a:schemeClr val="accent6">
-                    <a:lumMod val="75000"/>
-                  </a:schemeClr>
-                </a:solidFill>
-                <a:latin typeface="Arial" panose="020B0604020202020204" pitchFamily="34" charset="0"/>
-                <a:cs typeface="Arial" panose="020B0604020202020204" pitchFamily="34" charset="0"/>
-              </a:rPr>
-              <a:t>Retraso unidireccional (</a:t>
-            </a:r>
-            <a:r>
-              <a:rPr lang="es-ES" sz="1800" b="1" dirty="0" err="1">
-                <a:solidFill>
-                  <a:schemeClr val="accent6">
-                    <a:lumMod val="75000"/>
-                  </a:schemeClr>
-                </a:solidFill>
-                <a:latin typeface="Arial" panose="020B0604020202020204" pitchFamily="34" charset="0"/>
-                <a:cs typeface="Arial" panose="020B0604020202020204" pitchFamily="34" charset="0"/>
-              </a:rPr>
-              <a:t>One-way</a:t>
-            </a:r>
-            <a:r>
-              <a:rPr lang="es-ES" sz="1800" b="1" dirty="0">
-                <a:solidFill>
-                  <a:schemeClr val="accent6">
-                    <a:lumMod val="75000"/>
-                  </a:schemeClr>
-                </a:solidFill>
-                <a:latin typeface="Arial" panose="020B0604020202020204" pitchFamily="34" charset="0"/>
-                <a:cs typeface="Arial" panose="020B0604020202020204" pitchFamily="34" charset="0"/>
-              </a:rPr>
-              <a:t> </a:t>
-            </a:r>
-            <a:r>
-              <a:rPr lang="es-ES" sz="1800" b="1" dirty="0" err="1">
-                <a:solidFill>
-                  <a:schemeClr val="accent6">
-                    <a:lumMod val="75000"/>
-                  </a:schemeClr>
-                </a:solidFill>
-                <a:latin typeface="Arial" panose="020B0604020202020204" pitchFamily="34" charset="0"/>
-                <a:cs typeface="Arial" panose="020B0604020202020204" pitchFamily="34" charset="0"/>
-              </a:rPr>
-              <a:t>delay</a:t>
-            </a:r>
-            <a:r>
-              <a:rPr lang="es-ES" sz="1800" b="1" dirty="0">
-                <a:solidFill>
-                  <a:schemeClr val="accent6">
-                    <a:lumMod val="75000"/>
-                  </a:schemeClr>
-                </a:solidFill>
-                <a:latin typeface="Arial" panose="020B0604020202020204" pitchFamily="34" charset="0"/>
-                <a:cs typeface="Arial" panose="020B0604020202020204" pitchFamily="34" charset="0"/>
-              </a:rPr>
-              <a:t>): </a:t>
-            </a:r>
-            <a:r>
               <a:rPr lang="es-ES" sz="1800" dirty="0">
                 <a:solidFill>
                   <a:schemeClr val="tx1">
@@ -11637,22 +11280,10 @@
                 <a:latin typeface="Arial" panose="020B0604020202020204" pitchFamily="34" charset="0"/>
                 <a:cs typeface="Arial" panose="020B0604020202020204" pitchFamily="34" charset="0"/>
               </a:rPr>
-              <a:t>150 ms o menos. </a:t>
-            </a:r>
-          </a:p>
-          <a:p>
-            <a:pPr marL="571440" indent="-285750" algn="just">
-              <a:lnSpc>
-                <a:spcPct val="150000"/>
-              </a:lnSpc>
-              <a:spcBef>
-                <a:spcPts val="0"/>
-              </a:spcBef>
-              <a:buFont typeface="Arial" panose="020B0604020202020204" pitchFamily="34" charset="0"/>
-              <a:buChar char="•"/>
-            </a:pPr>
-            <a:r>
-              <a:rPr lang="es-ES" sz="1800" b="1" dirty="0" err="1">
+              <a:t>Si un dispositivo de red recibe mensajes más rápido de lo que puede reenviarlos a través de la interfaz adecuada, los mensajes se colocan en una cola o fila. </a:t>
+            </a:r>
+            <a:r>
+              <a:rPr lang="es-ES" sz="1800" dirty="0">
                 <a:solidFill>
                   <a:schemeClr val="accent6">
                     <a:lumMod val="75000"/>
@@ -11661,7 +11292,7 @@
                 <a:latin typeface="Arial" panose="020B0604020202020204" pitchFamily="34" charset="0"/>
                 <a:cs typeface="Arial" panose="020B0604020202020204" pitchFamily="34" charset="0"/>
               </a:rPr>
-              <a:t>Jitter</a:t>
+              <a:t>Por ejemplo, este enrutador recibe paquetes en sus interfaces </a:t>
             </a:r>
             <a:r>
               <a:rPr lang="es-ES" sz="1800" b="1" dirty="0">
@@ -11673,35 +11304,10 @@
                 <a:latin typeface="Arial" panose="020B0604020202020204" pitchFamily="34" charset="0"/>
                 <a:cs typeface="Arial" panose="020B0604020202020204" pitchFamily="34" charset="0"/>
               </a:rPr>
-              <a:t>: </a:t>
+              <a:t>G0/0</a:t>
             </a:r>
             <a:r>
               <a:rPr lang="es-ES" sz="1800" dirty="0">
-                <a:solidFill>
-                  <a:schemeClr val="tx1">
-                    <a:lumMod val="95000"/>
-                    <a:lumOff val="5000"/>
-                  </a:schemeClr>
-                </a:solidFill>
-                <a:latin typeface="Arial" panose="020B0604020202020204" pitchFamily="34" charset="0"/>
-                <a:cs typeface="Arial" panose="020B0604020202020204" pitchFamily="34" charset="0"/>
-              </a:rPr>
-              <a:t>30 ms o menos</a:t>
-            </a:r>
-          </a:p>
-          <a:p>
-            <a:pPr marL="571440" indent="-285750" algn="just">
-              <a:lnSpc>
-                <a:spcPct val="150000"/>
-              </a:lnSpc>
-              <a:spcBef>
-                <a:spcPts val="0"/>
-              </a:spcBef>
-              <a:buFont typeface="Arial" panose="020B0604020202020204" pitchFamily="34" charset="0"/>
-              <a:buChar char="•"/>
-            </a:pPr>
-            <a:r>
-              <a:rPr lang="es-ES" sz="1800" b="1" dirty="0" err="1">
                 <a:solidFill>
                   <a:schemeClr val="accent6">
                     <a:lumMod val="75000"/>
@@ -11710,7 +11316,7 @@
                 <a:latin typeface="Arial" panose="020B0604020202020204" pitchFamily="34" charset="0"/>
                 <a:cs typeface="Arial" panose="020B0604020202020204" pitchFamily="34" charset="0"/>
               </a:rPr>
-              <a:t>Loss</a:t>
+              <a:t> y </a:t>
             </a:r>
             <a:r>
               <a:rPr lang="es-ES" sz="1800" b="1" dirty="0">
@@ -11722,43 +11328,7 @@
                 <a:latin typeface="Arial" panose="020B0604020202020204" pitchFamily="34" charset="0"/>
                 <a:cs typeface="Arial" panose="020B0604020202020204" pitchFamily="34" charset="0"/>
               </a:rPr>
-              <a:t>: </a:t>
-            </a:r>
-            <a:r>
-              <a:rPr lang="es-ES" sz="1800" dirty="0">
-                <a:solidFill>
-                  <a:schemeClr val="tx1">
-                    <a:lumMod val="95000"/>
-                    <a:lumOff val="5000"/>
-                  </a:schemeClr>
-                </a:solidFill>
-                <a:latin typeface="Arial" panose="020B0604020202020204" pitchFamily="34" charset="0"/>
-                <a:cs typeface="Arial" panose="020B0604020202020204" pitchFamily="34" charset="0"/>
-              </a:rPr>
-              <a:t>1% o menos</a:t>
-            </a:r>
-          </a:p>
-          <a:p>
-            <a:pPr indent="0" algn="just">
-              <a:lnSpc>
-                <a:spcPct val="150000"/>
-              </a:lnSpc>
-              <a:spcBef>
-                <a:spcPts val="0"/>
-              </a:spcBef>
-            </a:pPr>
-            <a:r>
-              <a:rPr lang="es-ES" sz="1800" dirty="0">
-                <a:solidFill>
-                  <a:schemeClr val="tx1">
-                    <a:lumMod val="95000"/>
-                    <a:lumOff val="5000"/>
-                  </a:schemeClr>
-                </a:solidFill>
-                <a:latin typeface="Arial" panose="020B0604020202020204" pitchFamily="34" charset="0"/>
-                <a:cs typeface="Arial" panose="020B0604020202020204" pitchFamily="34" charset="0"/>
-              </a:rPr>
-              <a:t>Si no se cumplen estos estándares, podría haber una reducción notable en la calidad de la llamada telefónica</a:t>
+              <a:t>G0/1 </a:t>
             </a:r>
             <a:r>
               <a:rPr lang="es-ES" sz="1800" dirty="0">
@@ -11770,20 +11340,31 @@
                 <a:latin typeface="Arial" panose="020B0604020202020204" pitchFamily="34" charset="0"/>
                 <a:cs typeface="Arial" panose="020B0604020202020204" pitchFamily="34" charset="0"/>
               </a:rPr>
+              <a:t>más rápido de lo que puede reenviarlos desde su interfaz </a:t>
+            </a:r>
+            <a:r>
+              <a:rPr lang="es-ES" sz="1800" b="1" dirty="0">
+                <a:solidFill>
+                  <a:schemeClr val="accent6">
+                    <a:lumMod val="75000"/>
+                  </a:schemeClr>
+                </a:solidFill>
+                <a:latin typeface="Arial" panose="020B0604020202020204" pitchFamily="34" charset="0"/>
+                <a:cs typeface="Arial" panose="020B0604020202020204" pitchFamily="34" charset="0"/>
+              </a:rPr>
+              <a:t>G0/2</a:t>
+            </a:r>
+            <a:r>
+              <a:rPr lang="es-ES" sz="1800" dirty="0">
+                <a:solidFill>
+                  <a:schemeClr val="accent6">
+                    <a:lumMod val="75000"/>
+                  </a:schemeClr>
+                </a:solidFill>
+                <a:latin typeface="Arial" panose="020B0604020202020204" pitchFamily="34" charset="0"/>
+                <a:cs typeface="Arial" panose="020B0604020202020204" pitchFamily="34" charset="0"/>
+              </a:rPr>
               <a:t>. </a:t>
-            </a:r>
-            <a:r>
-              <a:rPr lang="es-ES" sz="1800" dirty="0">
-                <a:solidFill>
-                  <a:schemeClr val="tx1">
-                    <a:lumMod val="95000"/>
-                    <a:lumOff val="5000"/>
-                  </a:schemeClr>
-                </a:solidFill>
-                <a:latin typeface="Arial" panose="020B0604020202020204" pitchFamily="34" charset="0"/>
-                <a:cs typeface="Arial" panose="020B0604020202020204" pitchFamily="34" charset="0"/>
-              </a:rPr>
-              <a:t>La experiencia de usuario no será tan buena.</a:t>
             </a:r>
           </a:p>
         </p:txBody>
@@ -11996,7 +11577,7 @@
               </a:spcBef>
             </a:pPr>
             <a:r>
-              <a:rPr lang="es-ES_tradnl" altLang="es-MX" sz="1800" b="1" dirty="0">
+              <a:rPr lang="es-ES_tradnl" altLang="es-MX" sz="1800" b="1" dirty="0" err="1">
                 <a:solidFill>
                   <a:schemeClr val="accent3">
                     <a:lumMod val="75000"/>
@@ -12004,17 +11585,28 @@
                 </a:solidFill>
                 <a:latin typeface="Dom Casual" charset="0"/>
               </a:rPr>
-              <a:t>Estándares para una calidad del servicio aceptable</a:t>
+              <a:t>Queuing</a:t>
+            </a:r>
+            <a:r>
+              <a:rPr lang="es-ES_tradnl" altLang="es-MX" sz="1800" b="1" dirty="0">
+                <a:solidFill>
+                  <a:schemeClr val="accent3">
+                    <a:lumMod val="75000"/>
+                  </a:schemeClr>
+                </a:solidFill>
+                <a:latin typeface="Dom Casual" charset="0"/>
+              </a:rPr>
+              <a:t> – Haciendo fila - Encolamiento</a:t>
             </a:r>
           </a:p>
         </p:txBody>
       </p:sp>
       <p:pic>
         <p:nvPicPr>
-          <p:cNvPr id="3" name="Imagen 2">
+          <p:cNvPr id="6" name="Imagen 5">
             <a:extLst>
               <a:ext uri="{FF2B5EF4-FFF2-40B4-BE49-F238E27FC236}">
-                <a16:creationId xmlns:a16="http://schemas.microsoft.com/office/drawing/2014/main" id="{73C9A04A-731B-0521-165E-1AC6C572D3DA}"/>
+                <a16:creationId xmlns:a16="http://schemas.microsoft.com/office/drawing/2014/main" id="{3A7BCCF0-C9BC-5487-D6ED-370DC91D5EDA}"/>
               </a:ext>
             </a:extLst>
           </p:cNvPr>
@@ -12031,8 +11623,8 @@
         </p:blipFill>
         <p:spPr>
           <a:xfrm>
-            <a:off x="1374263" y="4939091"/>
-            <a:ext cx="6200775" cy="1476375"/>
+            <a:off x="28636" y="3677986"/>
+            <a:ext cx="9144000" cy="2387978"/>
           </a:xfrm>
           <a:prstGeom prst="rect">
             <a:avLst/>
@@ -12042,7 +11634,7 @@
     </p:spTree>
     <p:extLst>
       <p:ext uri="{BB962C8B-B14F-4D97-AF65-F5344CB8AC3E}">
-        <p14:creationId xmlns:p14="http://schemas.microsoft.com/office/powerpoint/2010/main" val="298812370"/>
+        <p14:creationId xmlns:p14="http://schemas.microsoft.com/office/powerpoint/2010/main" val="608542121"/>
       </p:ext>
     </p:extLst>
   </p:cSld>
@@ -12616,440 +12208,6 @@
         </p:nvSpPr>
         <p:spPr>
           <a:xfrm>
-            <a:off x="24656" y="1628800"/>
-            <a:ext cx="8352930" cy="2016224"/>
-          </a:xfrm>
-        </p:spPr>
-        <p:txBody>
-          <a:bodyPr/>
-          <a:lstStyle/>
-          <a:p>
-            <a:pPr marL="571440" indent="-285750" algn="just">
-              <a:lnSpc>
-                <a:spcPct val="150000"/>
-              </a:lnSpc>
-              <a:spcBef>
-                <a:spcPts val="0"/>
-              </a:spcBef>
-              <a:buFont typeface="Arial" panose="020B0604020202020204" pitchFamily="34" charset="0"/>
-              <a:buChar char="•"/>
-            </a:pPr>
-            <a:r>
-              <a:rPr lang="es-ES" sz="1800" dirty="0">
-                <a:solidFill>
-                  <a:schemeClr val="tx1">
-                    <a:lumMod val="95000"/>
-                    <a:lumOff val="5000"/>
-                  </a:schemeClr>
-                </a:solidFill>
-                <a:latin typeface="Arial" panose="020B0604020202020204" pitchFamily="34" charset="0"/>
-                <a:cs typeface="Arial" panose="020B0604020202020204" pitchFamily="34" charset="0"/>
-              </a:rPr>
-              <a:t>Si un dispositivo de red recibe mensajes más rápido que puede reenviarlos a través de la interfaz adecuada, los mensajes se colocan en una cola o fila. </a:t>
-            </a:r>
-            <a:r>
-              <a:rPr lang="es-ES" sz="1800" dirty="0">
-                <a:solidFill>
-                  <a:schemeClr val="accent6">
-                    <a:lumMod val="75000"/>
-                  </a:schemeClr>
-                </a:solidFill>
-                <a:latin typeface="Arial" panose="020B0604020202020204" pitchFamily="34" charset="0"/>
-                <a:cs typeface="Arial" panose="020B0604020202020204" pitchFamily="34" charset="0"/>
-              </a:rPr>
-              <a:t>Por ejemplo, este enrutador recibe paquetes en sus interfaces </a:t>
-            </a:r>
-            <a:r>
-              <a:rPr lang="es-ES" sz="1800" b="1" dirty="0">
-                <a:solidFill>
-                  <a:schemeClr val="accent6">
-                    <a:lumMod val="75000"/>
-                  </a:schemeClr>
-                </a:solidFill>
-                <a:latin typeface="Arial" panose="020B0604020202020204" pitchFamily="34" charset="0"/>
-                <a:cs typeface="Arial" panose="020B0604020202020204" pitchFamily="34" charset="0"/>
-              </a:rPr>
-              <a:t>G0/0</a:t>
-            </a:r>
-            <a:r>
-              <a:rPr lang="es-ES" sz="1800" dirty="0">
-                <a:solidFill>
-                  <a:schemeClr val="accent6">
-                    <a:lumMod val="75000"/>
-                  </a:schemeClr>
-                </a:solidFill>
-                <a:latin typeface="Arial" panose="020B0604020202020204" pitchFamily="34" charset="0"/>
-                <a:cs typeface="Arial" panose="020B0604020202020204" pitchFamily="34" charset="0"/>
-              </a:rPr>
-              <a:t> y </a:t>
-            </a:r>
-            <a:r>
-              <a:rPr lang="es-ES" sz="1800" b="1" dirty="0">
-                <a:solidFill>
-                  <a:schemeClr val="accent6">
-                    <a:lumMod val="75000"/>
-                  </a:schemeClr>
-                </a:solidFill>
-                <a:latin typeface="Arial" panose="020B0604020202020204" pitchFamily="34" charset="0"/>
-                <a:cs typeface="Arial" panose="020B0604020202020204" pitchFamily="34" charset="0"/>
-              </a:rPr>
-              <a:t>G0/1 </a:t>
-            </a:r>
-            <a:r>
-              <a:rPr lang="es-ES" sz="1800" dirty="0">
-                <a:solidFill>
-                  <a:schemeClr val="accent6">
-                    <a:lumMod val="75000"/>
-                  </a:schemeClr>
-                </a:solidFill>
-                <a:latin typeface="Arial" panose="020B0604020202020204" pitchFamily="34" charset="0"/>
-                <a:cs typeface="Arial" panose="020B0604020202020204" pitchFamily="34" charset="0"/>
-              </a:rPr>
-              <a:t>más rápido de lo que puede reenviarlos desde su interfaz </a:t>
-            </a:r>
-            <a:r>
-              <a:rPr lang="es-ES" sz="1800" b="1" dirty="0">
-                <a:solidFill>
-                  <a:schemeClr val="accent6">
-                    <a:lumMod val="75000"/>
-                  </a:schemeClr>
-                </a:solidFill>
-                <a:latin typeface="Arial" panose="020B0604020202020204" pitchFamily="34" charset="0"/>
-                <a:cs typeface="Arial" panose="020B0604020202020204" pitchFamily="34" charset="0"/>
-              </a:rPr>
-              <a:t>G0/2</a:t>
-            </a:r>
-            <a:r>
-              <a:rPr lang="es-ES" sz="1800" dirty="0">
-                <a:solidFill>
-                  <a:schemeClr val="accent6">
-                    <a:lumMod val="75000"/>
-                  </a:schemeClr>
-                </a:solidFill>
-                <a:latin typeface="Arial" panose="020B0604020202020204" pitchFamily="34" charset="0"/>
-                <a:cs typeface="Arial" panose="020B0604020202020204" pitchFamily="34" charset="0"/>
-              </a:rPr>
-              <a:t>. </a:t>
-            </a:r>
-          </a:p>
-        </p:txBody>
-      </p:sp>
-      <p:sp>
-        <p:nvSpPr>
-          <p:cNvPr id="4" name="Rectangle 5">
-            <a:extLst>
-              <a:ext uri="{FF2B5EF4-FFF2-40B4-BE49-F238E27FC236}">
-                <a16:creationId xmlns:a16="http://schemas.microsoft.com/office/drawing/2014/main" id="{BD2FAA3E-64BB-4FFB-46CC-02579F1E62D9}"/>
-              </a:ext>
-            </a:extLst>
-          </p:cNvPr>
-          <p:cNvSpPr txBox="1">
-            <a:spLocks noChangeArrowheads="1"/>
-          </p:cNvSpPr>
-          <p:nvPr/>
-        </p:nvSpPr>
-        <p:spPr bwMode="auto">
-          <a:xfrm>
-            <a:off x="1028700" y="37721"/>
-            <a:ext cx="7086600" cy="1143000"/>
-          </a:xfrm>
-          <a:prstGeom prst="rect">
-            <a:avLst/>
-          </a:prstGeom>
-          <a:noFill/>
-          <a:ln>
-            <a:noFill/>
-          </a:ln>
-          <a:extLst>
-            <a:ext uri="{909E8E84-426E-40DD-AFC4-6F175D3DCCD1}">
-              <a14:hiddenFill xmlns:a14="http://schemas.microsoft.com/office/drawing/2010/main">
-                <a:solidFill>
-                  <a:srgbClr val="FFFFFF"/>
-                </a:solidFill>
-              </a14:hiddenFill>
-            </a:ext>
-            <a:ext uri="{91240B29-F687-4F45-9708-019B960494DF}">
-              <a14:hiddenLine xmlns:a14="http://schemas.microsoft.com/office/drawing/2010/main" w="9525">
-                <a:solidFill>
-                  <a:srgbClr val="000000"/>
-                </a:solidFill>
-                <a:miter lim="800000"/>
-                <a:headEnd/>
-                <a:tailEnd/>
-              </a14:hiddenLine>
-            </a:ext>
-          </a:extLst>
-        </p:spPr>
-        <p:txBody>
-          <a:bodyPr vert="horz" lIns="91440" tIns="45720" rIns="91440" bIns="45720" rtlCol="0" anchor="ctr">
-            <a:normAutofit/>
-          </a:bodyPr>
-          <a:lstStyle>
-            <a:lvl1pPr algn="ctr" defTabSz="914400" rtl="0" eaLnBrk="1" latinLnBrk="0" hangingPunct="1">
-              <a:spcBef>
-                <a:spcPct val="0"/>
-              </a:spcBef>
-              <a:buNone/>
-              <a:defRPr sz="4400" kern="1200">
-                <a:solidFill>
-                  <a:srgbClr val="004C69"/>
-                </a:solidFill>
-                <a:latin typeface="+mj-lt"/>
-                <a:ea typeface="+mj-ea"/>
-                <a:cs typeface="+mj-cs"/>
-              </a:defRPr>
-            </a:lvl1pPr>
-          </a:lstStyle>
-          <a:p>
-            <a:pPr>
-              <a:spcBef>
-                <a:spcPts val="0"/>
-              </a:spcBef>
-            </a:pPr>
-            <a:r>
-              <a:rPr lang="es-ES_tradnl" altLang="es-MX" sz="3200" b="1" dirty="0" err="1">
-                <a:solidFill>
-                  <a:schemeClr val="accent4">
-                    <a:lumMod val="50000"/>
-                  </a:schemeClr>
-                </a:solidFill>
-                <a:effectLst>
-                  <a:outerShdw blurRad="38100" dist="38100" dir="2700000" algn="tl">
-                    <a:srgbClr val="C0C0C0"/>
-                  </a:outerShdw>
-                </a:effectLst>
-                <a:latin typeface="Dom Casual" charset="0"/>
-              </a:rPr>
-              <a:t>Quality</a:t>
-            </a:r>
-            <a:r>
-              <a:rPr lang="es-ES_tradnl" altLang="es-MX" sz="3200" b="1" dirty="0">
-                <a:solidFill>
-                  <a:schemeClr val="accent4">
-                    <a:lumMod val="50000"/>
-                  </a:schemeClr>
-                </a:solidFill>
-                <a:effectLst>
-                  <a:outerShdw blurRad="38100" dist="38100" dir="2700000" algn="tl">
-                    <a:srgbClr val="C0C0C0"/>
-                  </a:outerShdw>
-                </a:effectLst>
-                <a:latin typeface="Dom Casual" charset="0"/>
-              </a:rPr>
-              <a:t> </a:t>
-            </a:r>
-            <a:r>
-              <a:rPr lang="es-ES_tradnl" altLang="es-MX" sz="3200" b="1" dirty="0" err="1">
-                <a:solidFill>
-                  <a:schemeClr val="accent4">
-                    <a:lumMod val="50000"/>
-                  </a:schemeClr>
-                </a:solidFill>
-                <a:effectLst>
-                  <a:outerShdw blurRad="38100" dist="38100" dir="2700000" algn="tl">
-                    <a:srgbClr val="C0C0C0"/>
-                  </a:outerShdw>
-                </a:effectLst>
-                <a:latin typeface="Dom Casual" charset="0"/>
-              </a:rPr>
-              <a:t>of</a:t>
-            </a:r>
-            <a:r>
-              <a:rPr lang="es-ES_tradnl" altLang="es-MX" sz="3200" b="1" dirty="0">
-                <a:solidFill>
-                  <a:schemeClr val="accent4">
-                    <a:lumMod val="50000"/>
-                  </a:schemeClr>
-                </a:solidFill>
-                <a:effectLst>
-                  <a:outerShdw blurRad="38100" dist="38100" dir="2700000" algn="tl">
-                    <a:srgbClr val="C0C0C0"/>
-                  </a:outerShdw>
-                </a:effectLst>
-                <a:latin typeface="Dom Casual" charset="0"/>
-              </a:rPr>
-              <a:t> </a:t>
-            </a:r>
-            <a:r>
-              <a:rPr lang="es-ES_tradnl" altLang="es-MX" sz="3200" b="1" dirty="0" err="1">
-                <a:solidFill>
-                  <a:schemeClr val="accent4">
-                    <a:lumMod val="50000"/>
-                  </a:schemeClr>
-                </a:solidFill>
-                <a:effectLst>
-                  <a:outerShdw blurRad="38100" dist="38100" dir="2700000" algn="tl">
-                    <a:srgbClr val="C0C0C0"/>
-                  </a:outerShdw>
-                </a:effectLst>
-                <a:latin typeface="Dom Casual" charset="0"/>
-              </a:rPr>
-              <a:t>service</a:t>
-            </a:r>
-            <a:r>
-              <a:rPr lang="es-ES_tradnl" altLang="es-MX" sz="3200" b="1" dirty="0">
-                <a:solidFill>
-                  <a:schemeClr val="accent4">
-                    <a:lumMod val="50000"/>
-                  </a:schemeClr>
-                </a:solidFill>
-                <a:effectLst>
-                  <a:outerShdw blurRad="38100" dist="38100" dir="2700000" algn="tl">
-                    <a:srgbClr val="C0C0C0"/>
-                  </a:outerShdw>
-                </a:effectLst>
-                <a:latin typeface="Dom Casual" charset="0"/>
-              </a:rPr>
-              <a:t> (</a:t>
-            </a:r>
-            <a:r>
-              <a:rPr lang="es-ES_tradnl" altLang="es-MX" sz="3200" b="1" dirty="0" err="1">
-                <a:solidFill>
-                  <a:schemeClr val="accent4">
-                    <a:lumMod val="50000"/>
-                  </a:schemeClr>
-                </a:solidFill>
-                <a:effectLst>
-                  <a:outerShdw blurRad="38100" dist="38100" dir="2700000" algn="tl">
-                    <a:srgbClr val="C0C0C0"/>
-                  </a:outerShdw>
-                </a:effectLst>
-                <a:latin typeface="Dom Casual" charset="0"/>
-              </a:rPr>
-              <a:t>QoS</a:t>
-            </a:r>
-            <a:r>
-              <a:rPr lang="es-ES_tradnl" altLang="es-MX" sz="3200" b="1" dirty="0">
-                <a:solidFill>
-                  <a:schemeClr val="accent4">
-                    <a:lumMod val="50000"/>
-                  </a:schemeClr>
-                </a:solidFill>
-                <a:effectLst>
-                  <a:outerShdw blurRad="38100" dist="38100" dir="2700000" algn="tl">
-                    <a:srgbClr val="C0C0C0"/>
-                  </a:outerShdw>
-                </a:effectLst>
-                <a:latin typeface="Dom Casual" charset="0"/>
-              </a:rPr>
-              <a:t>)</a:t>
-            </a:r>
-          </a:p>
-          <a:p>
-            <a:pPr>
-              <a:spcBef>
-                <a:spcPts val="0"/>
-              </a:spcBef>
-            </a:pPr>
-            <a:r>
-              <a:rPr lang="es-ES_tradnl" altLang="es-MX" sz="1800" b="1" dirty="0" err="1">
-                <a:solidFill>
-                  <a:schemeClr val="accent3">
-                    <a:lumMod val="75000"/>
-                  </a:schemeClr>
-                </a:solidFill>
-                <a:latin typeface="Dom Casual" charset="0"/>
-              </a:rPr>
-              <a:t>Queuing</a:t>
-            </a:r>
-            <a:r>
-              <a:rPr lang="es-ES_tradnl" altLang="es-MX" sz="1800" b="1" dirty="0">
-                <a:solidFill>
-                  <a:schemeClr val="accent3">
-                    <a:lumMod val="75000"/>
-                  </a:schemeClr>
-                </a:solidFill>
-                <a:latin typeface="Dom Casual" charset="0"/>
-              </a:rPr>
-              <a:t> – Haciendo fila - Encolamiento</a:t>
-            </a:r>
-          </a:p>
-        </p:txBody>
-      </p:sp>
-      <p:pic>
-        <p:nvPicPr>
-          <p:cNvPr id="6" name="Imagen 5">
-            <a:extLst>
-              <a:ext uri="{FF2B5EF4-FFF2-40B4-BE49-F238E27FC236}">
-                <a16:creationId xmlns:a16="http://schemas.microsoft.com/office/drawing/2014/main" id="{3A7BCCF0-C9BC-5487-D6ED-370DC91D5EDA}"/>
-              </a:ext>
-            </a:extLst>
-          </p:cNvPr>
-          <p:cNvPicPr>
-            <a:picLocks noChangeAspect="1"/>
-          </p:cNvPicPr>
-          <p:nvPr/>
-        </p:nvPicPr>
-        <p:blipFill>
-          <a:blip r:embed="rId3"/>
-          <a:stretch>
-            <a:fillRect/>
-          </a:stretch>
-        </p:blipFill>
-        <p:spPr>
-          <a:xfrm>
-            <a:off x="0" y="4407397"/>
-            <a:ext cx="9144000" cy="2387978"/>
-          </a:xfrm>
-          <a:prstGeom prst="rect">
-            <a:avLst/>
-          </a:prstGeom>
-        </p:spPr>
-      </p:pic>
-    </p:spTree>
-    <p:extLst>
-      <p:ext uri="{BB962C8B-B14F-4D97-AF65-F5344CB8AC3E}">
-        <p14:creationId xmlns:p14="http://schemas.microsoft.com/office/powerpoint/2010/main" val="608542121"/>
-      </p:ext>
-    </p:extLst>
-  </p:cSld>
-  <p:clrMapOvr>
-    <a:masterClrMapping/>
-  </p:clrMapOvr>
-  <mc:AlternateContent xmlns:mc="http://schemas.openxmlformats.org/markup-compatibility/2006" xmlns:p14="http://schemas.microsoft.com/office/powerpoint/2010/main">
-    <mc:Choice Requires="p14">
-      <p:transition spd="med" p14:dur="700">
-        <p:fade/>
-      </p:transition>
-    </mc:Choice>
-    <mc:Fallback xmlns="">
-      <p:transition xmlns:p14="http://schemas.microsoft.com/office/powerpoint/2010/main" spd="med">
-        <p:fade/>
-      </p:transition>
-    </mc:Fallback>
-  </mc:AlternateContent>
-</p:sld>
-</file>
-
-<file path=ppt/slides/slide21.xml><?xml version="1.0" encoding="utf-8"?>
-<p:sld xmlns:a="http://schemas.openxmlformats.org/drawingml/2006/main" xmlns:r="http://schemas.openxmlformats.org/officeDocument/2006/relationships" xmlns:p="http://schemas.openxmlformats.org/presentationml/2006/main">
-  <p:cSld>
-    <p:spTree>
-      <p:nvGrpSpPr>
-        <p:cNvPr id="1" name=""/>
-        <p:cNvGrpSpPr/>
-        <p:nvPr/>
-      </p:nvGrpSpPr>
-      <p:grpSpPr>
-        <a:xfrm>
-          <a:off x="0" y="0"/>
-          <a:ext cx="0" cy="0"/>
-          <a:chOff x="0" y="0"/>
-          <a:chExt cx="0" cy="0"/>
-        </a:xfrm>
-      </p:grpSpPr>
-      <p:sp>
-        <p:nvSpPr>
-          <p:cNvPr id="2" name="Content Placeholder 1"/>
-          <p:cNvSpPr>
-            <a:spLocks noGrp="1"/>
-          </p:cNvSpPr>
-          <p:nvPr>
-            <p:ph idx="1"/>
-          </p:nvPr>
-        </p:nvSpPr>
-        <p:spPr>
-          <a:xfrm>
             <a:off x="107503" y="1268760"/>
             <a:ext cx="8533061" cy="1512167"/>
           </a:xfrm>
@@ -13395,7 +12553,7 @@
 </p:sld>
 </file>
 
-<file path=ppt/slides/slide22.xml><?xml version="1.0" encoding="utf-8"?>
+<file path=ppt/slides/slide21.xml><?xml version="1.0" encoding="utf-8"?>
 <p:sld xmlns:a="http://schemas.openxmlformats.org/drawingml/2006/main" xmlns:r="http://schemas.openxmlformats.org/officeDocument/2006/relationships" xmlns:p="http://schemas.openxmlformats.org/presentationml/2006/main">
   <p:cSld>
     <p:spTree>
@@ -13780,7 +12938,7 @@
 </p:sld>
 </file>
 
-<file path=ppt/slides/slide23.xml><?xml version="1.0" encoding="utf-8"?>
+<file path=ppt/slides/slide22.xml><?xml version="1.0" encoding="utf-8"?>
 <p:sld xmlns:a="http://schemas.openxmlformats.org/drawingml/2006/main" xmlns:r="http://schemas.openxmlformats.org/officeDocument/2006/relationships" xmlns:p="http://schemas.openxmlformats.org/presentationml/2006/main">
   <p:cSld>
     <p:spTree>
@@ -13836,7 +12994,7 @@
                 <a:latin typeface="Arial" panose="020B0604020202020204" pitchFamily="34" charset="0"/>
                 <a:cs typeface="Arial" panose="020B0604020202020204" pitchFamily="34" charset="0"/>
               </a:rPr>
-              <a:t>¿Qué pasa si la cola se llena? El tráfico sigue llegando a G0/0 y G0/1 más rápido que el ruteador puede reenviar los paquetes desde G0/2 y la cola se llena. Cuando esto sucede, se descartarán nuevos paquetes. Por lo tanto, si un nuevo paquete llega y debe reenviarse desde G0/2, pero la cola está llena, se descarta. </a:t>
+              <a:t>¿Qué pasa si la cola se llena? El tráfico sigue llegando a G0/0 y G0/1 más rápido de lo que el ruteador puede reenviar los paquetes desde G0/2 y la cola se llena. Cuando esto sucede, se descartarán nuevos paquetes. Por lo tanto, si un nuevo paquete llega y debe reenviarse desde G0/2, pero la cola está llena, se descarta. </a:t>
             </a:r>
           </a:p>
         </p:txBody>
@@ -14095,7 +13253,7 @@
         </p:blipFill>
         <p:spPr>
           <a:xfrm>
-            <a:off x="848184" y="3429000"/>
+            <a:off x="1331640" y="3187321"/>
             <a:ext cx="6984776" cy="3548345"/>
           </a:xfrm>
           <a:prstGeom prst="rect">
@@ -14128,7 +13286,7 @@
 </p:sld>
 </file>
 
-<file path=ppt/slides/slide24.xml><?xml version="1.0" encoding="utf-8"?>
+<file path=ppt/slides/slide23.xml><?xml version="1.0" encoding="utf-8"?>
 <p:sld xmlns:a="http://schemas.openxmlformats.org/drawingml/2006/main" xmlns:r="http://schemas.openxmlformats.org/officeDocument/2006/relationships" xmlns:p="http://schemas.openxmlformats.org/presentationml/2006/main">
   <p:cSld>
     <p:spTree>
@@ -14568,7 +13726,7 @@
 </p:sld>
 </file>
 
-<file path=ppt/slides/slide25.xml><?xml version="1.0" encoding="utf-8"?>
+<file path=ppt/slides/slide24.xml><?xml version="1.0" encoding="utf-8"?>
 <p:sld xmlns:a="http://schemas.openxmlformats.org/drawingml/2006/main" xmlns:r="http://schemas.openxmlformats.org/officeDocument/2006/relationships" xmlns:p="http://schemas.openxmlformats.org/presentationml/2006/main">
   <p:cSld>
     <p:bg>
@@ -15301,7 +14459,7 @@
 </p:sld>
 </file>
 
-<file path=ppt/slides/slide26.xml><?xml version="1.0" encoding="utf-8"?>
+<file path=ppt/slides/slide25.xml><?xml version="1.0" encoding="utf-8"?>
 <p:sld xmlns:a="http://schemas.openxmlformats.org/drawingml/2006/main" xmlns:r="http://schemas.openxmlformats.org/officeDocument/2006/relationships" xmlns:p="http://schemas.openxmlformats.org/presentationml/2006/main">
   <p:cSld>
     <p:spTree>
@@ -15665,7 +14823,7 @@
 </p:sld>
 </file>
 
-<file path=ppt/slides/slide27.xml><?xml version="1.0" encoding="utf-8"?>
+<file path=ppt/slides/slide26.xml><?xml version="1.0" encoding="utf-8"?>
 <p:sld xmlns:a="http://schemas.openxmlformats.org/drawingml/2006/main" xmlns:r="http://schemas.openxmlformats.org/officeDocument/2006/relationships" xmlns:p="http://schemas.openxmlformats.org/presentationml/2006/main">
   <p:cSld>
     <p:spTree>
@@ -16175,7 +15333,7 @@
 </p:sld>
 </file>
 
-<file path=ppt/slides/slide28.xml><?xml version="1.0" encoding="utf-8"?>
+<file path=ppt/slides/slide27.xml><?xml version="1.0" encoding="utf-8"?>
 <p:sld xmlns:a="http://schemas.openxmlformats.org/drawingml/2006/main" xmlns:r="http://schemas.openxmlformats.org/officeDocument/2006/relationships" xmlns:p="http://schemas.openxmlformats.org/presentationml/2006/main">
   <p:cSld>
     <p:spTree>
@@ -16551,6 +15709,30 @@
             <a:r>
               <a:rPr lang="es-ES" sz="1800" b="1" dirty="0">
                 <a:solidFill>
+                  <a:schemeClr val="accent5">
+                    <a:lumMod val="75000"/>
+                  </a:schemeClr>
+                </a:solidFill>
+                <a:latin typeface="Arial" panose="020B0604020202020204" pitchFamily="34" charset="0"/>
+                <a:cs typeface="Arial" panose="020B0604020202020204" pitchFamily="34" charset="0"/>
+              </a:rPr>
+              <a:t>match-</a:t>
+            </a:r>
+            <a:r>
+              <a:rPr lang="es-ES" sz="1800" b="1" dirty="0" err="1">
+                <a:solidFill>
+                  <a:schemeClr val="accent5">
+                    <a:lumMod val="75000"/>
+                  </a:schemeClr>
+                </a:solidFill>
+                <a:latin typeface="Arial" panose="020B0604020202020204" pitchFamily="34" charset="0"/>
+                <a:cs typeface="Arial" panose="020B0604020202020204" pitchFamily="34" charset="0"/>
+              </a:rPr>
+              <a:t>all</a:t>
+            </a:r>
+            <a:r>
+              <a:rPr lang="es-ES" sz="1800" dirty="0">
+                <a:solidFill>
                   <a:schemeClr val="tx1">
                     <a:lumMod val="95000"/>
                     <a:lumOff val="5000"/>
@@ -16559,33 +15741,7 @@
                 <a:latin typeface="Arial" panose="020B0604020202020204" pitchFamily="34" charset="0"/>
                 <a:cs typeface="Arial" panose="020B0604020202020204" pitchFamily="34" charset="0"/>
               </a:rPr>
-              <a:t>match-</a:t>
-            </a:r>
-            <a:r>
-              <a:rPr lang="es-ES" sz="1800" b="1" dirty="0" err="1">
-                <a:solidFill>
-                  <a:schemeClr val="tx1">
-                    <a:lumMod val="95000"/>
-                    <a:lumOff val="5000"/>
-                  </a:schemeClr>
-                </a:solidFill>
-                <a:latin typeface="Arial" panose="020B0604020202020204" pitchFamily="34" charset="0"/>
-                <a:cs typeface="Arial" panose="020B0604020202020204" pitchFamily="34" charset="0"/>
-              </a:rPr>
-              <a:t>all</a:t>
-            </a:r>
-            <a:r>
-              <a:rPr lang="es-ES" sz="1800" dirty="0">
-                <a:solidFill>
-                  <a:schemeClr val="tx1">
-                    <a:lumMod val="95000"/>
-                    <a:lumOff val="5000"/>
-                  </a:schemeClr>
-                </a:solidFill>
-                <a:latin typeface="Arial" panose="020B0604020202020204" pitchFamily="34" charset="0"/>
-                <a:cs typeface="Arial" panose="020B0604020202020204" pitchFamily="34" charset="0"/>
-              </a:rPr>
-              <a:t>. </a:t>
+              <a:t> </a:t>
             </a:r>
             <a:endParaRPr lang="es-MX" dirty="0"/>
           </a:p>
@@ -16616,7 +15772,7 @@
 </p:sld>
 </file>
 
-<file path=ppt/slides/slide29.xml><?xml version="1.0" encoding="utf-8"?>
+<file path=ppt/slides/slide28.xml><?xml version="1.0" encoding="utf-8"?>
 <p:sld xmlns:a="http://schemas.openxmlformats.org/drawingml/2006/main" xmlns:r="http://schemas.openxmlformats.org/officeDocument/2006/relationships" xmlns:p="http://schemas.openxmlformats.org/presentationml/2006/main">
   <p:cSld>
     <p:spTree>
@@ -16704,7 +15860,7 @@
                 <a:spcPts val="3000"/>
               </a:lnSpc>
               <a:spcBef>
-                <a:spcPts val="1200"/>
+                <a:spcPts val="0"/>
               </a:spcBef>
               <a:spcAft>
                 <a:spcPts val="1200"/>
@@ -17182,6 +16338,362 @@
     <p:extLst>
       <p:ext uri="{BB962C8B-B14F-4D97-AF65-F5344CB8AC3E}">
         <p14:creationId xmlns:p14="http://schemas.microsoft.com/office/powerpoint/2010/main" val="947743673"/>
+      </p:ext>
+    </p:extLst>
+  </p:cSld>
+  <p:clrMapOvr>
+    <a:masterClrMapping/>
+  </p:clrMapOvr>
+  <mc:AlternateContent xmlns:mc="http://schemas.openxmlformats.org/markup-compatibility/2006" xmlns:p14="http://schemas.microsoft.com/office/powerpoint/2010/main">
+    <mc:Choice Requires="p14">
+      <p:transition spd="med" p14:dur="700">
+        <p:fade/>
+      </p:transition>
+    </mc:Choice>
+    <mc:Fallback xmlns="">
+      <p:transition xmlns:p14="http://schemas.microsoft.com/office/powerpoint/2010/main" spd="med">
+        <p:fade/>
+      </p:transition>
+    </mc:Fallback>
+  </mc:AlternateContent>
+</p:sld>
+</file>
+
+<file path=ppt/slides/slide29.xml><?xml version="1.0" encoding="utf-8"?>
+<p:sld xmlns:a="http://schemas.openxmlformats.org/drawingml/2006/main" xmlns:r="http://schemas.openxmlformats.org/officeDocument/2006/relationships" xmlns:p="http://schemas.openxmlformats.org/presentationml/2006/main">
+  <p:cSld>
+    <p:spTree>
+      <p:nvGrpSpPr>
+        <p:cNvPr id="1" name=""/>
+        <p:cNvGrpSpPr/>
+        <p:nvPr/>
+      </p:nvGrpSpPr>
+      <p:grpSpPr>
+        <a:xfrm>
+          <a:off x="0" y="0"/>
+          <a:ext cx="0" cy="0"/>
+          <a:chOff x="0" y="0"/>
+          <a:chExt cx="0" cy="0"/>
+        </a:xfrm>
+      </p:grpSpPr>
+      <p:sp>
+        <p:nvSpPr>
+          <p:cNvPr id="2" name="Content Placeholder 1"/>
+          <p:cNvSpPr>
+            <a:spLocks noGrp="1"/>
+          </p:cNvSpPr>
+          <p:nvPr>
+            <p:ph idx="1"/>
+          </p:nvPr>
+        </p:nvSpPr>
+        <p:spPr>
+          <a:xfrm>
+            <a:off x="548164" y="1412776"/>
+            <a:ext cx="8056283" cy="3528392"/>
+          </a:xfrm>
+        </p:spPr>
+        <p:txBody>
+          <a:bodyPr/>
+          <a:lstStyle/>
+          <a:p>
+            <a:pPr indent="0" algn="just">
+              <a:lnSpc>
+                <a:spcPct val="150000"/>
+              </a:lnSpc>
+              <a:spcBef>
+                <a:spcPts val="1200"/>
+              </a:spcBef>
+              <a:spcAft>
+                <a:spcPts val="1200"/>
+              </a:spcAft>
+            </a:pPr>
+            <a:r>
+              <a:rPr lang="es-ES" b="1" dirty="0">
+                <a:solidFill>
+                  <a:schemeClr val="accent6">
+                    <a:lumMod val="75000"/>
+                  </a:schemeClr>
+                </a:solidFill>
+                <a:latin typeface="Arial" panose="020B0604020202020204" pitchFamily="34" charset="0"/>
+                <a:cs typeface="Arial" panose="020B0604020202020204" pitchFamily="34" charset="0"/>
+              </a:rPr>
+              <a:t>mach-</a:t>
+            </a:r>
+            <a:r>
+              <a:rPr lang="es-ES" b="1" dirty="0" err="1">
+                <a:solidFill>
+                  <a:schemeClr val="accent6">
+                    <a:lumMod val="75000"/>
+                  </a:schemeClr>
+                </a:solidFill>
+                <a:latin typeface="Arial" panose="020B0604020202020204" pitchFamily="34" charset="0"/>
+                <a:cs typeface="Arial" panose="020B0604020202020204" pitchFamily="34" charset="0"/>
+              </a:rPr>
+              <a:t>all</a:t>
+            </a:r>
+            <a:endParaRPr lang="es-ES" b="1" dirty="0">
+              <a:solidFill>
+                <a:schemeClr val="accent6">
+                  <a:lumMod val="75000"/>
+                </a:schemeClr>
+              </a:solidFill>
+              <a:latin typeface="Arial" panose="020B0604020202020204" pitchFamily="34" charset="0"/>
+              <a:cs typeface="Arial" panose="020B0604020202020204" pitchFamily="34" charset="0"/>
+            </a:endParaRPr>
+          </a:p>
+          <a:p>
+            <a:pPr indent="0" algn="just">
+              <a:lnSpc>
+                <a:spcPts val="3000"/>
+              </a:lnSpc>
+              <a:spcBef>
+                <a:spcPts val="1200"/>
+              </a:spcBef>
+              <a:spcAft>
+                <a:spcPts val="1200"/>
+              </a:spcAft>
+            </a:pPr>
+            <a:r>
+              <a:rPr lang="es-ES" sz="1800" dirty="0">
+                <a:solidFill>
+                  <a:schemeClr val="tx1"/>
+                </a:solidFill>
+                <a:latin typeface="Arial" panose="020B0604020202020204" pitchFamily="34" charset="0"/>
+                <a:cs typeface="Arial" panose="020B0604020202020204" pitchFamily="34" charset="0"/>
+              </a:rPr>
+              <a:t>En este caso, cada mapa de clase solo tiene una declaración match, por lo que no importa, pero si hay varias declaraciones de coincidencia, deben cumplirse todas.</a:t>
+            </a:r>
+          </a:p>
+          <a:p>
+            <a:pPr indent="0" algn="just">
+              <a:lnSpc>
+                <a:spcPct val="150000"/>
+              </a:lnSpc>
+              <a:spcBef>
+                <a:spcPts val="1200"/>
+              </a:spcBef>
+              <a:spcAft>
+                <a:spcPts val="1200"/>
+              </a:spcAft>
+            </a:pPr>
+            <a:endParaRPr lang="es-ES" dirty="0">
+              <a:solidFill>
+                <a:schemeClr val="tx1"/>
+              </a:solidFill>
+              <a:latin typeface="Arial" panose="020B0604020202020204" pitchFamily="34" charset="0"/>
+              <a:cs typeface="Arial" panose="020B0604020202020204" pitchFamily="34" charset="0"/>
+            </a:endParaRPr>
+          </a:p>
+          <a:p>
+            <a:pPr marL="628590" indent="-342900" algn="just">
+              <a:lnSpc>
+                <a:spcPct val="150000"/>
+              </a:lnSpc>
+              <a:spcBef>
+                <a:spcPts val="0"/>
+              </a:spcBef>
+              <a:buFont typeface="+mj-lt"/>
+              <a:buAutoNum type="arabicPeriod"/>
+            </a:pPr>
+            <a:endParaRPr lang="es-ES" sz="1800" dirty="0">
+              <a:solidFill>
+                <a:schemeClr val="tx1"/>
+              </a:solidFill>
+              <a:latin typeface="Arial" panose="020B0604020202020204" pitchFamily="34" charset="0"/>
+              <a:cs typeface="Arial" panose="020B0604020202020204" pitchFamily="34" charset="0"/>
+            </a:endParaRPr>
+          </a:p>
+        </p:txBody>
+      </p:sp>
+      <p:sp>
+        <p:nvSpPr>
+          <p:cNvPr id="4" name="Rectangle 5">
+            <a:extLst>
+              <a:ext uri="{FF2B5EF4-FFF2-40B4-BE49-F238E27FC236}">
+                <a16:creationId xmlns:a16="http://schemas.microsoft.com/office/drawing/2014/main" id="{BD2FAA3E-64BB-4FFB-46CC-02579F1E62D9}"/>
+              </a:ext>
+            </a:extLst>
+          </p:cNvPr>
+          <p:cNvSpPr txBox="1">
+            <a:spLocks noChangeArrowheads="1"/>
+          </p:cNvSpPr>
+          <p:nvPr/>
+        </p:nvSpPr>
+        <p:spPr bwMode="auto">
+          <a:xfrm>
+            <a:off x="1028700" y="188640"/>
+            <a:ext cx="7086600" cy="1143000"/>
+          </a:xfrm>
+          <a:prstGeom prst="rect">
+            <a:avLst/>
+          </a:prstGeom>
+          <a:noFill/>
+          <a:ln>
+            <a:noFill/>
+          </a:ln>
+          <a:extLst>
+            <a:ext uri="{909E8E84-426E-40DD-AFC4-6F175D3DCCD1}">
+              <a14:hiddenFill xmlns:a14="http://schemas.microsoft.com/office/drawing/2010/main">
+                <a:solidFill>
+                  <a:srgbClr val="FFFFFF"/>
+                </a:solidFill>
+              </a14:hiddenFill>
+            </a:ext>
+            <a:ext uri="{91240B29-F687-4F45-9708-019B960494DF}">
+              <a14:hiddenLine xmlns:a14="http://schemas.microsoft.com/office/drawing/2010/main" w="9525">
+                <a:solidFill>
+                  <a:srgbClr val="000000"/>
+                </a:solidFill>
+                <a:miter lim="800000"/>
+                <a:headEnd/>
+                <a:tailEnd/>
+              </a14:hiddenLine>
+            </a:ext>
+          </a:extLst>
+        </p:spPr>
+        <p:txBody>
+          <a:bodyPr vert="horz" lIns="91440" tIns="45720" rIns="91440" bIns="45720" rtlCol="0" anchor="ctr">
+            <a:normAutofit/>
+          </a:bodyPr>
+          <a:lstStyle>
+            <a:lvl1pPr algn="ctr" defTabSz="914400" rtl="0" eaLnBrk="1" latinLnBrk="0" hangingPunct="1">
+              <a:spcBef>
+                <a:spcPct val="0"/>
+              </a:spcBef>
+              <a:buNone/>
+              <a:defRPr sz="4400" kern="1200">
+                <a:solidFill>
+                  <a:srgbClr val="004C69"/>
+                </a:solidFill>
+                <a:latin typeface="+mj-lt"/>
+                <a:ea typeface="+mj-ea"/>
+                <a:cs typeface="+mj-cs"/>
+              </a:defRPr>
+            </a:lvl1pPr>
+          </a:lstStyle>
+          <a:p>
+            <a:pPr>
+              <a:spcBef>
+                <a:spcPts val="0"/>
+              </a:spcBef>
+            </a:pPr>
+            <a:r>
+              <a:rPr lang="es-ES_tradnl" altLang="es-MX" sz="3200" b="1" dirty="0">
+                <a:solidFill>
+                  <a:schemeClr val="accent4">
+                    <a:lumMod val="50000"/>
+                  </a:schemeClr>
+                </a:solidFill>
+                <a:effectLst>
+                  <a:outerShdw blurRad="38100" dist="38100" dir="2700000" algn="tl">
+                    <a:srgbClr val="C0C0C0"/>
+                  </a:outerShdw>
+                </a:effectLst>
+                <a:latin typeface="Dom Casual" charset="0"/>
+              </a:rPr>
+              <a:t>Principales pasos para configurar </a:t>
+            </a:r>
+            <a:r>
+              <a:rPr lang="es-ES_tradnl" altLang="es-MX" sz="3200" b="1" dirty="0" err="1">
+                <a:solidFill>
+                  <a:schemeClr val="accent4">
+                    <a:lumMod val="50000"/>
+                  </a:schemeClr>
+                </a:solidFill>
+                <a:effectLst>
+                  <a:outerShdw blurRad="38100" dist="38100" dir="2700000" algn="tl">
+                    <a:srgbClr val="C0C0C0"/>
+                  </a:outerShdw>
+                </a:effectLst>
+                <a:latin typeface="Dom Casual" charset="0"/>
+              </a:rPr>
+              <a:t>QoS</a:t>
+            </a:r>
+            <a:endParaRPr lang="es-ES_tradnl" altLang="es-MX" sz="2000" b="1" dirty="0">
+              <a:solidFill>
+                <a:schemeClr val="accent3">
+                  <a:lumMod val="75000"/>
+                </a:schemeClr>
+              </a:solidFill>
+              <a:latin typeface="Dom Casual" charset="0"/>
+            </a:endParaRPr>
+          </a:p>
+          <a:p>
+            <a:pPr>
+              <a:spcBef>
+                <a:spcPts val="0"/>
+              </a:spcBef>
+            </a:pPr>
+            <a:r>
+              <a:rPr lang="es-ES_tradnl" altLang="es-MX" sz="2000" b="1" dirty="0">
+                <a:solidFill>
+                  <a:schemeClr val="accent3">
+                    <a:lumMod val="75000"/>
+                  </a:schemeClr>
+                </a:solidFill>
+                <a:latin typeface="Dom Casual" charset="0"/>
+              </a:rPr>
+              <a:t>Diferencia entre match-</a:t>
+            </a:r>
+            <a:r>
+              <a:rPr lang="es-ES_tradnl" altLang="es-MX" sz="2000" b="1" dirty="0" err="1">
+                <a:solidFill>
+                  <a:schemeClr val="accent3">
+                    <a:lumMod val="75000"/>
+                  </a:schemeClr>
+                </a:solidFill>
+                <a:latin typeface="Dom Casual" charset="0"/>
+              </a:rPr>
+              <a:t>all</a:t>
+            </a:r>
+            <a:r>
+              <a:rPr lang="es-ES_tradnl" altLang="es-MX" sz="2000" b="1" dirty="0">
+                <a:solidFill>
+                  <a:schemeClr val="accent3">
+                    <a:lumMod val="75000"/>
+                  </a:schemeClr>
+                </a:solidFill>
+                <a:latin typeface="Dom Casual" charset="0"/>
+              </a:rPr>
+              <a:t> y match-any</a:t>
+            </a:r>
+          </a:p>
+        </p:txBody>
+      </p:sp>
+      <p:pic>
+        <p:nvPicPr>
+          <p:cNvPr id="5" name="Imagen 4">
+            <a:extLst>
+              <a:ext uri="{FF2B5EF4-FFF2-40B4-BE49-F238E27FC236}">
+                <a16:creationId xmlns:a16="http://schemas.microsoft.com/office/drawing/2014/main" id="{41EAA70E-08BE-E893-1C8E-D25F6383234C}"/>
+              </a:ext>
+            </a:extLst>
+          </p:cNvPr>
+          <p:cNvPicPr>
+            <a:picLocks noChangeAspect="1"/>
+          </p:cNvPicPr>
+          <p:nvPr/>
+        </p:nvPicPr>
+        <p:blipFill>
+          <a:blip r:embed="rId3"/>
+          <a:stretch>
+            <a:fillRect/>
+          </a:stretch>
+        </p:blipFill>
+        <p:spPr>
+          <a:xfrm>
+            <a:off x="2586037" y="3789040"/>
+            <a:ext cx="3971925" cy="1019175"/>
+          </a:xfrm>
+          <a:prstGeom prst="rect">
+            <a:avLst/>
+          </a:prstGeom>
+        </p:spPr>
+      </p:pic>
+    </p:spTree>
+    <p:extLst>
+      <p:ext uri="{BB962C8B-B14F-4D97-AF65-F5344CB8AC3E}">
+        <p14:creationId xmlns:p14="http://schemas.microsoft.com/office/powerpoint/2010/main" val="2839650829"/>
       </p:ext>
     </p:extLst>
   </p:cSld>
@@ -17688,8 +17200,8 @@
         </p:nvSpPr>
         <p:spPr>
           <a:xfrm>
-            <a:off x="548164" y="1412776"/>
-            <a:ext cx="8056283" cy="3528392"/>
+            <a:off x="611560" y="1334840"/>
+            <a:ext cx="7992888" cy="3330370"/>
           </a:xfrm>
         </p:spPr>
         <p:txBody>
@@ -17717,29 +17229,221 @@
                 <a:latin typeface="Arial" panose="020B0604020202020204" pitchFamily="34" charset="0"/>
                 <a:cs typeface="Arial" panose="020B0604020202020204" pitchFamily="34" charset="0"/>
               </a:rPr>
-              <a:t>mach-</a:t>
-            </a:r>
+              <a:t>mach-any</a:t>
+            </a:r>
+          </a:p>
+          <a:p>
+            <a:pPr indent="0" algn="just">
+              <a:lnSpc>
+                <a:spcPts val="3000"/>
+              </a:lnSpc>
+              <a:spcBef>
+                <a:spcPts val="0"/>
+              </a:spcBef>
+              <a:spcAft>
+                <a:spcPts val="1200"/>
+              </a:spcAft>
+            </a:pPr>
+            <a:r>
+              <a:rPr lang="es-ES" sz="1800" dirty="0">
+                <a:solidFill>
+                  <a:schemeClr val="tx1"/>
+                </a:solidFill>
+                <a:latin typeface="Arial" panose="020B0604020202020204" pitchFamily="34" charset="0"/>
+                <a:cs typeface="Arial" panose="020B0604020202020204" pitchFamily="34" charset="0"/>
+              </a:rPr>
+              <a:t>Esto significa que, para que coincida con este mapa de clase, </a:t>
+            </a:r>
+            <a:r>
+              <a:rPr lang="es-ES" sz="1800" b="1" dirty="0">
+                <a:solidFill>
+                  <a:srgbClr val="00B0F0"/>
+                </a:solidFill>
+                <a:latin typeface="Arial" panose="020B0604020202020204" pitchFamily="34" charset="0"/>
+                <a:cs typeface="Arial" panose="020B0604020202020204" pitchFamily="34" charset="0"/>
+              </a:rPr>
+              <a:t>el tráfico debe coincidir con </a:t>
+            </a:r>
+            <a:r>
+              <a:rPr lang="es-ES" sz="1800" b="1" u="sng" dirty="0">
+                <a:solidFill>
+                  <a:srgbClr val="00B0F0"/>
+                </a:solidFill>
+                <a:latin typeface="Arial" panose="020B0604020202020204" pitchFamily="34" charset="0"/>
+                <a:cs typeface="Arial" panose="020B0604020202020204" pitchFamily="34" charset="0"/>
+              </a:rPr>
+              <a:t>al menos una</a:t>
+            </a:r>
+            <a:r>
+              <a:rPr lang="es-ES" sz="1800" b="1" dirty="0">
+                <a:solidFill>
+                  <a:srgbClr val="00B0F0"/>
+                </a:solidFill>
+                <a:latin typeface="Arial" panose="020B0604020202020204" pitchFamily="34" charset="0"/>
+                <a:cs typeface="Arial" panose="020B0604020202020204" pitchFamily="34" charset="0"/>
+              </a:rPr>
+              <a:t> de las declaraciones de coincidencia</a:t>
+            </a:r>
+            <a:r>
+              <a:rPr lang="es-ES" sz="1800" dirty="0">
+                <a:solidFill>
+                  <a:srgbClr val="00B0F0"/>
+                </a:solidFill>
+                <a:latin typeface="Arial" panose="020B0604020202020204" pitchFamily="34" charset="0"/>
+                <a:cs typeface="Arial" panose="020B0604020202020204" pitchFamily="34" charset="0"/>
+              </a:rPr>
+              <a:t> </a:t>
+            </a:r>
+            <a:r>
+              <a:rPr lang="es-ES" sz="1800" dirty="0">
+                <a:solidFill>
+                  <a:schemeClr val="tx1"/>
+                </a:solidFill>
+                <a:latin typeface="Arial" panose="020B0604020202020204" pitchFamily="34" charset="0"/>
+                <a:cs typeface="Arial" panose="020B0604020202020204" pitchFamily="34" charset="0"/>
+              </a:rPr>
+              <a:t>en ese mapa de clase. </a:t>
+            </a:r>
+          </a:p>
+          <a:p>
+            <a:pPr indent="0" algn="just">
+              <a:lnSpc>
+                <a:spcPts val="3000"/>
+              </a:lnSpc>
+              <a:spcBef>
+                <a:spcPts val="0"/>
+              </a:spcBef>
+            </a:pPr>
             <a:r>
               <a:rPr lang="es-ES" b="1" dirty="0" err="1">
                 <a:solidFill>
-                  <a:schemeClr val="accent6">
-                    <a:lumMod val="75000"/>
-                  </a:schemeClr>
-                </a:solidFill>
-                <a:latin typeface="Arial" panose="020B0604020202020204" pitchFamily="34" charset="0"/>
-                <a:cs typeface="Arial" panose="020B0604020202020204" pitchFamily="34" charset="0"/>
-              </a:rPr>
-              <a:t>all</a:t>
-            </a:r>
-            <a:endParaRPr lang="es-ES" b="1" dirty="0">
-              <a:solidFill>
-                <a:schemeClr val="accent6">
-                  <a:lumMod val="75000"/>
-                </a:schemeClr>
-              </a:solidFill>
-              <a:latin typeface="Arial" panose="020B0604020202020204" pitchFamily="34" charset="0"/>
-              <a:cs typeface="Arial" panose="020B0604020202020204" pitchFamily="34" charset="0"/>
-            </a:endParaRPr>
+                  <a:schemeClr val="tx1"/>
+                </a:solidFill>
+                <a:latin typeface="Arial" panose="020B0604020202020204" pitchFamily="34" charset="0"/>
+                <a:cs typeface="Arial" panose="020B0604020202020204" pitchFamily="34" charset="0"/>
+              </a:rPr>
+              <a:t>class-map</a:t>
+            </a:r>
+            <a:r>
+              <a:rPr lang="es-ES" b="1" dirty="0">
+                <a:solidFill>
+                  <a:schemeClr val="tx1"/>
+                </a:solidFill>
+                <a:latin typeface="Arial" panose="020B0604020202020204" pitchFamily="34" charset="0"/>
+                <a:cs typeface="Arial" panose="020B0604020202020204" pitchFamily="34" charset="0"/>
+              </a:rPr>
+              <a:t> </a:t>
+            </a:r>
+            <a:r>
+              <a:rPr lang="es-ES" b="1" dirty="0">
+                <a:solidFill>
+                  <a:srgbClr val="FF0000"/>
+                </a:solidFill>
+                <a:latin typeface="Arial" panose="020B0604020202020204" pitchFamily="34" charset="0"/>
+                <a:cs typeface="Arial" panose="020B0604020202020204" pitchFamily="34" charset="0"/>
+              </a:rPr>
+              <a:t>mach-any</a:t>
+            </a:r>
+            <a:r>
+              <a:rPr lang="es-ES" b="1" dirty="0">
+                <a:solidFill>
+                  <a:srgbClr val="00B0F0"/>
+                </a:solidFill>
+                <a:latin typeface="Arial" panose="020B0604020202020204" pitchFamily="34" charset="0"/>
+                <a:cs typeface="Arial" panose="020B0604020202020204" pitchFamily="34" charset="0"/>
+              </a:rPr>
+              <a:t> </a:t>
+            </a:r>
+            <a:r>
+              <a:rPr lang="es-ES" b="1" dirty="0">
+                <a:solidFill>
+                  <a:schemeClr val="tx1"/>
+                </a:solidFill>
+                <a:latin typeface="Arial" panose="020B0604020202020204" pitchFamily="34" charset="0"/>
+                <a:cs typeface="Arial" panose="020B0604020202020204" pitchFamily="34" charset="0"/>
+              </a:rPr>
+              <a:t>HTTP_HTTPS_MAP</a:t>
+            </a:r>
+          </a:p>
+          <a:p>
+            <a:pPr indent="0" algn="just">
+              <a:lnSpc>
+                <a:spcPts val="3000"/>
+              </a:lnSpc>
+              <a:spcBef>
+                <a:spcPts val="0"/>
+              </a:spcBef>
+            </a:pPr>
+            <a:r>
+              <a:rPr lang="es-ES" b="1" dirty="0">
+                <a:solidFill>
+                  <a:schemeClr val="tx1"/>
+                </a:solidFill>
+                <a:latin typeface="Arial" panose="020B0604020202020204" pitchFamily="34" charset="0"/>
+                <a:cs typeface="Arial" panose="020B0604020202020204" pitchFamily="34" charset="0"/>
+              </a:rPr>
+              <a:t>  match </a:t>
+            </a:r>
+            <a:r>
+              <a:rPr lang="es-ES" b="1" dirty="0" err="1">
+                <a:solidFill>
+                  <a:schemeClr val="tx1"/>
+                </a:solidFill>
+                <a:latin typeface="Arial" panose="020B0604020202020204" pitchFamily="34" charset="0"/>
+                <a:cs typeface="Arial" panose="020B0604020202020204" pitchFamily="34" charset="0"/>
+              </a:rPr>
+              <a:t>protocol</a:t>
+            </a:r>
+            <a:r>
+              <a:rPr lang="es-ES" b="1" dirty="0">
+                <a:solidFill>
+                  <a:schemeClr val="tx1"/>
+                </a:solidFill>
+                <a:latin typeface="Arial" panose="020B0604020202020204" pitchFamily="34" charset="0"/>
+                <a:cs typeface="Arial" panose="020B0604020202020204" pitchFamily="34" charset="0"/>
+              </a:rPr>
+              <a:t> http </a:t>
+            </a:r>
+          </a:p>
+          <a:p>
+            <a:pPr indent="0" algn="just">
+              <a:lnSpc>
+                <a:spcPts val="3000"/>
+              </a:lnSpc>
+              <a:spcBef>
+                <a:spcPts val="0"/>
+              </a:spcBef>
+            </a:pPr>
+            <a:r>
+              <a:rPr lang="es-ES" b="1" dirty="0">
+                <a:solidFill>
+                  <a:schemeClr val="tx1"/>
+                </a:solidFill>
+                <a:latin typeface="Arial" panose="020B0604020202020204" pitchFamily="34" charset="0"/>
+                <a:cs typeface="Arial" panose="020B0604020202020204" pitchFamily="34" charset="0"/>
+              </a:rPr>
+              <a:t>  match </a:t>
+            </a:r>
+            <a:r>
+              <a:rPr lang="es-ES" b="1" dirty="0" err="1">
+                <a:solidFill>
+                  <a:schemeClr val="tx1"/>
+                </a:solidFill>
+                <a:latin typeface="Arial" panose="020B0604020202020204" pitchFamily="34" charset="0"/>
+                <a:cs typeface="Arial" panose="020B0604020202020204" pitchFamily="34" charset="0"/>
+              </a:rPr>
+              <a:t>protocol</a:t>
+            </a:r>
+            <a:r>
+              <a:rPr lang="es-ES" b="1" dirty="0">
+                <a:solidFill>
+                  <a:schemeClr val="tx1"/>
+                </a:solidFill>
+                <a:latin typeface="Arial" panose="020B0604020202020204" pitchFamily="34" charset="0"/>
+                <a:cs typeface="Arial" panose="020B0604020202020204" pitchFamily="34" charset="0"/>
+              </a:rPr>
+              <a:t> https</a:t>
+            </a:r>
           </a:p>
           <a:p>
             <a:pPr indent="0" algn="just">
@@ -17753,16 +17457,13 @@
                 <a:spcPts val="1200"/>
               </a:spcAft>
             </a:pPr>
-            <a:r>
-              <a:rPr lang="es-ES" sz="1800" dirty="0">
-                <a:solidFill>
-                  <a:schemeClr val="tx1"/>
-                </a:solidFill>
-                <a:latin typeface="Arial" panose="020B0604020202020204" pitchFamily="34" charset="0"/>
-                <a:cs typeface="Arial" panose="020B0604020202020204" pitchFamily="34" charset="0"/>
-              </a:rPr>
-              <a:t>En este caso, cada mapa de clase solo tiene una declaración match, por lo que no importa, pero si hay varias declaraciones de coincidencia, deben cumplirse todas.</a:t>
-            </a:r>
+            <a:endParaRPr lang="es-ES" sz="1800" dirty="0">
+              <a:solidFill>
+                <a:schemeClr val="tx1"/>
+              </a:solidFill>
+              <a:latin typeface="Arial" panose="020B0604020202020204" pitchFamily="34" charset="0"/>
+              <a:cs typeface="Arial" panose="020B0604020202020204" pitchFamily="34" charset="0"/>
+            </a:endParaRPr>
           </a:p>
           <a:p>
             <a:pPr indent="0" algn="just">
@@ -17962,10 +17663,10 @@
       </p:sp>
       <p:pic>
         <p:nvPicPr>
-          <p:cNvPr id="5" name="Imagen 4">
+          <p:cNvPr id="3" name="Imagen 2">
             <a:extLst>
               <a:ext uri="{FF2B5EF4-FFF2-40B4-BE49-F238E27FC236}">
-                <a16:creationId xmlns:a16="http://schemas.microsoft.com/office/drawing/2014/main" id="{41EAA70E-08BE-E893-1C8E-D25F6383234C}"/>
+                <a16:creationId xmlns:a16="http://schemas.microsoft.com/office/drawing/2014/main" id="{A0811DE5-DB42-F94B-A9EE-F6B7057E5A9C}"/>
               </a:ext>
             </a:extLst>
           </p:cNvPr>
@@ -17975,25 +17676,78 @@
           <p:nvPr/>
         </p:nvPicPr>
         <p:blipFill>
-          <a:blip r:embed="rId3"/>
+          <a:blip r:embed="rId3">
+            <a:extLst>
+              <a:ext uri="{28A0092B-C50C-407E-A947-70E740481C1C}">
+                <a14:useLocalDpi xmlns:a14="http://schemas.microsoft.com/office/drawing/2010/main" val="0"/>
+              </a:ext>
+            </a:extLst>
+          </a:blip>
+          <a:srcRect/>
           <a:stretch>
             <a:fillRect/>
           </a:stretch>
         </p:blipFill>
-        <p:spPr>
+        <p:spPr bwMode="auto">
           <a:xfrm>
-            <a:off x="2586037" y="3789040"/>
-            <a:ext cx="3971925" cy="1019175"/>
+            <a:off x="1028700" y="4869160"/>
+            <a:ext cx="6711652" cy="982832"/>
           </a:xfrm>
           <a:prstGeom prst="rect">
             <a:avLst/>
           </a:prstGeom>
+          <a:noFill/>
+          <a:ln>
+            <a:noFill/>
+          </a:ln>
         </p:spPr>
       </p:pic>
+      <p:sp>
+        <p:nvSpPr>
+          <p:cNvPr id="7" name="CuadroTexto 6">
+            <a:extLst>
+              <a:ext uri="{FF2B5EF4-FFF2-40B4-BE49-F238E27FC236}">
+                <a16:creationId xmlns:a16="http://schemas.microsoft.com/office/drawing/2014/main" id="{B0CBB0A7-10BD-D26D-6721-6A689FE1016B}"/>
+              </a:ext>
+            </a:extLst>
+          </p:cNvPr>
+          <p:cNvSpPr txBox="1"/>
+          <p:nvPr/>
+        </p:nvSpPr>
+        <p:spPr>
+          <a:xfrm>
+            <a:off x="4355976" y="3861048"/>
+            <a:ext cx="4176464" cy="923330"/>
+          </a:xfrm>
+          <a:prstGeom prst="rect">
+            <a:avLst/>
+          </a:prstGeom>
+          <a:noFill/>
+        </p:spPr>
+        <p:txBody>
+          <a:bodyPr wrap="square">
+            <a:spAutoFit/>
+          </a:bodyPr>
+          <a:lstStyle/>
+          <a:p>
+            <a:pPr algn="just"/>
+            <a:r>
+              <a:rPr lang="es-MX" sz="1800" dirty="0">
+                <a:effectLst/>
+                <a:latin typeface="Calibri" panose="020F0502020204030204" pitchFamily="34" charset="0"/>
+                <a:ea typeface="Calibri" panose="020F0502020204030204" pitchFamily="34" charset="0"/>
+                <a:cs typeface="Arial" panose="020B0604020202020204" pitchFamily="34" charset="0"/>
+              </a:rPr>
+              <a:t>En ese caso, si un paquete es un paquete HTTP o un paquete HTTPS, coincidiría con este mapa de clase.</a:t>
+            </a:r>
+            <a:endParaRPr lang="es-MX" dirty="0"/>
+          </a:p>
+        </p:txBody>
+      </p:sp>
     </p:spTree>
     <p:extLst>
       <p:ext uri="{BB962C8B-B14F-4D97-AF65-F5344CB8AC3E}">
-        <p14:creationId xmlns:p14="http://schemas.microsoft.com/office/powerpoint/2010/main" val="2839650829"/>
+        <p14:creationId xmlns:p14="http://schemas.microsoft.com/office/powerpoint/2010/main" val="1234313917"/>
       </p:ext>
     </p:extLst>
   </p:cSld>
@@ -18044,604 +17798,6 @@
         </p:nvSpPr>
         <p:spPr>
           <a:xfrm>
-            <a:off x="611560" y="1334840"/>
-            <a:ext cx="7992888" cy="3330370"/>
-          </a:xfrm>
-        </p:spPr>
-        <p:txBody>
-          <a:bodyPr/>
-          <a:lstStyle/>
-          <a:p>
-            <a:pPr indent="0" algn="just">
-              <a:lnSpc>
-                <a:spcPct val="150000"/>
-              </a:lnSpc>
-              <a:spcBef>
-                <a:spcPts val="1200"/>
-              </a:spcBef>
-              <a:spcAft>
-                <a:spcPts val="1200"/>
-              </a:spcAft>
-            </a:pPr>
-            <a:r>
-              <a:rPr lang="es-ES" b="1" dirty="0">
-                <a:solidFill>
-                  <a:schemeClr val="accent6">
-                    <a:lumMod val="75000"/>
-                  </a:schemeClr>
-                </a:solidFill>
-                <a:latin typeface="Arial" panose="020B0604020202020204" pitchFamily="34" charset="0"/>
-                <a:cs typeface="Arial" panose="020B0604020202020204" pitchFamily="34" charset="0"/>
-              </a:rPr>
-              <a:t>mach-any</a:t>
-            </a:r>
-          </a:p>
-          <a:p>
-            <a:pPr indent="0" algn="just">
-              <a:lnSpc>
-                <a:spcPts val="3000"/>
-              </a:lnSpc>
-              <a:spcBef>
-                <a:spcPts val="1200"/>
-              </a:spcBef>
-              <a:spcAft>
-                <a:spcPts val="1200"/>
-              </a:spcAft>
-            </a:pPr>
-            <a:r>
-              <a:rPr lang="es-ES" sz="1800" dirty="0">
-                <a:solidFill>
-                  <a:schemeClr val="tx1"/>
-                </a:solidFill>
-                <a:latin typeface="Arial" panose="020B0604020202020204" pitchFamily="34" charset="0"/>
-                <a:cs typeface="Arial" panose="020B0604020202020204" pitchFamily="34" charset="0"/>
-              </a:rPr>
-              <a:t>Esto significa que, para que coincida con este mapa de clase, </a:t>
-            </a:r>
-            <a:r>
-              <a:rPr lang="es-ES" sz="1800" b="1" dirty="0">
-                <a:solidFill>
-                  <a:srgbClr val="00B0F0"/>
-                </a:solidFill>
-                <a:latin typeface="Arial" panose="020B0604020202020204" pitchFamily="34" charset="0"/>
-                <a:cs typeface="Arial" panose="020B0604020202020204" pitchFamily="34" charset="0"/>
-              </a:rPr>
-              <a:t>el tráfico debe coincidir con </a:t>
-            </a:r>
-            <a:r>
-              <a:rPr lang="es-ES" sz="1800" b="1" u="sng" dirty="0">
-                <a:solidFill>
-                  <a:srgbClr val="00B0F0"/>
-                </a:solidFill>
-                <a:latin typeface="Arial" panose="020B0604020202020204" pitchFamily="34" charset="0"/>
-                <a:cs typeface="Arial" panose="020B0604020202020204" pitchFamily="34" charset="0"/>
-              </a:rPr>
-              <a:t>al menos una</a:t>
-            </a:r>
-            <a:r>
-              <a:rPr lang="es-ES" sz="1800" b="1" dirty="0">
-                <a:solidFill>
-                  <a:srgbClr val="00B0F0"/>
-                </a:solidFill>
-                <a:latin typeface="Arial" panose="020B0604020202020204" pitchFamily="34" charset="0"/>
-                <a:cs typeface="Arial" panose="020B0604020202020204" pitchFamily="34" charset="0"/>
-              </a:rPr>
-              <a:t> de las declaraciones de coincidencia</a:t>
-            </a:r>
-            <a:r>
-              <a:rPr lang="es-ES" sz="1800" dirty="0">
-                <a:solidFill>
-                  <a:srgbClr val="00B0F0"/>
-                </a:solidFill>
-                <a:latin typeface="Arial" panose="020B0604020202020204" pitchFamily="34" charset="0"/>
-                <a:cs typeface="Arial" panose="020B0604020202020204" pitchFamily="34" charset="0"/>
-              </a:rPr>
-              <a:t> </a:t>
-            </a:r>
-            <a:r>
-              <a:rPr lang="es-ES" sz="1800" dirty="0">
-                <a:solidFill>
-                  <a:schemeClr val="tx1"/>
-                </a:solidFill>
-                <a:latin typeface="Arial" panose="020B0604020202020204" pitchFamily="34" charset="0"/>
-                <a:cs typeface="Arial" panose="020B0604020202020204" pitchFamily="34" charset="0"/>
-              </a:rPr>
-              <a:t>en ese mapa de clase. </a:t>
-            </a:r>
-          </a:p>
-          <a:p>
-            <a:pPr indent="0" algn="just">
-              <a:lnSpc>
-                <a:spcPts val="3000"/>
-              </a:lnSpc>
-              <a:spcBef>
-                <a:spcPts val="0"/>
-              </a:spcBef>
-            </a:pPr>
-            <a:r>
-              <a:rPr lang="es-ES" b="1" dirty="0" err="1">
-                <a:solidFill>
-                  <a:schemeClr val="tx1"/>
-                </a:solidFill>
-                <a:latin typeface="Arial" panose="020B0604020202020204" pitchFamily="34" charset="0"/>
-                <a:cs typeface="Arial" panose="020B0604020202020204" pitchFamily="34" charset="0"/>
-              </a:rPr>
-              <a:t>class-map</a:t>
-            </a:r>
-            <a:r>
-              <a:rPr lang="es-ES" b="1" dirty="0">
-                <a:solidFill>
-                  <a:schemeClr val="tx1"/>
-                </a:solidFill>
-                <a:latin typeface="Arial" panose="020B0604020202020204" pitchFamily="34" charset="0"/>
-                <a:cs typeface="Arial" panose="020B0604020202020204" pitchFamily="34" charset="0"/>
-              </a:rPr>
-              <a:t> </a:t>
-            </a:r>
-            <a:r>
-              <a:rPr lang="es-ES" b="1" dirty="0">
-                <a:solidFill>
-                  <a:srgbClr val="FF0000"/>
-                </a:solidFill>
-                <a:latin typeface="Arial" panose="020B0604020202020204" pitchFamily="34" charset="0"/>
-                <a:cs typeface="Arial" panose="020B0604020202020204" pitchFamily="34" charset="0"/>
-              </a:rPr>
-              <a:t>mach-any</a:t>
-            </a:r>
-            <a:r>
-              <a:rPr lang="es-ES" b="1" dirty="0">
-                <a:solidFill>
-                  <a:srgbClr val="00B0F0"/>
-                </a:solidFill>
-                <a:latin typeface="Arial" panose="020B0604020202020204" pitchFamily="34" charset="0"/>
-                <a:cs typeface="Arial" panose="020B0604020202020204" pitchFamily="34" charset="0"/>
-              </a:rPr>
-              <a:t> </a:t>
-            </a:r>
-            <a:r>
-              <a:rPr lang="es-ES" b="1" dirty="0">
-                <a:solidFill>
-                  <a:schemeClr val="tx1"/>
-                </a:solidFill>
-                <a:latin typeface="Arial" panose="020B0604020202020204" pitchFamily="34" charset="0"/>
-                <a:cs typeface="Arial" panose="020B0604020202020204" pitchFamily="34" charset="0"/>
-              </a:rPr>
-              <a:t>HTTP_HTTPS_MAP</a:t>
-            </a:r>
-          </a:p>
-          <a:p>
-            <a:pPr indent="0" algn="just">
-              <a:lnSpc>
-                <a:spcPts val="3000"/>
-              </a:lnSpc>
-              <a:spcBef>
-                <a:spcPts val="0"/>
-              </a:spcBef>
-            </a:pPr>
-            <a:r>
-              <a:rPr lang="es-ES" b="1" dirty="0">
-                <a:solidFill>
-                  <a:schemeClr val="tx1"/>
-                </a:solidFill>
-                <a:latin typeface="Arial" panose="020B0604020202020204" pitchFamily="34" charset="0"/>
-                <a:cs typeface="Arial" panose="020B0604020202020204" pitchFamily="34" charset="0"/>
-              </a:rPr>
-              <a:t>  match </a:t>
-            </a:r>
-            <a:r>
-              <a:rPr lang="es-ES" b="1" dirty="0" err="1">
-                <a:solidFill>
-                  <a:schemeClr val="tx1"/>
-                </a:solidFill>
-                <a:latin typeface="Arial" panose="020B0604020202020204" pitchFamily="34" charset="0"/>
-                <a:cs typeface="Arial" panose="020B0604020202020204" pitchFamily="34" charset="0"/>
-              </a:rPr>
-              <a:t>protocol</a:t>
-            </a:r>
-            <a:r>
-              <a:rPr lang="es-ES" b="1" dirty="0">
-                <a:solidFill>
-                  <a:schemeClr val="tx1"/>
-                </a:solidFill>
-                <a:latin typeface="Arial" panose="020B0604020202020204" pitchFamily="34" charset="0"/>
-                <a:cs typeface="Arial" panose="020B0604020202020204" pitchFamily="34" charset="0"/>
-              </a:rPr>
-              <a:t> http </a:t>
-            </a:r>
-          </a:p>
-          <a:p>
-            <a:pPr indent="0" algn="just">
-              <a:lnSpc>
-                <a:spcPts val="3000"/>
-              </a:lnSpc>
-              <a:spcBef>
-                <a:spcPts val="0"/>
-              </a:spcBef>
-            </a:pPr>
-            <a:r>
-              <a:rPr lang="es-ES" b="1" dirty="0">
-                <a:solidFill>
-                  <a:schemeClr val="tx1"/>
-                </a:solidFill>
-                <a:latin typeface="Arial" panose="020B0604020202020204" pitchFamily="34" charset="0"/>
-                <a:cs typeface="Arial" panose="020B0604020202020204" pitchFamily="34" charset="0"/>
-              </a:rPr>
-              <a:t>  match </a:t>
-            </a:r>
-            <a:r>
-              <a:rPr lang="es-ES" b="1" dirty="0" err="1">
-                <a:solidFill>
-                  <a:schemeClr val="tx1"/>
-                </a:solidFill>
-                <a:latin typeface="Arial" panose="020B0604020202020204" pitchFamily="34" charset="0"/>
-                <a:cs typeface="Arial" panose="020B0604020202020204" pitchFamily="34" charset="0"/>
-              </a:rPr>
-              <a:t>protocol</a:t>
-            </a:r>
-            <a:r>
-              <a:rPr lang="es-ES" b="1" dirty="0">
-                <a:solidFill>
-                  <a:schemeClr val="tx1"/>
-                </a:solidFill>
-                <a:latin typeface="Arial" panose="020B0604020202020204" pitchFamily="34" charset="0"/>
-                <a:cs typeface="Arial" panose="020B0604020202020204" pitchFamily="34" charset="0"/>
-              </a:rPr>
-              <a:t> https</a:t>
-            </a:r>
-          </a:p>
-          <a:p>
-            <a:pPr indent="0" algn="just">
-              <a:lnSpc>
-                <a:spcPts val="3000"/>
-              </a:lnSpc>
-              <a:spcBef>
-                <a:spcPts val="1200"/>
-              </a:spcBef>
-              <a:spcAft>
-                <a:spcPts val="1200"/>
-              </a:spcAft>
-            </a:pPr>
-            <a:endParaRPr lang="es-ES" sz="1800" dirty="0">
-              <a:solidFill>
-                <a:schemeClr val="tx1"/>
-              </a:solidFill>
-              <a:latin typeface="Arial" panose="020B0604020202020204" pitchFamily="34" charset="0"/>
-              <a:cs typeface="Arial" panose="020B0604020202020204" pitchFamily="34" charset="0"/>
-            </a:endParaRPr>
-          </a:p>
-          <a:p>
-            <a:pPr indent="0" algn="just">
-              <a:lnSpc>
-                <a:spcPct val="150000"/>
-              </a:lnSpc>
-              <a:spcBef>
-                <a:spcPts val="1200"/>
-              </a:spcBef>
-              <a:spcAft>
-                <a:spcPts val="1200"/>
-              </a:spcAft>
-            </a:pPr>
-            <a:endParaRPr lang="es-ES" dirty="0">
-              <a:solidFill>
-                <a:schemeClr val="tx1"/>
-              </a:solidFill>
-              <a:latin typeface="Arial" panose="020B0604020202020204" pitchFamily="34" charset="0"/>
-              <a:cs typeface="Arial" panose="020B0604020202020204" pitchFamily="34" charset="0"/>
-            </a:endParaRPr>
-          </a:p>
-          <a:p>
-            <a:pPr marL="628590" indent="-342900" algn="just">
-              <a:lnSpc>
-                <a:spcPct val="150000"/>
-              </a:lnSpc>
-              <a:spcBef>
-                <a:spcPts val="0"/>
-              </a:spcBef>
-              <a:buFont typeface="+mj-lt"/>
-              <a:buAutoNum type="arabicPeriod"/>
-            </a:pPr>
-            <a:endParaRPr lang="es-ES" sz="1800" dirty="0">
-              <a:solidFill>
-                <a:schemeClr val="tx1"/>
-              </a:solidFill>
-              <a:latin typeface="Arial" panose="020B0604020202020204" pitchFamily="34" charset="0"/>
-              <a:cs typeface="Arial" panose="020B0604020202020204" pitchFamily="34" charset="0"/>
-            </a:endParaRPr>
-          </a:p>
-        </p:txBody>
-      </p:sp>
-      <p:sp>
-        <p:nvSpPr>
-          <p:cNvPr id="4" name="Rectangle 5">
-            <a:extLst>
-              <a:ext uri="{FF2B5EF4-FFF2-40B4-BE49-F238E27FC236}">
-                <a16:creationId xmlns:a16="http://schemas.microsoft.com/office/drawing/2014/main" id="{BD2FAA3E-64BB-4FFB-46CC-02579F1E62D9}"/>
-              </a:ext>
-            </a:extLst>
-          </p:cNvPr>
-          <p:cNvSpPr txBox="1">
-            <a:spLocks noChangeArrowheads="1"/>
-          </p:cNvSpPr>
-          <p:nvPr/>
-        </p:nvSpPr>
-        <p:spPr bwMode="auto">
-          <a:xfrm>
-            <a:off x="1028700" y="188640"/>
-            <a:ext cx="7086600" cy="1143000"/>
-          </a:xfrm>
-          <a:prstGeom prst="rect">
-            <a:avLst/>
-          </a:prstGeom>
-          <a:noFill/>
-          <a:ln>
-            <a:noFill/>
-          </a:ln>
-          <a:extLst>
-            <a:ext uri="{909E8E84-426E-40DD-AFC4-6F175D3DCCD1}">
-              <a14:hiddenFill xmlns:a14="http://schemas.microsoft.com/office/drawing/2010/main">
-                <a:solidFill>
-                  <a:srgbClr val="FFFFFF"/>
-                </a:solidFill>
-              </a14:hiddenFill>
-            </a:ext>
-            <a:ext uri="{91240B29-F687-4F45-9708-019B960494DF}">
-              <a14:hiddenLine xmlns:a14="http://schemas.microsoft.com/office/drawing/2010/main" w="9525">
-                <a:solidFill>
-                  <a:srgbClr val="000000"/>
-                </a:solidFill>
-                <a:miter lim="800000"/>
-                <a:headEnd/>
-                <a:tailEnd/>
-              </a14:hiddenLine>
-            </a:ext>
-          </a:extLst>
-        </p:spPr>
-        <p:txBody>
-          <a:bodyPr vert="horz" lIns="91440" tIns="45720" rIns="91440" bIns="45720" rtlCol="0" anchor="ctr">
-            <a:normAutofit/>
-          </a:bodyPr>
-          <a:lstStyle>
-            <a:lvl1pPr algn="ctr" defTabSz="914400" rtl="0" eaLnBrk="1" latinLnBrk="0" hangingPunct="1">
-              <a:spcBef>
-                <a:spcPct val="0"/>
-              </a:spcBef>
-              <a:buNone/>
-              <a:defRPr sz="4400" kern="1200">
-                <a:solidFill>
-                  <a:srgbClr val="004C69"/>
-                </a:solidFill>
-                <a:latin typeface="+mj-lt"/>
-                <a:ea typeface="+mj-ea"/>
-                <a:cs typeface="+mj-cs"/>
-              </a:defRPr>
-            </a:lvl1pPr>
-          </a:lstStyle>
-          <a:p>
-            <a:pPr>
-              <a:spcBef>
-                <a:spcPts val="0"/>
-              </a:spcBef>
-            </a:pPr>
-            <a:r>
-              <a:rPr lang="es-ES_tradnl" altLang="es-MX" sz="3200" b="1" dirty="0">
-                <a:solidFill>
-                  <a:schemeClr val="accent4">
-                    <a:lumMod val="50000"/>
-                  </a:schemeClr>
-                </a:solidFill>
-                <a:effectLst>
-                  <a:outerShdw blurRad="38100" dist="38100" dir="2700000" algn="tl">
-                    <a:srgbClr val="C0C0C0"/>
-                  </a:outerShdw>
-                </a:effectLst>
-                <a:latin typeface="Dom Casual" charset="0"/>
-              </a:rPr>
-              <a:t>Principales pasos para configurar </a:t>
-            </a:r>
-            <a:r>
-              <a:rPr lang="es-ES_tradnl" altLang="es-MX" sz="3200" b="1" dirty="0" err="1">
-                <a:solidFill>
-                  <a:schemeClr val="accent4">
-                    <a:lumMod val="50000"/>
-                  </a:schemeClr>
-                </a:solidFill>
-                <a:effectLst>
-                  <a:outerShdw blurRad="38100" dist="38100" dir="2700000" algn="tl">
-                    <a:srgbClr val="C0C0C0"/>
-                  </a:outerShdw>
-                </a:effectLst>
-                <a:latin typeface="Dom Casual" charset="0"/>
-              </a:rPr>
-              <a:t>QoS</a:t>
-            </a:r>
-            <a:endParaRPr lang="es-ES_tradnl" altLang="es-MX" sz="2000" b="1" dirty="0">
-              <a:solidFill>
-                <a:schemeClr val="accent3">
-                  <a:lumMod val="75000"/>
-                </a:schemeClr>
-              </a:solidFill>
-              <a:latin typeface="Dom Casual" charset="0"/>
-            </a:endParaRPr>
-          </a:p>
-          <a:p>
-            <a:pPr>
-              <a:spcBef>
-                <a:spcPts val="0"/>
-              </a:spcBef>
-            </a:pPr>
-            <a:r>
-              <a:rPr lang="es-ES_tradnl" altLang="es-MX" sz="2000" b="1" dirty="0">
-                <a:solidFill>
-                  <a:schemeClr val="accent3">
-                    <a:lumMod val="75000"/>
-                  </a:schemeClr>
-                </a:solidFill>
-                <a:latin typeface="Dom Casual" charset="0"/>
-              </a:rPr>
-              <a:t>Diferencia entre match-</a:t>
-            </a:r>
-            <a:r>
-              <a:rPr lang="es-ES_tradnl" altLang="es-MX" sz="2000" b="1" dirty="0" err="1">
-                <a:solidFill>
-                  <a:schemeClr val="accent3">
-                    <a:lumMod val="75000"/>
-                  </a:schemeClr>
-                </a:solidFill>
-                <a:latin typeface="Dom Casual" charset="0"/>
-              </a:rPr>
-              <a:t>all</a:t>
-            </a:r>
-            <a:r>
-              <a:rPr lang="es-ES_tradnl" altLang="es-MX" sz="2000" b="1" dirty="0">
-                <a:solidFill>
-                  <a:schemeClr val="accent3">
-                    <a:lumMod val="75000"/>
-                  </a:schemeClr>
-                </a:solidFill>
-                <a:latin typeface="Dom Casual" charset="0"/>
-              </a:rPr>
-              <a:t> y match-any</a:t>
-            </a:r>
-          </a:p>
-        </p:txBody>
-      </p:sp>
-      <p:pic>
-        <p:nvPicPr>
-          <p:cNvPr id="3" name="Imagen 2">
-            <a:extLst>
-              <a:ext uri="{FF2B5EF4-FFF2-40B4-BE49-F238E27FC236}">
-                <a16:creationId xmlns:a16="http://schemas.microsoft.com/office/drawing/2014/main" id="{A0811DE5-DB42-F94B-A9EE-F6B7057E5A9C}"/>
-              </a:ext>
-            </a:extLst>
-          </p:cNvPr>
-          <p:cNvPicPr>
-            <a:picLocks noChangeAspect="1"/>
-          </p:cNvPicPr>
-          <p:nvPr/>
-        </p:nvPicPr>
-        <p:blipFill>
-          <a:blip r:embed="rId3">
-            <a:extLst>
-              <a:ext uri="{28A0092B-C50C-407E-A947-70E740481C1C}">
-                <a14:useLocalDpi xmlns:a14="http://schemas.microsoft.com/office/drawing/2010/main" val="0"/>
-              </a:ext>
-            </a:extLst>
-          </a:blip>
-          <a:srcRect/>
-          <a:stretch>
-            <a:fillRect/>
-          </a:stretch>
-        </p:blipFill>
-        <p:spPr bwMode="auto">
-          <a:xfrm>
-            <a:off x="1252178" y="5229200"/>
-            <a:ext cx="6711652" cy="982832"/>
-          </a:xfrm>
-          <a:prstGeom prst="rect">
-            <a:avLst/>
-          </a:prstGeom>
-          <a:noFill/>
-          <a:ln>
-            <a:noFill/>
-          </a:ln>
-        </p:spPr>
-      </p:pic>
-      <p:sp>
-        <p:nvSpPr>
-          <p:cNvPr id="7" name="CuadroTexto 6">
-            <a:extLst>
-              <a:ext uri="{FF2B5EF4-FFF2-40B4-BE49-F238E27FC236}">
-                <a16:creationId xmlns:a16="http://schemas.microsoft.com/office/drawing/2014/main" id="{B0CBB0A7-10BD-D26D-6721-6A689FE1016B}"/>
-              </a:ext>
-            </a:extLst>
-          </p:cNvPr>
-          <p:cNvSpPr txBox="1"/>
-          <p:nvPr/>
-        </p:nvSpPr>
-        <p:spPr>
-          <a:xfrm>
-            <a:off x="4681254" y="3933056"/>
-            <a:ext cx="3835514" cy="923330"/>
-          </a:xfrm>
-          <a:prstGeom prst="rect">
-            <a:avLst/>
-          </a:prstGeom>
-          <a:noFill/>
-        </p:spPr>
-        <p:txBody>
-          <a:bodyPr wrap="square">
-            <a:spAutoFit/>
-          </a:bodyPr>
-          <a:lstStyle/>
-          <a:p>
-            <a:pPr algn="just"/>
-            <a:r>
-              <a:rPr lang="es-MX" sz="1800" dirty="0">
-                <a:effectLst/>
-                <a:latin typeface="Calibri" panose="020F0502020204030204" pitchFamily="34" charset="0"/>
-                <a:ea typeface="Calibri" panose="020F0502020204030204" pitchFamily="34" charset="0"/>
-                <a:cs typeface="Arial" panose="020B0604020202020204" pitchFamily="34" charset="0"/>
-              </a:rPr>
-              <a:t>En ese caso, si un paquete es un paquete HTTP o un paquete HTTPS, coincidiría con este mapa de clase.</a:t>
-            </a:r>
-            <a:endParaRPr lang="es-MX" dirty="0"/>
-          </a:p>
-        </p:txBody>
-      </p:sp>
-    </p:spTree>
-    <p:extLst>
-      <p:ext uri="{BB962C8B-B14F-4D97-AF65-F5344CB8AC3E}">
-        <p14:creationId xmlns:p14="http://schemas.microsoft.com/office/powerpoint/2010/main" val="1234313917"/>
-      </p:ext>
-    </p:extLst>
-  </p:cSld>
-  <p:clrMapOvr>
-    <a:masterClrMapping/>
-  </p:clrMapOvr>
-  <mc:AlternateContent xmlns:mc="http://schemas.openxmlformats.org/markup-compatibility/2006" xmlns:p14="http://schemas.microsoft.com/office/powerpoint/2010/main">
-    <mc:Choice Requires="p14">
-      <p:transition spd="med" p14:dur="700">
-        <p:fade/>
-      </p:transition>
-    </mc:Choice>
-    <mc:Fallback xmlns="">
-      <p:transition xmlns:p14="http://schemas.microsoft.com/office/powerpoint/2010/main" spd="med">
-        <p:fade/>
-      </p:transition>
-    </mc:Fallback>
-  </mc:AlternateContent>
-</p:sld>
-</file>
-
-<file path=ppt/slides/slide32.xml><?xml version="1.0" encoding="utf-8"?>
-<p:sld xmlns:a="http://schemas.openxmlformats.org/drawingml/2006/main" xmlns:r="http://schemas.openxmlformats.org/officeDocument/2006/relationships" xmlns:p="http://schemas.openxmlformats.org/presentationml/2006/main">
-  <p:cSld>
-    <p:spTree>
-      <p:nvGrpSpPr>
-        <p:cNvPr id="1" name=""/>
-        <p:cNvGrpSpPr/>
-        <p:nvPr/>
-      </p:nvGrpSpPr>
-      <p:grpSpPr>
-        <a:xfrm>
-          <a:off x="0" y="0"/>
-          <a:ext cx="0" cy="0"/>
-          <a:chOff x="0" y="0"/>
-          <a:chExt cx="0" cy="0"/>
-        </a:xfrm>
-      </p:grpSpPr>
-      <p:sp>
-        <p:nvSpPr>
-          <p:cNvPr id="2" name="Content Placeholder 1"/>
-          <p:cNvSpPr>
-            <a:spLocks noGrp="1"/>
-          </p:cNvSpPr>
-          <p:nvPr>
-            <p:ph idx="1"/>
-          </p:nvPr>
-        </p:nvSpPr>
-        <p:spPr>
-          <a:xfrm>
             <a:off x="179512" y="1484784"/>
             <a:ext cx="8604448" cy="4968552"/>
           </a:xfrm>
@@ -19265,7 +18421,7 @@
 </p:sld>
 </file>
 
-<file path=ppt/slides/slide33.xml><?xml version="1.0" encoding="utf-8"?>
+<file path=ppt/slides/slide32.xml><?xml version="1.0" encoding="utf-8"?>
 <p:sld xmlns:a="http://schemas.openxmlformats.org/drawingml/2006/main" xmlns:r="http://schemas.openxmlformats.org/officeDocument/2006/relationships" xmlns:p="http://schemas.openxmlformats.org/presentationml/2006/main">
   <p:cSld>
     <p:spTree>
@@ -19785,7 +18941,7 @@
 </p:sld>
 </file>
 
-<file path=ppt/slides/slide34.xml><?xml version="1.0" encoding="utf-8"?>
+<file path=ppt/slides/slide33.xml><?xml version="1.0" encoding="utf-8"?>
 <p:sld xmlns:a="http://schemas.openxmlformats.org/drawingml/2006/main" xmlns:r="http://schemas.openxmlformats.org/officeDocument/2006/relationships" xmlns:p="http://schemas.openxmlformats.org/presentationml/2006/main">
   <p:cSld>
     <p:spTree>
@@ -20221,7 +19377,7 @@
 </p:sld>
 </file>
 
-<file path=ppt/slides/slide35.xml><?xml version="1.0" encoding="utf-8"?>
+<file path=ppt/slides/slide34.xml><?xml version="1.0" encoding="utf-8"?>
 <p:sld xmlns:a="http://schemas.openxmlformats.org/drawingml/2006/main" xmlns:r="http://schemas.openxmlformats.org/officeDocument/2006/relationships" xmlns:p="http://schemas.openxmlformats.org/presentationml/2006/main">
   <p:cSld>
     <p:spTree>
@@ -20677,7 +19833,7 @@
 </p:sld>
 </file>
 
-<file path=ppt/slides/slide36.xml><?xml version="1.0" encoding="utf-8"?>
+<file path=ppt/slides/slide35.xml><?xml version="1.0" encoding="utf-8"?>
 <p:sld xmlns:a="http://schemas.openxmlformats.org/drawingml/2006/main" xmlns:r="http://schemas.openxmlformats.org/officeDocument/2006/relationships" xmlns:p="http://schemas.openxmlformats.org/presentationml/2006/main">
   <p:cSld>
     <p:spTree>
@@ -21133,7 +20289,7 @@
 </p:sld>
 </file>
 
-<file path=ppt/slides/slide37.xml><?xml version="1.0" encoding="utf-8"?>
+<file path=ppt/slides/slide36.xml><?xml version="1.0" encoding="utf-8"?>
 <p:sld xmlns:a="http://schemas.openxmlformats.org/drawingml/2006/main" xmlns:r="http://schemas.openxmlformats.org/officeDocument/2006/relationships" xmlns:p="http://schemas.openxmlformats.org/presentationml/2006/main">
   <p:cSld>
     <p:spTree>
@@ -21188,7 +20344,7 @@
                 <a:latin typeface="Arial" panose="020B0604020202020204" pitchFamily="34" charset="0"/>
                 <a:cs typeface="Arial" panose="020B0604020202020204" pitchFamily="34" charset="0"/>
               </a:rPr>
-              <a:t>3. Aplique el mapa de políticas usando una política de servicios.</a:t>
+              <a:t>3. Aplique el mapa de políticas usando una política de servicios</a:t>
             </a:r>
             <a:endParaRPr lang="es-ES" sz="1800" dirty="0">
               <a:solidFill>
@@ -22291,8 +21447,8 @@
         </p:nvSpPr>
         <p:spPr>
           <a:xfrm>
-            <a:off x="199108" y="1700808"/>
-            <a:ext cx="8549354" cy="2664297"/>
+            <a:off x="179512" y="1143000"/>
+            <a:ext cx="8496944" cy="2385391"/>
           </a:xfrm>
         </p:spPr>
         <p:txBody>
@@ -22355,47 +21511,7 @@
                 <a:latin typeface="Arial" panose="020B0604020202020204" pitchFamily="34" charset="0"/>
                 <a:cs typeface="Arial" panose="020B0604020202020204" pitchFamily="34" charset="0"/>
               </a:rPr>
-              <a:t>El </a:t>
-            </a:r>
-            <a:r>
-              <a:rPr lang="es-ES" sz="1800" b="1" dirty="0">
-                <a:solidFill>
-                  <a:schemeClr val="tx1"/>
-                </a:solidFill>
-                <a:latin typeface="Arial" panose="020B0604020202020204" pitchFamily="34" charset="0"/>
-                <a:cs typeface="Arial" panose="020B0604020202020204" pitchFamily="34" charset="0"/>
-              </a:rPr>
-              <a:t>tráfico de voz </a:t>
-            </a:r>
-            <a:r>
-              <a:rPr lang="es-ES" sz="1800" dirty="0">
-                <a:solidFill>
-                  <a:schemeClr val="tx1"/>
-                </a:solidFill>
-                <a:latin typeface="Arial" panose="020B0604020202020204" pitchFamily="34" charset="0"/>
-                <a:cs typeface="Arial" panose="020B0604020202020204" pitchFamily="34" charset="0"/>
-              </a:rPr>
-              <a:t>y el </a:t>
-            </a:r>
-            <a:r>
-              <a:rPr lang="es-ES" sz="1800" b="1" dirty="0">
-                <a:solidFill>
-                  <a:schemeClr val="tx1"/>
-                </a:solidFill>
-                <a:latin typeface="Arial" panose="020B0604020202020204" pitchFamily="34" charset="0"/>
-                <a:cs typeface="Arial" panose="020B0604020202020204" pitchFamily="34" charset="0"/>
-              </a:rPr>
-              <a:t>tráfico de datos </a:t>
-            </a:r>
-            <a:r>
-              <a:rPr lang="es-ES" sz="1800" dirty="0">
-                <a:solidFill>
-                  <a:schemeClr val="tx1"/>
-                </a:solidFill>
-                <a:latin typeface="Arial" panose="020B0604020202020204" pitchFamily="34" charset="0"/>
-                <a:cs typeface="Arial" panose="020B0604020202020204" pitchFamily="34" charset="0"/>
-              </a:rPr>
-              <a:t>solían utilizar redes separadas enteras.</a:t>
+              <a:t>El tráfico de voz y el tráfico de datos solían utilizar redes separadas enteras.</a:t>
             </a:r>
           </a:p>
           <a:p>
@@ -22439,6 +21555,58 @@
               </a:rPr>
               <a:t>utilizó la PSTN (red telefónica pública conmutada).</a:t>
             </a:r>
+          </a:p>
+          <a:p>
+            <a:pPr marL="571440" algn="just">
+              <a:lnSpc>
+                <a:spcPct val="150000"/>
+              </a:lnSpc>
+              <a:spcBef>
+                <a:spcPts val="0"/>
+              </a:spcBef>
+              <a:buFont typeface="Courier New" panose="02070309020205020404" pitchFamily="49" charset="0"/>
+              <a:buChar char="o"/>
+            </a:pPr>
+            <a:r>
+              <a:rPr lang="es-ES" sz="1800" dirty="0">
+                <a:solidFill>
+                  <a:schemeClr val="tx1"/>
+                </a:solidFill>
+                <a:latin typeface="Arial" panose="020B0604020202020204" pitchFamily="34" charset="0"/>
+                <a:cs typeface="Arial" panose="020B0604020202020204" pitchFamily="34" charset="0"/>
+              </a:rPr>
+              <a:t>El </a:t>
+            </a:r>
+            <a:r>
+              <a:rPr lang="es-ES" sz="1800" b="1" dirty="0">
+                <a:solidFill>
+                  <a:srgbClr val="0070C0"/>
+                </a:solidFill>
+                <a:latin typeface="Arial" panose="020B0604020202020204" pitchFamily="34" charset="0"/>
+                <a:cs typeface="Arial" panose="020B0604020202020204" pitchFamily="34" charset="0"/>
+              </a:rPr>
+              <a:t>tráfico de datos</a:t>
+            </a:r>
+            <a:r>
+              <a:rPr lang="es-ES" sz="1800" dirty="0">
+                <a:solidFill>
+                  <a:srgbClr val="0070C0"/>
+                </a:solidFill>
+                <a:latin typeface="Arial" panose="020B0604020202020204" pitchFamily="34" charset="0"/>
+                <a:cs typeface="Arial" panose="020B0604020202020204" pitchFamily="34" charset="0"/>
+              </a:rPr>
+              <a:t> </a:t>
+            </a:r>
+            <a:r>
+              <a:rPr lang="es-ES" sz="1800" dirty="0">
+                <a:solidFill>
+                  <a:schemeClr val="tx1"/>
+                </a:solidFill>
+                <a:latin typeface="Arial" panose="020B0604020202020204" pitchFamily="34" charset="0"/>
+                <a:cs typeface="Arial" panose="020B0604020202020204" pitchFamily="34" charset="0"/>
+              </a:rPr>
+              <a:t>utilizó redes IP como una WAN empresarial o Internet. </a:t>
+            </a:r>
             <a:endParaRPr lang="en-US" sz="1800" dirty="0">
               <a:solidFill>
                 <a:schemeClr val="tx1"/>
@@ -22465,7 +21633,7 @@
         </p:nvSpPr>
         <p:spPr bwMode="auto">
           <a:xfrm>
-            <a:off x="1028700" y="188640"/>
+            <a:off x="1028700" y="0"/>
             <a:ext cx="7086600" cy="1143000"/>
           </a:xfrm>
           <a:prstGeom prst="rect">
@@ -22672,10 +21840,10 @@
       </p:sp>
       <p:pic>
         <p:nvPicPr>
-          <p:cNvPr id="9" name="Imagen 8">
+          <p:cNvPr id="13" name="Imagen 12">
             <a:extLst>
               <a:ext uri="{FF2B5EF4-FFF2-40B4-BE49-F238E27FC236}">
-                <a16:creationId xmlns:a16="http://schemas.microsoft.com/office/drawing/2014/main" id="{80277A2C-F572-12F6-3273-AA355FE49EE3}"/>
+                <a16:creationId xmlns:a16="http://schemas.microsoft.com/office/drawing/2014/main" id="{2E3E8A9B-A726-CA10-545F-3B4ADD7C57A9}"/>
               </a:ext>
             </a:extLst>
           </p:cNvPr>
@@ -22692,18 +21860,243 @@
         </p:blipFill>
         <p:spPr>
           <a:xfrm>
-            <a:off x="1373397" y="3429000"/>
-            <a:ext cx="6200775" cy="1476375"/>
+            <a:off x="1251505" y="2924944"/>
+            <a:ext cx="6640990" cy="3098389"/>
           </a:xfrm>
           <a:prstGeom prst="rect">
             <a:avLst/>
           </a:prstGeom>
         </p:spPr>
       </p:pic>
+      <p:sp>
+        <p:nvSpPr>
+          <p:cNvPr id="3" name="Content Placeholder 1">
+            <a:extLst>
+              <a:ext uri="{FF2B5EF4-FFF2-40B4-BE49-F238E27FC236}">
+                <a16:creationId xmlns:a16="http://schemas.microsoft.com/office/drawing/2014/main" id="{F5EC0748-617C-8C2D-ABBA-D03EC50CB9D7}"/>
+              </a:ext>
+            </a:extLst>
+          </p:cNvPr>
+          <p:cNvSpPr txBox="1">
+            <a:spLocks/>
+          </p:cNvSpPr>
+          <p:nvPr/>
+        </p:nvSpPr>
+        <p:spPr>
+          <a:xfrm>
+            <a:off x="3203848" y="6017248"/>
+            <a:ext cx="2952328" cy="455376"/>
+          </a:xfrm>
+          <a:prstGeom prst="rect">
+            <a:avLst/>
+          </a:prstGeom>
+          <a:solidFill>
+            <a:schemeClr val="bg1">
+              <a:lumMod val="85000"/>
+            </a:schemeClr>
+          </a:solidFill>
+        </p:spPr>
+        <p:txBody>
+          <a:bodyPr vert="horz" lIns="91420" tIns="45710" rIns="91420" bIns="45710" rtlCol="0">
+            <a:noAutofit/>
+          </a:bodyPr>
+          <a:lstStyle>
+            <a:lvl1pPr marL="285690" marR="0" indent="-285690" algn="ctr" defTabSz="457105" rtl="0" eaLnBrk="1" fontAlgn="auto" latinLnBrk="0" hangingPunct="1">
+              <a:lnSpc>
+                <a:spcPct val="100000"/>
+              </a:lnSpc>
+              <a:spcBef>
+                <a:spcPct val="20000"/>
+              </a:spcBef>
+              <a:spcAft>
+                <a:spcPts val="0"/>
+              </a:spcAft>
+              <a:buClrTx/>
+              <a:buSzTx/>
+              <a:buFont typeface="Arial"/>
+              <a:buNone/>
+              <a:tabLst/>
+              <a:defRPr sz="2000" b="0" i="0" kern="1200" baseline="0">
+                <a:solidFill>
+                  <a:schemeClr val="bg1"/>
+                </a:solidFill>
+                <a:latin typeface="+mn-lt"/>
+                <a:ea typeface="+mn-ea"/>
+                <a:cs typeface="CiscoSans ExtraLight"/>
+              </a:defRPr>
+            </a:lvl1pPr>
+            <a:lvl2pPr marL="742950" indent="-285750" algn="l" defTabSz="914400" rtl="0" eaLnBrk="1" latinLnBrk="0" hangingPunct="1">
+              <a:spcBef>
+                <a:spcPct val="20000"/>
+              </a:spcBef>
+              <a:buFont typeface="Arial" pitchFamily="34" charset="0"/>
+              <a:buChar char="–"/>
+              <a:defRPr sz="2800" kern="1200">
+                <a:solidFill>
+                  <a:schemeClr val="tx1"/>
+                </a:solidFill>
+                <a:latin typeface="+mn-lt"/>
+                <a:ea typeface="+mn-ea"/>
+                <a:cs typeface="+mn-cs"/>
+              </a:defRPr>
+            </a:lvl2pPr>
+            <a:lvl3pPr marL="1143000" indent="-228600" algn="l" defTabSz="914400" rtl="0" eaLnBrk="1" latinLnBrk="0" hangingPunct="1">
+              <a:spcBef>
+                <a:spcPct val="20000"/>
+              </a:spcBef>
+              <a:buFont typeface="Arial" pitchFamily="34" charset="0"/>
+              <a:buChar char="•"/>
+              <a:defRPr sz="2400" kern="1200">
+                <a:solidFill>
+                  <a:schemeClr val="tx1"/>
+                </a:solidFill>
+                <a:latin typeface="+mn-lt"/>
+                <a:ea typeface="+mn-ea"/>
+                <a:cs typeface="+mn-cs"/>
+              </a:defRPr>
+            </a:lvl3pPr>
+            <a:lvl4pPr marL="1600200" indent="-228600" algn="l" defTabSz="914400" rtl="0" eaLnBrk="1" latinLnBrk="0" hangingPunct="1">
+              <a:spcBef>
+                <a:spcPct val="20000"/>
+              </a:spcBef>
+              <a:buFont typeface="Arial" pitchFamily="34" charset="0"/>
+              <a:buChar char="–"/>
+              <a:defRPr sz="2000" kern="1200">
+                <a:solidFill>
+                  <a:schemeClr val="tx1"/>
+                </a:solidFill>
+                <a:latin typeface="+mn-lt"/>
+                <a:ea typeface="+mn-ea"/>
+                <a:cs typeface="+mn-cs"/>
+              </a:defRPr>
+            </a:lvl4pPr>
+            <a:lvl5pPr marL="2057400" indent="-228600" algn="l" defTabSz="914400" rtl="0" eaLnBrk="1" latinLnBrk="0" hangingPunct="1">
+              <a:spcBef>
+                <a:spcPct val="20000"/>
+              </a:spcBef>
+              <a:buFont typeface="Arial" pitchFamily="34" charset="0"/>
+              <a:buChar char="»"/>
+              <a:defRPr sz="2000" kern="1200">
+                <a:solidFill>
+                  <a:schemeClr val="tx1"/>
+                </a:solidFill>
+                <a:latin typeface="+mn-lt"/>
+                <a:ea typeface="+mn-ea"/>
+                <a:cs typeface="+mn-cs"/>
+              </a:defRPr>
+            </a:lvl5pPr>
+            <a:lvl6pPr marL="2514600" indent="-228600" algn="l" defTabSz="914400" rtl="0" eaLnBrk="1" latinLnBrk="0" hangingPunct="1">
+              <a:spcBef>
+                <a:spcPct val="20000"/>
+              </a:spcBef>
+              <a:buFont typeface="Arial" pitchFamily="34" charset="0"/>
+              <a:buChar char="•"/>
+              <a:defRPr sz="2000" kern="1200">
+                <a:solidFill>
+                  <a:schemeClr val="tx1"/>
+                </a:solidFill>
+                <a:latin typeface="+mn-lt"/>
+                <a:ea typeface="+mn-ea"/>
+                <a:cs typeface="+mn-cs"/>
+              </a:defRPr>
+            </a:lvl6pPr>
+            <a:lvl7pPr marL="2971800" indent="-228600" algn="l" defTabSz="914400" rtl="0" eaLnBrk="1" latinLnBrk="0" hangingPunct="1">
+              <a:spcBef>
+                <a:spcPct val="20000"/>
+              </a:spcBef>
+              <a:buFont typeface="Arial" pitchFamily="34" charset="0"/>
+              <a:buChar char="•"/>
+              <a:defRPr sz="2000" kern="1200">
+                <a:solidFill>
+                  <a:schemeClr val="tx1"/>
+                </a:solidFill>
+                <a:latin typeface="+mn-lt"/>
+                <a:ea typeface="+mn-ea"/>
+                <a:cs typeface="+mn-cs"/>
+              </a:defRPr>
+            </a:lvl7pPr>
+            <a:lvl8pPr marL="3429000" indent="-228600" algn="l" defTabSz="914400" rtl="0" eaLnBrk="1" latinLnBrk="0" hangingPunct="1">
+              <a:spcBef>
+                <a:spcPct val="20000"/>
+              </a:spcBef>
+              <a:buFont typeface="Arial" pitchFamily="34" charset="0"/>
+              <a:buChar char="•"/>
+              <a:defRPr sz="2000" kern="1200">
+                <a:solidFill>
+                  <a:schemeClr val="tx1"/>
+                </a:solidFill>
+                <a:latin typeface="+mn-lt"/>
+                <a:ea typeface="+mn-ea"/>
+                <a:cs typeface="+mn-cs"/>
+              </a:defRPr>
+            </a:lvl8pPr>
+            <a:lvl9pPr marL="3886200" indent="-228600" algn="l" defTabSz="914400" rtl="0" eaLnBrk="1" latinLnBrk="0" hangingPunct="1">
+              <a:spcBef>
+                <a:spcPct val="20000"/>
+              </a:spcBef>
+              <a:buFont typeface="Arial" pitchFamily="34" charset="0"/>
+              <a:buChar char="•"/>
+              <a:defRPr sz="2000" kern="1200">
+                <a:solidFill>
+                  <a:schemeClr val="tx1"/>
+                </a:solidFill>
+                <a:latin typeface="+mn-lt"/>
+                <a:ea typeface="+mn-ea"/>
+                <a:cs typeface="+mn-cs"/>
+              </a:defRPr>
+            </a:lvl9pPr>
+          </a:lstStyle>
+          <a:p>
+            <a:pPr indent="0" algn="just">
+              <a:lnSpc>
+                <a:spcPct val="150000"/>
+              </a:lnSpc>
+              <a:spcBef>
+                <a:spcPts val="0"/>
+              </a:spcBef>
+            </a:pPr>
+            <a:r>
+              <a:rPr lang="es-ES" sz="1800" dirty="0">
+                <a:solidFill>
+                  <a:schemeClr val="tx1"/>
+                </a:solidFill>
+                <a:latin typeface="Arial" panose="020B0604020202020204" pitchFamily="34" charset="0"/>
+                <a:cs typeface="Arial" panose="020B0604020202020204" pitchFamily="34" charset="0"/>
+              </a:rPr>
+              <a:t>WAN IP empresarial</a:t>
+            </a:r>
+            <a:endParaRPr lang="es-ES" sz="1800" dirty="0">
+              <a:solidFill>
+                <a:schemeClr val="accent6">
+                  <a:lumMod val="75000"/>
+                </a:schemeClr>
+              </a:solidFill>
+              <a:latin typeface="Arial" panose="020B0604020202020204" pitchFamily="34" charset="0"/>
+              <a:cs typeface="Arial" panose="020B0604020202020204" pitchFamily="34" charset="0"/>
+            </a:endParaRPr>
+          </a:p>
+          <a:p>
+            <a:pPr marL="1028700" lvl="1" algn="just">
+              <a:lnSpc>
+                <a:spcPct val="150000"/>
+              </a:lnSpc>
+              <a:spcBef>
+                <a:spcPts val="0"/>
+              </a:spcBef>
+              <a:buFont typeface="Courier New" panose="02070309020205020404" pitchFamily="49" charset="0"/>
+              <a:buChar char="o"/>
+            </a:pPr>
+            <a:endParaRPr lang="en-US" sz="2600" dirty="0">
+              <a:latin typeface="Arial" panose="020B0604020202020204" pitchFamily="34" charset="0"/>
+              <a:cs typeface="Arial" panose="020B0604020202020204" pitchFamily="34" charset="0"/>
+            </a:endParaRPr>
+          </a:p>
+        </p:txBody>
+      </p:sp>
     </p:spTree>
     <p:extLst>
       <p:ext uri="{BB962C8B-B14F-4D97-AF65-F5344CB8AC3E}">
-        <p14:creationId xmlns:p14="http://schemas.microsoft.com/office/powerpoint/2010/main" val="3182853625"/>
+        <p14:creationId xmlns:p14="http://schemas.microsoft.com/office/powerpoint/2010/main" val="836840058"/>
       </p:ext>
     </p:extLst>
   </p:cSld>
@@ -22754,8 +22147,8 @@
         </p:nvSpPr>
         <p:spPr>
           <a:xfrm>
-            <a:off x="179512" y="1143000"/>
-            <a:ext cx="8496944" cy="2385391"/>
+            <a:off x="179512" y="1196752"/>
+            <a:ext cx="8424936" cy="1421904"/>
           </a:xfrm>
         </p:spPr>
         <p:txBody>
@@ -22771,6 +22164,26 @@
               </a:spcBef>
             </a:pPr>
             <a:r>
+              <a:rPr lang="es-ES" sz="1800" b="1" dirty="0" err="1">
+                <a:solidFill>
+                  <a:schemeClr val="tx1"/>
+                </a:solidFill>
+                <a:latin typeface="Arial" panose="020B0604020202020204" pitchFamily="34" charset="0"/>
+                <a:cs typeface="Arial" panose="020B0604020202020204" pitchFamily="34" charset="0"/>
+              </a:rPr>
+              <a:t>QoS</a:t>
+            </a:r>
+            <a:r>
+              <a:rPr lang="es-ES" sz="1800" b="1" dirty="0">
+                <a:solidFill>
+                  <a:schemeClr val="tx1"/>
+                </a:solidFill>
+                <a:latin typeface="Arial" panose="020B0604020202020204" pitchFamily="34" charset="0"/>
+                <a:cs typeface="Arial" panose="020B0604020202020204" pitchFamily="34" charset="0"/>
+              </a:rPr>
+              <a:t> </a:t>
+            </a:r>
+            <a:r>
               <a:rPr lang="es-ES" sz="1800" dirty="0">
                 <a:solidFill>
                   <a:schemeClr val="tx1"/>
@@ -22778,20 +22191,18 @@
                 <a:latin typeface="Arial" panose="020B0604020202020204" pitchFamily="34" charset="0"/>
                 <a:cs typeface="Arial" panose="020B0604020202020204" pitchFamily="34" charset="0"/>
               </a:rPr>
-              <a:t>El tráfico de voz y el tráfico de datos solían utilizar redes separadas enteras.</a:t>
-            </a:r>
-          </a:p>
-          <a:p>
-            <a:pPr marL="571440" algn="just">
-              <a:lnSpc>
-                <a:spcPct val="150000"/>
-              </a:lnSpc>
-              <a:spcBef>
-                <a:spcPts val="0"/>
-              </a:spcBef>
-              <a:buFont typeface="Courier New" panose="02070309020205020404" pitchFamily="49" charset="0"/>
-              <a:buChar char="o"/>
-            </a:pPr>
+              <a:t>no era realmente necesario, porque </a:t>
+            </a:r>
+            <a:r>
+              <a:rPr lang="es-ES" sz="1800" b="1" dirty="0">
+                <a:solidFill>
+                  <a:schemeClr val="tx1"/>
+                </a:solidFill>
+                <a:latin typeface="Arial" panose="020B0604020202020204" pitchFamily="34" charset="0"/>
+                <a:cs typeface="Arial" panose="020B0604020202020204" pitchFamily="34" charset="0"/>
+              </a:rPr>
+              <a:t>los diferentes tipos de tráfico no competían por el ancho de banda</a:t>
+            </a:r>
             <a:r>
               <a:rPr lang="es-ES" sz="1800" dirty="0">
                 <a:solidFill>
@@ -22800,79 +22211,7 @@
                 <a:latin typeface="Arial" panose="020B0604020202020204" pitchFamily="34" charset="0"/>
                 <a:cs typeface="Arial" panose="020B0604020202020204" pitchFamily="34" charset="0"/>
               </a:rPr>
-              <a:t>El </a:t>
-            </a:r>
-            <a:r>
-              <a:rPr lang="es-ES" sz="1800" b="1" dirty="0">
-                <a:solidFill>
-                  <a:srgbClr val="FF0000"/>
-                </a:solidFill>
-                <a:latin typeface="Arial" panose="020B0604020202020204" pitchFamily="34" charset="0"/>
-                <a:cs typeface="Arial" panose="020B0604020202020204" pitchFamily="34" charset="0"/>
-              </a:rPr>
-              <a:t>tráfico de voz </a:t>
-            </a:r>
-            <a:r>
-              <a:rPr lang="es-ES" sz="1800" dirty="0">
-                <a:solidFill>
-                  <a:schemeClr val="tx1"/>
-                </a:solidFill>
-                <a:latin typeface="Arial" panose="020B0604020202020204" pitchFamily="34" charset="0"/>
-                <a:cs typeface="Arial" panose="020B0604020202020204" pitchFamily="34" charset="0"/>
-              </a:rPr>
-              <a:t>utilizó la PSTN (red telefónica pública conmutada).</a:t>
-            </a:r>
-          </a:p>
-          <a:p>
-            <a:pPr marL="571440" algn="just">
-              <a:lnSpc>
-                <a:spcPct val="150000"/>
-              </a:lnSpc>
-              <a:spcBef>
-                <a:spcPts val="0"/>
-              </a:spcBef>
-              <a:buFont typeface="Courier New" panose="02070309020205020404" pitchFamily="49" charset="0"/>
-              <a:buChar char="o"/>
-            </a:pPr>
-            <a:r>
-              <a:rPr lang="es-ES" sz="1800" dirty="0">
-                <a:solidFill>
-                  <a:schemeClr val="tx1"/>
-                </a:solidFill>
-                <a:latin typeface="Arial" panose="020B0604020202020204" pitchFamily="34" charset="0"/>
-                <a:cs typeface="Arial" panose="020B0604020202020204" pitchFamily="34" charset="0"/>
-              </a:rPr>
-              <a:t>El </a:t>
-            </a:r>
-            <a:r>
-              <a:rPr lang="es-ES" sz="1800" b="1" dirty="0">
-                <a:solidFill>
-                  <a:srgbClr val="0070C0"/>
-                </a:solidFill>
-                <a:latin typeface="Arial" panose="020B0604020202020204" pitchFamily="34" charset="0"/>
-                <a:cs typeface="Arial" panose="020B0604020202020204" pitchFamily="34" charset="0"/>
-              </a:rPr>
-              <a:t>tráfico de datos</a:t>
-            </a:r>
-            <a:r>
-              <a:rPr lang="es-ES" sz="1800" dirty="0">
-                <a:solidFill>
-                  <a:srgbClr val="0070C0"/>
-                </a:solidFill>
-                <a:latin typeface="Arial" panose="020B0604020202020204" pitchFamily="34" charset="0"/>
-                <a:cs typeface="Arial" panose="020B0604020202020204" pitchFamily="34" charset="0"/>
-              </a:rPr>
-              <a:t> </a:t>
-            </a:r>
-            <a:r>
-              <a:rPr lang="es-ES" sz="1800" dirty="0">
-                <a:solidFill>
-                  <a:schemeClr val="tx1"/>
-                </a:solidFill>
-                <a:latin typeface="Arial" panose="020B0604020202020204" pitchFamily="34" charset="0"/>
-                <a:cs typeface="Arial" panose="020B0604020202020204" pitchFamily="34" charset="0"/>
-              </a:rPr>
-              <a:t>utilizó redes IP como una WAN empresarial o Internet. </a:t>
+              <a:t>. El tráfico de voz y el tráfico de datos solían utilizar redes separadas enteras. </a:t>
             </a:r>
             <a:r>
               <a:rPr lang="es-ES" sz="1800" dirty="0">
@@ -22884,23 +22223,13 @@
                 <a:latin typeface="Arial" panose="020B0604020202020204" pitchFamily="34" charset="0"/>
                 <a:cs typeface="Arial" panose="020B0604020202020204" pitchFamily="34" charset="0"/>
               </a:rPr>
-              <a:t>Por ejemplo, una PC que accede a un servidor de archivos a través de la WAN empresarial.</a:t>
-            </a:r>
-          </a:p>
-          <a:p>
-            <a:pPr marL="1028700" lvl="1" algn="just">
-              <a:lnSpc>
-                <a:spcPct val="150000"/>
-              </a:lnSpc>
-              <a:spcBef>
-                <a:spcPts val="0"/>
-              </a:spcBef>
-              <a:buFont typeface="Courier New" panose="02070309020205020404" pitchFamily="49" charset="0"/>
-              <a:buChar char="o"/>
-            </a:pPr>
+              <a:t>La calidad de audio de una llamada telefónica no se veía afectada si la conexión a Internet estaba ocupada.</a:t>
+            </a:r>
             <a:endParaRPr lang="en-US" sz="2600" dirty="0">
               <a:solidFill>
-                <a:schemeClr val="tx1"/>
+                <a:schemeClr val="accent6">
+                  <a:lumMod val="75000"/>
+                </a:schemeClr>
               </a:solidFill>
               <a:latin typeface="Arial" panose="020B0604020202020204" pitchFamily="34" charset="0"/>
               <a:cs typeface="Arial" panose="020B0604020202020204" pitchFamily="34" charset="0"/>
@@ -23151,7 +22480,7 @@
         </p:blipFill>
         <p:spPr>
           <a:xfrm>
-            <a:off x="1251505" y="3272599"/>
+            <a:off x="1251505" y="3068960"/>
             <a:ext cx="6640990" cy="3098389"/>
           </a:xfrm>
           <a:prstGeom prst="rect">
@@ -23159,235 +22488,10 @@
           </a:prstGeom>
         </p:spPr>
       </p:pic>
-      <p:sp>
-        <p:nvSpPr>
-          <p:cNvPr id="3" name="Content Placeholder 1">
-            <a:extLst>
-              <a:ext uri="{FF2B5EF4-FFF2-40B4-BE49-F238E27FC236}">
-                <a16:creationId xmlns:a16="http://schemas.microsoft.com/office/drawing/2014/main" id="{F5EC0748-617C-8C2D-ABBA-D03EC50CB9D7}"/>
-              </a:ext>
-            </a:extLst>
-          </p:cNvPr>
-          <p:cNvSpPr txBox="1">
-            <a:spLocks/>
-          </p:cNvSpPr>
-          <p:nvPr/>
-        </p:nvSpPr>
-        <p:spPr>
-          <a:xfrm>
-            <a:off x="3203848" y="6364903"/>
-            <a:ext cx="2952328" cy="455376"/>
-          </a:xfrm>
-          <a:prstGeom prst="rect">
-            <a:avLst/>
-          </a:prstGeom>
-          <a:solidFill>
-            <a:schemeClr val="bg1">
-              <a:lumMod val="85000"/>
-            </a:schemeClr>
-          </a:solidFill>
-        </p:spPr>
-        <p:txBody>
-          <a:bodyPr vert="horz" lIns="91420" tIns="45710" rIns="91420" bIns="45710" rtlCol="0">
-            <a:noAutofit/>
-          </a:bodyPr>
-          <a:lstStyle>
-            <a:lvl1pPr marL="285690" marR="0" indent="-285690" algn="ctr" defTabSz="457105" rtl="0" eaLnBrk="1" fontAlgn="auto" latinLnBrk="0" hangingPunct="1">
-              <a:lnSpc>
-                <a:spcPct val="100000"/>
-              </a:lnSpc>
-              <a:spcBef>
-                <a:spcPct val="20000"/>
-              </a:spcBef>
-              <a:spcAft>
-                <a:spcPts val="0"/>
-              </a:spcAft>
-              <a:buClrTx/>
-              <a:buSzTx/>
-              <a:buFont typeface="Arial"/>
-              <a:buNone/>
-              <a:tabLst/>
-              <a:defRPr sz="2000" b="0" i="0" kern="1200" baseline="0">
-                <a:solidFill>
-                  <a:schemeClr val="bg1"/>
-                </a:solidFill>
-                <a:latin typeface="+mn-lt"/>
-                <a:ea typeface="+mn-ea"/>
-                <a:cs typeface="CiscoSans ExtraLight"/>
-              </a:defRPr>
-            </a:lvl1pPr>
-            <a:lvl2pPr marL="742950" indent="-285750" algn="l" defTabSz="914400" rtl="0" eaLnBrk="1" latinLnBrk="0" hangingPunct="1">
-              <a:spcBef>
-                <a:spcPct val="20000"/>
-              </a:spcBef>
-              <a:buFont typeface="Arial" pitchFamily="34" charset="0"/>
-              <a:buChar char="–"/>
-              <a:defRPr sz="2800" kern="1200">
-                <a:solidFill>
-                  <a:schemeClr val="tx1"/>
-                </a:solidFill>
-                <a:latin typeface="+mn-lt"/>
-                <a:ea typeface="+mn-ea"/>
-                <a:cs typeface="+mn-cs"/>
-              </a:defRPr>
-            </a:lvl2pPr>
-            <a:lvl3pPr marL="1143000" indent="-228600" algn="l" defTabSz="914400" rtl="0" eaLnBrk="1" latinLnBrk="0" hangingPunct="1">
-              <a:spcBef>
-                <a:spcPct val="20000"/>
-              </a:spcBef>
-              <a:buFont typeface="Arial" pitchFamily="34" charset="0"/>
-              <a:buChar char="•"/>
-              <a:defRPr sz="2400" kern="1200">
-                <a:solidFill>
-                  <a:schemeClr val="tx1"/>
-                </a:solidFill>
-                <a:latin typeface="+mn-lt"/>
-                <a:ea typeface="+mn-ea"/>
-                <a:cs typeface="+mn-cs"/>
-              </a:defRPr>
-            </a:lvl3pPr>
-            <a:lvl4pPr marL="1600200" indent="-228600" algn="l" defTabSz="914400" rtl="0" eaLnBrk="1" latinLnBrk="0" hangingPunct="1">
-              <a:spcBef>
-                <a:spcPct val="20000"/>
-              </a:spcBef>
-              <a:buFont typeface="Arial" pitchFamily="34" charset="0"/>
-              <a:buChar char="–"/>
-              <a:defRPr sz="2000" kern="1200">
-                <a:solidFill>
-                  <a:schemeClr val="tx1"/>
-                </a:solidFill>
-                <a:latin typeface="+mn-lt"/>
-                <a:ea typeface="+mn-ea"/>
-                <a:cs typeface="+mn-cs"/>
-              </a:defRPr>
-            </a:lvl4pPr>
-            <a:lvl5pPr marL="2057400" indent="-228600" algn="l" defTabSz="914400" rtl="0" eaLnBrk="1" latinLnBrk="0" hangingPunct="1">
-              <a:spcBef>
-                <a:spcPct val="20000"/>
-              </a:spcBef>
-              <a:buFont typeface="Arial" pitchFamily="34" charset="0"/>
-              <a:buChar char="»"/>
-              <a:defRPr sz="2000" kern="1200">
-                <a:solidFill>
-                  <a:schemeClr val="tx1"/>
-                </a:solidFill>
-                <a:latin typeface="+mn-lt"/>
-                <a:ea typeface="+mn-ea"/>
-                <a:cs typeface="+mn-cs"/>
-              </a:defRPr>
-            </a:lvl5pPr>
-            <a:lvl6pPr marL="2514600" indent="-228600" algn="l" defTabSz="914400" rtl="0" eaLnBrk="1" latinLnBrk="0" hangingPunct="1">
-              <a:spcBef>
-                <a:spcPct val="20000"/>
-              </a:spcBef>
-              <a:buFont typeface="Arial" pitchFamily="34" charset="0"/>
-              <a:buChar char="•"/>
-              <a:defRPr sz="2000" kern="1200">
-                <a:solidFill>
-                  <a:schemeClr val="tx1"/>
-                </a:solidFill>
-                <a:latin typeface="+mn-lt"/>
-                <a:ea typeface="+mn-ea"/>
-                <a:cs typeface="+mn-cs"/>
-              </a:defRPr>
-            </a:lvl6pPr>
-            <a:lvl7pPr marL="2971800" indent="-228600" algn="l" defTabSz="914400" rtl="0" eaLnBrk="1" latinLnBrk="0" hangingPunct="1">
-              <a:spcBef>
-                <a:spcPct val="20000"/>
-              </a:spcBef>
-              <a:buFont typeface="Arial" pitchFamily="34" charset="0"/>
-              <a:buChar char="•"/>
-              <a:defRPr sz="2000" kern="1200">
-                <a:solidFill>
-                  <a:schemeClr val="tx1"/>
-                </a:solidFill>
-                <a:latin typeface="+mn-lt"/>
-                <a:ea typeface="+mn-ea"/>
-                <a:cs typeface="+mn-cs"/>
-              </a:defRPr>
-            </a:lvl7pPr>
-            <a:lvl8pPr marL="3429000" indent="-228600" algn="l" defTabSz="914400" rtl="0" eaLnBrk="1" latinLnBrk="0" hangingPunct="1">
-              <a:spcBef>
-                <a:spcPct val="20000"/>
-              </a:spcBef>
-              <a:buFont typeface="Arial" pitchFamily="34" charset="0"/>
-              <a:buChar char="•"/>
-              <a:defRPr sz="2000" kern="1200">
-                <a:solidFill>
-                  <a:schemeClr val="tx1"/>
-                </a:solidFill>
-                <a:latin typeface="+mn-lt"/>
-                <a:ea typeface="+mn-ea"/>
-                <a:cs typeface="+mn-cs"/>
-              </a:defRPr>
-            </a:lvl8pPr>
-            <a:lvl9pPr marL="3886200" indent="-228600" algn="l" defTabSz="914400" rtl="0" eaLnBrk="1" latinLnBrk="0" hangingPunct="1">
-              <a:spcBef>
-                <a:spcPct val="20000"/>
-              </a:spcBef>
-              <a:buFont typeface="Arial" pitchFamily="34" charset="0"/>
-              <a:buChar char="•"/>
-              <a:defRPr sz="2000" kern="1200">
-                <a:solidFill>
-                  <a:schemeClr val="tx1"/>
-                </a:solidFill>
-                <a:latin typeface="+mn-lt"/>
-                <a:ea typeface="+mn-ea"/>
-                <a:cs typeface="+mn-cs"/>
-              </a:defRPr>
-            </a:lvl9pPr>
-          </a:lstStyle>
-          <a:p>
-            <a:pPr indent="0" algn="just">
-              <a:lnSpc>
-                <a:spcPct val="150000"/>
-              </a:lnSpc>
-              <a:spcBef>
-                <a:spcPts val="0"/>
-              </a:spcBef>
-            </a:pPr>
-            <a:r>
-              <a:rPr lang="es-ES" sz="1800" dirty="0">
-                <a:solidFill>
-                  <a:schemeClr val="tx1"/>
-                </a:solidFill>
-                <a:latin typeface="Arial" panose="020B0604020202020204" pitchFamily="34" charset="0"/>
-                <a:cs typeface="Arial" panose="020B0604020202020204" pitchFamily="34" charset="0"/>
-              </a:rPr>
-              <a:t>WAN IP empresarial</a:t>
-            </a:r>
-            <a:endParaRPr lang="es-ES" sz="1800" dirty="0">
-              <a:solidFill>
-                <a:schemeClr val="accent6">
-                  <a:lumMod val="75000"/>
-                </a:schemeClr>
-              </a:solidFill>
-              <a:latin typeface="Arial" panose="020B0604020202020204" pitchFamily="34" charset="0"/>
-              <a:cs typeface="Arial" panose="020B0604020202020204" pitchFamily="34" charset="0"/>
-            </a:endParaRPr>
-          </a:p>
-          <a:p>
-            <a:pPr marL="1028700" lvl="1" algn="just">
-              <a:lnSpc>
-                <a:spcPct val="150000"/>
-              </a:lnSpc>
-              <a:spcBef>
-                <a:spcPts val="0"/>
-              </a:spcBef>
-              <a:buFont typeface="Courier New" panose="02070309020205020404" pitchFamily="49" charset="0"/>
-              <a:buChar char="o"/>
-            </a:pPr>
-            <a:endParaRPr lang="en-US" sz="2600" dirty="0">
-              <a:latin typeface="Arial" panose="020B0604020202020204" pitchFamily="34" charset="0"/>
-              <a:cs typeface="Arial" panose="020B0604020202020204" pitchFamily="34" charset="0"/>
-            </a:endParaRPr>
-          </a:p>
-        </p:txBody>
-      </p:sp>
     </p:spTree>
     <p:extLst>
       <p:ext uri="{BB962C8B-B14F-4D97-AF65-F5344CB8AC3E}">
-        <p14:creationId xmlns:p14="http://schemas.microsoft.com/office/powerpoint/2010/main" val="836840058"/>
+        <p14:creationId xmlns:p14="http://schemas.microsoft.com/office/powerpoint/2010/main" val="826741056"/>
       </p:ext>
     </p:extLst>
   </p:cSld>
@@ -23438,8 +22542,8 @@
         </p:nvSpPr>
         <p:spPr>
           <a:xfrm>
-            <a:off x="179512" y="1340768"/>
-            <a:ext cx="8424936" cy="1421904"/>
+            <a:off x="179512" y="1157667"/>
+            <a:ext cx="8784976" cy="909101"/>
           </a:xfrm>
         </p:spPr>
         <p:txBody>
@@ -23455,57 +22559,17 @@
               </a:spcBef>
             </a:pPr>
             <a:r>
-              <a:rPr lang="es-ES" sz="1800" b="1" dirty="0" err="1">
+              <a:rPr lang="es-ES" sz="1800" dirty="0">
                 <a:solidFill>
                   <a:schemeClr val="tx1"/>
                 </a:solidFill>
                 <a:latin typeface="Arial" panose="020B0604020202020204" pitchFamily="34" charset="0"/>
                 <a:cs typeface="Arial" panose="020B0604020202020204" pitchFamily="34" charset="0"/>
               </a:rPr>
-              <a:t>QoS</a:t>
+              <a:t>Las redes modernas suelen ser </a:t>
             </a:r>
             <a:r>
               <a:rPr lang="es-ES" sz="1800" b="1" dirty="0">
-                <a:solidFill>
-                  <a:schemeClr val="tx1"/>
-                </a:solidFill>
-                <a:latin typeface="Arial" panose="020B0604020202020204" pitchFamily="34" charset="0"/>
-                <a:cs typeface="Arial" panose="020B0604020202020204" pitchFamily="34" charset="0"/>
-              </a:rPr>
-              <a:t> </a:t>
-            </a:r>
-            <a:r>
-              <a:rPr lang="es-ES" sz="1800" dirty="0">
-                <a:solidFill>
-                  <a:schemeClr val="tx1"/>
-                </a:solidFill>
-                <a:latin typeface="Arial" panose="020B0604020202020204" pitchFamily="34" charset="0"/>
-                <a:cs typeface="Arial" panose="020B0604020202020204" pitchFamily="34" charset="0"/>
-              </a:rPr>
-              <a:t>no era realmente necesario, porque </a:t>
-            </a:r>
-            <a:r>
-              <a:rPr lang="es-ES" sz="1800" b="1" dirty="0">
-                <a:solidFill>
-                  <a:schemeClr val="tx1"/>
-                </a:solidFill>
-                <a:latin typeface="Arial" panose="020B0604020202020204" pitchFamily="34" charset="0"/>
-                <a:cs typeface="Arial" panose="020B0604020202020204" pitchFamily="34" charset="0"/>
-              </a:rPr>
-              <a:t>los diferentes tipos de tráfico no competían por el ancho de banda</a:t>
-            </a:r>
-            <a:r>
-              <a:rPr lang="es-ES" sz="1800" dirty="0">
-                <a:solidFill>
-                  <a:schemeClr val="tx1"/>
-                </a:solidFill>
-                <a:latin typeface="Arial" panose="020B0604020202020204" pitchFamily="34" charset="0"/>
-                <a:cs typeface="Arial" panose="020B0604020202020204" pitchFamily="34" charset="0"/>
-              </a:rPr>
-              <a:t>. El tráfico de voz y el tráfico de datos solían utilizar redes separadas enteras. </a:t>
-            </a:r>
-            <a:r>
-              <a:rPr lang="es-ES" sz="1800" dirty="0">
                 <a:solidFill>
                   <a:schemeClr val="accent6">
                     <a:lumMod val="75000"/>
@@ -23514,7 +22578,17 @@
                 <a:latin typeface="Arial" panose="020B0604020202020204" pitchFamily="34" charset="0"/>
                 <a:cs typeface="Arial" panose="020B0604020202020204" pitchFamily="34" charset="0"/>
               </a:rPr>
-              <a:t>La calidad de audio de una llamada telefónica no se veía afectada si la conexión a Internet estaba ocupada.</a:t>
+              <a:t>redes convergentes </a:t>
+            </a:r>
+            <a:r>
+              <a:rPr lang="es-ES" sz="1800" dirty="0">
+                <a:solidFill>
+                  <a:schemeClr val="tx1"/>
+                </a:solidFill>
+                <a:latin typeface="Arial" panose="020B0604020202020204" pitchFamily="34" charset="0"/>
+                <a:cs typeface="Arial" panose="020B0604020202020204" pitchFamily="34" charset="0"/>
+              </a:rPr>
+              <a:t>en donde los teléfonos IP, el tráfico de video y el tráfico de datos comparten la misma red IP. </a:t>
             </a:r>
             <a:endParaRPr lang="en-US" sz="2600" dirty="0">
               <a:solidFill>
@@ -23544,7 +22618,7 @@
         </p:nvSpPr>
         <p:spPr bwMode="auto">
           <a:xfrm>
-            <a:off x="1028700" y="0"/>
+            <a:off x="1028700" y="37721"/>
             <a:ext cx="7086600" cy="1143000"/>
           </a:xfrm>
           <a:prstGeom prst="rect">
@@ -23749,265 +22823,322 @@
           </a:p>
         </p:txBody>
       </p:sp>
-      <p:pic>
-        <p:nvPicPr>
-          <p:cNvPr id="13" name="Imagen 12">
+      <p:grpSp>
+        <p:nvGrpSpPr>
+          <p:cNvPr id="5" name="Group 4">
             <a:extLst>
               <a:ext uri="{FF2B5EF4-FFF2-40B4-BE49-F238E27FC236}">
-                <a16:creationId xmlns:a16="http://schemas.microsoft.com/office/drawing/2014/main" id="{2E3E8A9B-A726-CA10-545F-3B4ADD7C57A9}"/>
+                <a16:creationId xmlns:a16="http://schemas.microsoft.com/office/drawing/2014/main" id="{3C9174D4-885E-D547-F5DB-993284DAB4BF}"/>
               </a:ext>
             </a:extLst>
           </p:cNvPr>
-          <p:cNvPicPr>
-            <a:picLocks noChangeAspect="1"/>
-          </p:cNvPicPr>
+          <p:cNvGrpSpPr/>
           <p:nvPr/>
-        </p:nvPicPr>
-        <p:blipFill>
-          <a:blip r:embed="rId3"/>
-          <a:stretch>
-            <a:fillRect/>
-          </a:stretch>
-        </p:blipFill>
-        <p:spPr>
+        </p:nvGrpSpPr>
+        <p:grpSpPr>
           <a:xfrm>
-            <a:off x="1251505" y="3272599"/>
-            <a:ext cx="6640990" cy="3098389"/>
+            <a:off x="1452" y="2300667"/>
+            <a:ext cx="9144000" cy="4406592"/>
+            <a:chOff x="1452" y="2300667"/>
+            <a:chExt cx="9144000" cy="4406592"/>
           </a:xfrm>
-          <a:prstGeom prst="rect">
-            <a:avLst/>
-          </a:prstGeom>
-        </p:spPr>
-      </p:pic>
-      <p:sp>
-        <p:nvSpPr>
-          <p:cNvPr id="3" name="Content Placeholder 1">
-            <a:extLst>
-              <a:ext uri="{FF2B5EF4-FFF2-40B4-BE49-F238E27FC236}">
-                <a16:creationId xmlns:a16="http://schemas.microsoft.com/office/drawing/2014/main" id="{F5EC0748-617C-8C2D-ABBA-D03EC50CB9D7}"/>
-              </a:ext>
-            </a:extLst>
-          </p:cNvPr>
-          <p:cNvSpPr txBox="1">
-            <a:spLocks/>
-          </p:cNvSpPr>
-          <p:nvPr/>
-        </p:nvSpPr>
-        <p:spPr>
-          <a:xfrm>
-            <a:off x="3203848" y="6364903"/>
-            <a:ext cx="2952328" cy="455376"/>
-          </a:xfrm>
-          <a:prstGeom prst="rect">
-            <a:avLst/>
-          </a:prstGeom>
-          <a:solidFill>
-            <a:schemeClr val="bg1">
-              <a:lumMod val="85000"/>
-            </a:schemeClr>
-          </a:solidFill>
-        </p:spPr>
-        <p:txBody>
-          <a:bodyPr vert="horz" lIns="91420" tIns="45710" rIns="91420" bIns="45710" rtlCol="0">
-            <a:noAutofit/>
-          </a:bodyPr>
-          <a:lstStyle>
-            <a:lvl1pPr marL="285690" marR="0" indent="-285690" algn="ctr" defTabSz="457105" rtl="0" eaLnBrk="1" fontAlgn="auto" latinLnBrk="0" hangingPunct="1">
-              <a:lnSpc>
-                <a:spcPct val="100000"/>
-              </a:lnSpc>
-              <a:spcBef>
-                <a:spcPct val="20000"/>
-              </a:spcBef>
-              <a:spcAft>
-                <a:spcPts val="0"/>
-              </a:spcAft>
-              <a:buClrTx/>
-              <a:buSzTx/>
-              <a:buFont typeface="Arial"/>
-              <a:buNone/>
-              <a:tabLst/>
-              <a:defRPr sz="2000" b="0" i="0" kern="1200" baseline="0">
-                <a:solidFill>
-                  <a:schemeClr val="bg1"/>
-                </a:solidFill>
-                <a:latin typeface="+mn-lt"/>
-                <a:ea typeface="+mn-ea"/>
-                <a:cs typeface="CiscoSans ExtraLight"/>
-              </a:defRPr>
-            </a:lvl1pPr>
-            <a:lvl2pPr marL="742950" indent="-285750" algn="l" defTabSz="914400" rtl="0" eaLnBrk="1" latinLnBrk="0" hangingPunct="1">
-              <a:spcBef>
-                <a:spcPct val="20000"/>
-              </a:spcBef>
-              <a:buFont typeface="Arial" pitchFamily="34" charset="0"/>
-              <a:buChar char="–"/>
-              <a:defRPr sz="2800" kern="1200">
-                <a:solidFill>
-                  <a:schemeClr val="tx1"/>
-                </a:solidFill>
-                <a:latin typeface="+mn-lt"/>
-                <a:ea typeface="+mn-ea"/>
-                <a:cs typeface="+mn-cs"/>
-              </a:defRPr>
-            </a:lvl2pPr>
-            <a:lvl3pPr marL="1143000" indent="-228600" algn="l" defTabSz="914400" rtl="0" eaLnBrk="1" latinLnBrk="0" hangingPunct="1">
-              <a:spcBef>
-                <a:spcPct val="20000"/>
-              </a:spcBef>
-              <a:buFont typeface="Arial" pitchFamily="34" charset="0"/>
-              <a:buChar char="•"/>
-              <a:defRPr sz="2400" kern="1200">
-                <a:solidFill>
-                  <a:schemeClr val="tx1"/>
-                </a:solidFill>
-                <a:latin typeface="+mn-lt"/>
-                <a:ea typeface="+mn-ea"/>
-                <a:cs typeface="+mn-cs"/>
-              </a:defRPr>
-            </a:lvl3pPr>
-            <a:lvl4pPr marL="1600200" indent="-228600" algn="l" defTabSz="914400" rtl="0" eaLnBrk="1" latinLnBrk="0" hangingPunct="1">
-              <a:spcBef>
-                <a:spcPct val="20000"/>
-              </a:spcBef>
-              <a:buFont typeface="Arial" pitchFamily="34" charset="0"/>
-              <a:buChar char="–"/>
-              <a:defRPr sz="2000" kern="1200">
-                <a:solidFill>
-                  <a:schemeClr val="tx1"/>
-                </a:solidFill>
-                <a:latin typeface="+mn-lt"/>
-                <a:ea typeface="+mn-ea"/>
-                <a:cs typeface="+mn-cs"/>
-              </a:defRPr>
-            </a:lvl4pPr>
-            <a:lvl5pPr marL="2057400" indent="-228600" algn="l" defTabSz="914400" rtl="0" eaLnBrk="1" latinLnBrk="0" hangingPunct="1">
-              <a:spcBef>
-                <a:spcPct val="20000"/>
-              </a:spcBef>
-              <a:buFont typeface="Arial" pitchFamily="34" charset="0"/>
-              <a:buChar char="»"/>
-              <a:defRPr sz="2000" kern="1200">
-                <a:solidFill>
-                  <a:schemeClr val="tx1"/>
-                </a:solidFill>
-                <a:latin typeface="+mn-lt"/>
-                <a:ea typeface="+mn-ea"/>
-                <a:cs typeface="+mn-cs"/>
-              </a:defRPr>
-            </a:lvl5pPr>
-            <a:lvl6pPr marL="2514600" indent="-228600" algn="l" defTabSz="914400" rtl="0" eaLnBrk="1" latinLnBrk="0" hangingPunct="1">
-              <a:spcBef>
-                <a:spcPct val="20000"/>
-              </a:spcBef>
-              <a:buFont typeface="Arial" pitchFamily="34" charset="0"/>
-              <a:buChar char="•"/>
-              <a:defRPr sz="2000" kern="1200">
-                <a:solidFill>
-                  <a:schemeClr val="tx1"/>
-                </a:solidFill>
-                <a:latin typeface="+mn-lt"/>
-                <a:ea typeface="+mn-ea"/>
-                <a:cs typeface="+mn-cs"/>
-              </a:defRPr>
-            </a:lvl6pPr>
-            <a:lvl7pPr marL="2971800" indent="-228600" algn="l" defTabSz="914400" rtl="0" eaLnBrk="1" latinLnBrk="0" hangingPunct="1">
-              <a:spcBef>
-                <a:spcPct val="20000"/>
-              </a:spcBef>
-              <a:buFont typeface="Arial" pitchFamily="34" charset="0"/>
-              <a:buChar char="•"/>
-              <a:defRPr sz="2000" kern="1200">
-                <a:solidFill>
-                  <a:schemeClr val="tx1"/>
-                </a:solidFill>
-                <a:latin typeface="+mn-lt"/>
-                <a:ea typeface="+mn-ea"/>
-                <a:cs typeface="+mn-cs"/>
-              </a:defRPr>
-            </a:lvl7pPr>
-            <a:lvl8pPr marL="3429000" indent="-228600" algn="l" defTabSz="914400" rtl="0" eaLnBrk="1" latinLnBrk="0" hangingPunct="1">
-              <a:spcBef>
-                <a:spcPct val="20000"/>
-              </a:spcBef>
-              <a:buFont typeface="Arial" pitchFamily="34" charset="0"/>
-              <a:buChar char="•"/>
-              <a:defRPr sz="2000" kern="1200">
-                <a:solidFill>
-                  <a:schemeClr val="tx1"/>
-                </a:solidFill>
-                <a:latin typeface="+mn-lt"/>
-                <a:ea typeface="+mn-ea"/>
-                <a:cs typeface="+mn-cs"/>
-              </a:defRPr>
-            </a:lvl8pPr>
-            <a:lvl9pPr marL="3886200" indent="-228600" algn="l" defTabSz="914400" rtl="0" eaLnBrk="1" latinLnBrk="0" hangingPunct="1">
-              <a:spcBef>
-                <a:spcPct val="20000"/>
-              </a:spcBef>
-              <a:buFont typeface="Arial" pitchFamily="34" charset="0"/>
-              <a:buChar char="•"/>
-              <a:defRPr sz="2000" kern="1200">
-                <a:solidFill>
-                  <a:schemeClr val="tx1"/>
-                </a:solidFill>
-                <a:latin typeface="+mn-lt"/>
-                <a:ea typeface="+mn-ea"/>
-                <a:cs typeface="+mn-cs"/>
-              </a:defRPr>
-            </a:lvl9pPr>
-          </a:lstStyle>
-          <a:p>
-            <a:pPr indent="0" algn="just">
-              <a:lnSpc>
-                <a:spcPct val="150000"/>
-              </a:lnSpc>
-              <a:spcBef>
-                <a:spcPts val="0"/>
-              </a:spcBef>
-            </a:pPr>
-            <a:r>
-              <a:rPr lang="es-ES" sz="1800" dirty="0">
-                <a:solidFill>
-                  <a:schemeClr val="tx1"/>
-                </a:solidFill>
-                <a:latin typeface="Arial" panose="020B0604020202020204" pitchFamily="34" charset="0"/>
-                <a:cs typeface="Arial" panose="020B0604020202020204" pitchFamily="34" charset="0"/>
-              </a:rPr>
-              <a:t>WAN IP empresarial</a:t>
-            </a:r>
-            <a:endParaRPr lang="es-ES" sz="1800" dirty="0">
-              <a:solidFill>
-                <a:schemeClr val="accent6">
-                  <a:lumMod val="75000"/>
-                </a:schemeClr>
-              </a:solidFill>
-              <a:latin typeface="Arial" panose="020B0604020202020204" pitchFamily="34" charset="0"/>
-              <a:cs typeface="Arial" panose="020B0604020202020204" pitchFamily="34" charset="0"/>
-            </a:endParaRPr>
-          </a:p>
-          <a:p>
-            <a:pPr marL="1028700" lvl="1" algn="just">
-              <a:lnSpc>
-                <a:spcPct val="150000"/>
-              </a:lnSpc>
-              <a:spcBef>
-                <a:spcPts val="0"/>
-              </a:spcBef>
-              <a:buFont typeface="Courier New" panose="02070309020205020404" pitchFamily="49" charset="0"/>
-              <a:buChar char="o"/>
-            </a:pPr>
-            <a:endParaRPr lang="en-US" sz="2600" dirty="0">
-              <a:latin typeface="Arial" panose="020B0604020202020204" pitchFamily="34" charset="0"/>
-              <a:cs typeface="Arial" panose="020B0604020202020204" pitchFamily="34" charset="0"/>
-            </a:endParaRPr>
-          </a:p>
-        </p:txBody>
-      </p:sp>
+        </p:grpSpPr>
+        <p:pic>
+          <p:nvPicPr>
+            <p:cNvPr id="6" name="Imagen 5">
+              <a:extLst>
+                <a:ext uri="{FF2B5EF4-FFF2-40B4-BE49-F238E27FC236}">
+                  <a16:creationId xmlns:a16="http://schemas.microsoft.com/office/drawing/2014/main" id="{29833350-029F-C062-0CA3-9A371108E775}"/>
+                </a:ext>
+              </a:extLst>
+            </p:cNvPr>
+            <p:cNvPicPr>
+              <a:picLocks noChangeAspect="1"/>
+            </p:cNvPicPr>
+            <p:nvPr/>
+          </p:nvPicPr>
+          <p:blipFill>
+            <a:blip r:embed="rId3"/>
+            <a:stretch>
+              <a:fillRect/>
+            </a:stretch>
+          </p:blipFill>
+          <p:spPr>
+            <a:xfrm>
+              <a:off x="1452" y="3061691"/>
+              <a:ext cx="9144000" cy="3216482"/>
+            </a:xfrm>
+            <a:prstGeom prst="rect">
+              <a:avLst/>
+            </a:prstGeom>
+          </p:spPr>
+        </p:pic>
+        <p:sp>
+          <p:nvSpPr>
+            <p:cNvPr id="7" name="Content Placeholder 1">
+              <a:extLst>
+                <a:ext uri="{FF2B5EF4-FFF2-40B4-BE49-F238E27FC236}">
+                  <a16:creationId xmlns:a16="http://schemas.microsoft.com/office/drawing/2014/main" id="{85DE273E-42E0-636F-ADC8-BE928AD82509}"/>
+                </a:ext>
+              </a:extLst>
+            </p:cNvPr>
+            <p:cNvSpPr txBox="1">
+              <a:spLocks/>
+            </p:cNvSpPr>
+            <p:nvPr/>
+          </p:nvSpPr>
+          <p:spPr>
+            <a:xfrm>
+              <a:off x="3210979" y="6251883"/>
+              <a:ext cx="2952328" cy="455376"/>
+            </a:xfrm>
+            <a:prstGeom prst="rect">
+              <a:avLst/>
+            </a:prstGeom>
+            <a:solidFill>
+              <a:schemeClr val="bg1">
+                <a:lumMod val="85000"/>
+              </a:schemeClr>
+            </a:solidFill>
+          </p:spPr>
+          <p:txBody>
+            <a:bodyPr vert="horz" lIns="91420" tIns="45710" rIns="91420" bIns="45710" rtlCol="0">
+              <a:noAutofit/>
+            </a:bodyPr>
+            <a:lstStyle>
+              <a:lvl1pPr marL="285690" marR="0" indent="-285690" algn="ctr" defTabSz="457105" rtl="0" eaLnBrk="1" fontAlgn="auto" latinLnBrk="0" hangingPunct="1">
+                <a:lnSpc>
+                  <a:spcPct val="100000"/>
+                </a:lnSpc>
+                <a:spcBef>
+                  <a:spcPct val="20000"/>
+                </a:spcBef>
+                <a:spcAft>
+                  <a:spcPts val="0"/>
+                </a:spcAft>
+                <a:buClrTx/>
+                <a:buSzTx/>
+                <a:buFont typeface="Arial"/>
+                <a:buNone/>
+                <a:tabLst/>
+                <a:defRPr sz="2000" b="0" i="0" kern="1200" baseline="0">
+                  <a:solidFill>
+                    <a:schemeClr val="bg1"/>
+                  </a:solidFill>
+                  <a:latin typeface="+mn-lt"/>
+                  <a:ea typeface="+mn-ea"/>
+                  <a:cs typeface="CiscoSans ExtraLight"/>
+                </a:defRPr>
+              </a:lvl1pPr>
+              <a:lvl2pPr marL="742950" indent="-285750" algn="l" defTabSz="914400" rtl="0" eaLnBrk="1" latinLnBrk="0" hangingPunct="1">
+                <a:spcBef>
+                  <a:spcPct val="20000"/>
+                </a:spcBef>
+                <a:buFont typeface="Arial" pitchFamily="34" charset="0"/>
+                <a:buChar char="–"/>
+                <a:defRPr sz="2800" kern="1200">
+                  <a:solidFill>
+                    <a:schemeClr val="tx1"/>
+                  </a:solidFill>
+                  <a:latin typeface="+mn-lt"/>
+                  <a:ea typeface="+mn-ea"/>
+                  <a:cs typeface="+mn-cs"/>
+                </a:defRPr>
+              </a:lvl2pPr>
+              <a:lvl3pPr marL="1143000" indent="-228600" algn="l" defTabSz="914400" rtl="0" eaLnBrk="1" latinLnBrk="0" hangingPunct="1">
+                <a:spcBef>
+                  <a:spcPct val="20000"/>
+                </a:spcBef>
+                <a:buFont typeface="Arial" pitchFamily="34" charset="0"/>
+                <a:buChar char="•"/>
+                <a:defRPr sz="2400" kern="1200">
+                  <a:solidFill>
+                    <a:schemeClr val="tx1"/>
+                  </a:solidFill>
+                  <a:latin typeface="+mn-lt"/>
+                  <a:ea typeface="+mn-ea"/>
+                  <a:cs typeface="+mn-cs"/>
+                </a:defRPr>
+              </a:lvl3pPr>
+              <a:lvl4pPr marL="1600200" indent="-228600" algn="l" defTabSz="914400" rtl="0" eaLnBrk="1" latinLnBrk="0" hangingPunct="1">
+                <a:spcBef>
+                  <a:spcPct val="20000"/>
+                </a:spcBef>
+                <a:buFont typeface="Arial" pitchFamily="34" charset="0"/>
+                <a:buChar char="–"/>
+                <a:defRPr sz="2000" kern="1200">
+                  <a:solidFill>
+                    <a:schemeClr val="tx1"/>
+                  </a:solidFill>
+                  <a:latin typeface="+mn-lt"/>
+                  <a:ea typeface="+mn-ea"/>
+                  <a:cs typeface="+mn-cs"/>
+                </a:defRPr>
+              </a:lvl4pPr>
+              <a:lvl5pPr marL="2057400" indent="-228600" algn="l" defTabSz="914400" rtl="0" eaLnBrk="1" latinLnBrk="0" hangingPunct="1">
+                <a:spcBef>
+                  <a:spcPct val="20000"/>
+                </a:spcBef>
+                <a:buFont typeface="Arial" pitchFamily="34" charset="0"/>
+                <a:buChar char="»"/>
+                <a:defRPr sz="2000" kern="1200">
+                  <a:solidFill>
+                    <a:schemeClr val="tx1"/>
+                  </a:solidFill>
+                  <a:latin typeface="+mn-lt"/>
+                  <a:ea typeface="+mn-ea"/>
+                  <a:cs typeface="+mn-cs"/>
+                </a:defRPr>
+              </a:lvl5pPr>
+              <a:lvl6pPr marL="2514600" indent="-228600" algn="l" defTabSz="914400" rtl="0" eaLnBrk="1" latinLnBrk="0" hangingPunct="1">
+                <a:spcBef>
+                  <a:spcPct val="20000"/>
+                </a:spcBef>
+                <a:buFont typeface="Arial" pitchFamily="34" charset="0"/>
+                <a:buChar char="•"/>
+                <a:defRPr sz="2000" kern="1200">
+                  <a:solidFill>
+                    <a:schemeClr val="tx1"/>
+                  </a:solidFill>
+                  <a:latin typeface="+mn-lt"/>
+                  <a:ea typeface="+mn-ea"/>
+                  <a:cs typeface="+mn-cs"/>
+                </a:defRPr>
+              </a:lvl6pPr>
+              <a:lvl7pPr marL="2971800" indent="-228600" algn="l" defTabSz="914400" rtl="0" eaLnBrk="1" latinLnBrk="0" hangingPunct="1">
+                <a:spcBef>
+                  <a:spcPct val="20000"/>
+                </a:spcBef>
+                <a:buFont typeface="Arial" pitchFamily="34" charset="0"/>
+                <a:buChar char="•"/>
+                <a:defRPr sz="2000" kern="1200">
+                  <a:solidFill>
+                    <a:schemeClr val="tx1"/>
+                  </a:solidFill>
+                  <a:latin typeface="+mn-lt"/>
+                  <a:ea typeface="+mn-ea"/>
+                  <a:cs typeface="+mn-cs"/>
+                </a:defRPr>
+              </a:lvl7pPr>
+              <a:lvl8pPr marL="3429000" indent="-228600" algn="l" defTabSz="914400" rtl="0" eaLnBrk="1" latinLnBrk="0" hangingPunct="1">
+                <a:spcBef>
+                  <a:spcPct val="20000"/>
+                </a:spcBef>
+                <a:buFont typeface="Arial" pitchFamily="34" charset="0"/>
+                <a:buChar char="•"/>
+                <a:defRPr sz="2000" kern="1200">
+                  <a:solidFill>
+                    <a:schemeClr val="tx1"/>
+                  </a:solidFill>
+                  <a:latin typeface="+mn-lt"/>
+                  <a:ea typeface="+mn-ea"/>
+                  <a:cs typeface="+mn-cs"/>
+                </a:defRPr>
+              </a:lvl8pPr>
+              <a:lvl9pPr marL="3886200" indent="-228600" algn="l" defTabSz="914400" rtl="0" eaLnBrk="1" latinLnBrk="0" hangingPunct="1">
+                <a:spcBef>
+                  <a:spcPct val="20000"/>
+                </a:spcBef>
+                <a:buFont typeface="Arial" pitchFamily="34" charset="0"/>
+                <a:buChar char="•"/>
+                <a:defRPr sz="2000" kern="1200">
+                  <a:solidFill>
+                    <a:schemeClr val="tx1"/>
+                  </a:solidFill>
+                  <a:latin typeface="+mn-lt"/>
+                  <a:ea typeface="+mn-ea"/>
+                  <a:cs typeface="+mn-cs"/>
+                </a:defRPr>
+              </a:lvl9pPr>
+            </a:lstStyle>
+            <a:p>
+              <a:pPr indent="0" algn="just">
+                <a:lnSpc>
+                  <a:spcPct val="150000"/>
+                </a:lnSpc>
+                <a:spcBef>
+                  <a:spcPts val="0"/>
+                </a:spcBef>
+              </a:pPr>
+              <a:r>
+                <a:rPr lang="es-ES" sz="1800" dirty="0">
+                  <a:solidFill>
+                    <a:schemeClr val="tx1"/>
+                  </a:solidFill>
+                  <a:latin typeface="Arial" panose="020B0604020202020204" pitchFamily="34" charset="0"/>
+                  <a:cs typeface="Arial" panose="020B0604020202020204" pitchFamily="34" charset="0"/>
+                </a:rPr>
+                <a:t>WAN IP empresarial</a:t>
+              </a:r>
+              <a:endParaRPr lang="es-ES" sz="1800" dirty="0">
+                <a:solidFill>
+                  <a:schemeClr val="accent6">
+                    <a:lumMod val="75000"/>
+                  </a:schemeClr>
+                </a:solidFill>
+                <a:latin typeface="Arial" panose="020B0604020202020204" pitchFamily="34" charset="0"/>
+                <a:cs typeface="Arial" panose="020B0604020202020204" pitchFamily="34" charset="0"/>
+              </a:endParaRPr>
+            </a:p>
+            <a:p>
+              <a:pPr marL="1028700" lvl="1" algn="just">
+                <a:lnSpc>
+                  <a:spcPct val="150000"/>
+                </a:lnSpc>
+                <a:spcBef>
+                  <a:spcPts val="0"/>
+                </a:spcBef>
+                <a:buFont typeface="Courier New" panose="02070309020205020404" pitchFamily="49" charset="0"/>
+                <a:buChar char="o"/>
+              </a:pPr>
+              <a:endParaRPr lang="en-US" sz="2600" dirty="0">
+                <a:latin typeface="Arial" panose="020B0604020202020204" pitchFamily="34" charset="0"/>
+                <a:cs typeface="Arial" panose="020B0604020202020204" pitchFamily="34" charset="0"/>
+              </a:endParaRPr>
+            </a:p>
+          </p:txBody>
+        </p:sp>
+        <p:pic>
+          <p:nvPicPr>
+            <p:cNvPr id="3" name="Imagen 2" descr="Gráfico, Gráfico de burbujas&#10;&#10;Descripción generada automáticamente">
+              <a:extLst>
+                <a:ext uri="{FF2B5EF4-FFF2-40B4-BE49-F238E27FC236}">
+                  <a16:creationId xmlns:a16="http://schemas.microsoft.com/office/drawing/2014/main" id="{A2A7E427-66BB-8945-DE96-E16C5CC87159}"/>
+                </a:ext>
+              </a:extLst>
+            </p:cNvPr>
+            <p:cNvPicPr>
+              <a:picLocks noChangeAspect="1"/>
+            </p:cNvPicPr>
+            <p:nvPr/>
+          </p:nvPicPr>
+          <p:blipFill>
+            <a:blip r:embed="rId4">
+              <a:extLst>
+                <a:ext uri="{28A0092B-C50C-407E-A947-70E740481C1C}">
+                  <a14:useLocalDpi xmlns:a14="http://schemas.microsoft.com/office/drawing/2010/main" val="0"/>
+                </a:ext>
+              </a:extLst>
+            </a:blip>
+            <a:stretch>
+              <a:fillRect/>
+            </a:stretch>
+          </p:blipFill>
+          <p:spPr>
+            <a:xfrm>
+              <a:off x="3354995" y="2300667"/>
+              <a:ext cx="2160240" cy="2030625"/>
+            </a:xfrm>
+            <a:prstGeom prst="rect">
+              <a:avLst/>
+            </a:prstGeom>
+          </p:spPr>
+        </p:pic>
+      </p:grpSp>
     </p:spTree>
     <p:extLst>
       <p:ext uri="{BB962C8B-B14F-4D97-AF65-F5344CB8AC3E}">
-        <p14:creationId xmlns:p14="http://schemas.microsoft.com/office/powerpoint/2010/main" val="826741056"/>
+        <p14:creationId xmlns:p14="http://schemas.microsoft.com/office/powerpoint/2010/main" val="1053519732"/>
       </p:ext>
     </p:extLst>
   </p:cSld>
@@ -24058,8 +23189,8 @@
         </p:nvSpPr>
         <p:spPr>
           <a:xfrm>
-            <a:off x="179512" y="1295763"/>
-            <a:ext cx="8784976" cy="909101"/>
+            <a:off x="469076" y="1297001"/>
+            <a:ext cx="7633231" cy="757698"/>
           </a:xfrm>
         </p:spPr>
         <p:txBody>
@@ -24082,7 +23213,7 @@
                 <a:latin typeface="Arial" panose="020B0604020202020204" pitchFamily="34" charset="0"/>
                 <a:cs typeface="Arial" panose="020B0604020202020204" pitchFamily="34" charset="0"/>
               </a:rPr>
-              <a:t>Las redes modernas suelen ser </a:t>
+              <a:t>Las </a:t>
             </a:r>
             <a:r>
               <a:rPr lang="es-ES" sz="1800" b="1" dirty="0">
@@ -24104,9 +23235,9 @@
                 <a:latin typeface="Arial" panose="020B0604020202020204" pitchFamily="34" charset="0"/>
                 <a:cs typeface="Arial" panose="020B0604020202020204" pitchFamily="34" charset="0"/>
               </a:rPr>
-              <a:t>en las que los teléfonos IP, el tráfico de video, el tráfico de datos regular, etc. comparten la misma red IP. </a:t>
-            </a:r>
-            <a:endParaRPr lang="en-US" sz="2600" dirty="0">
+              <a:t>nos permiten ahorrar costos.</a:t>
+            </a:r>
+            <a:endParaRPr lang="en-US" sz="2600" b="1" dirty="0">
               <a:solidFill>
                 <a:schemeClr val="accent6">
                   <a:lumMod val="75000"/>
@@ -24339,301 +23470,322 @@
           </a:p>
         </p:txBody>
       </p:sp>
-      <p:pic>
-        <p:nvPicPr>
-          <p:cNvPr id="6" name="Imagen 5">
+      <p:grpSp>
+        <p:nvGrpSpPr>
+          <p:cNvPr id="3" name="Group 2">
             <a:extLst>
               <a:ext uri="{FF2B5EF4-FFF2-40B4-BE49-F238E27FC236}">
-                <a16:creationId xmlns:a16="http://schemas.microsoft.com/office/drawing/2014/main" id="{29833350-029F-C062-0CA3-9A371108E775}"/>
+                <a16:creationId xmlns:a16="http://schemas.microsoft.com/office/drawing/2014/main" id="{C44F4B66-8A95-739C-41A2-2AF59D9C4930}"/>
               </a:ext>
             </a:extLst>
           </p:cNvPr>
-          <p:cNvPicPr>
-            <a:picLocks noChangeAspect="1"/>
-          </p:cNvPicPr>
+          <p:cNvGrpSpPr/>
           <p:nvPr/>
-        </p:nvPicPr>
-        <p:blipFill>
-          <a:blip r:embed="rId3"/>
-          <a:stretch>
-            <a:fillRect/>
-          </a:stretch>
-        </p:blipFill>
-        <p:spPr>
+        </p:nvGrpSpPr>
+        <p:grpSpPr>
           <a:xfrm>
-            <a:off x="-5679" y="3174711"/>
-            <a:ext cx="9144000" cy="3216482"/>
+            <a:off x="611560" y="1988840"/>
+            <a:ext cx="7818039" cy="4578801"/>
+            <a:chOff x="479285" y="2210223"/>
+            <a:chExt cx="7818039" cy="4578801"/>
           </a:xfrm>
-          <a:prstGeom prst="rect">
-            <a:avLst/>
-          </a:prstGeom>
-        </p:spPr>
-      </p:pic>
-      <p:sp>
-        <p:nvSpPr>
-          <p:cNvPr id="7" name="Content Placeholder 1">
-            <a:extLst>
-              <a:ext uri="{FF2B5EF4-FFF2-40B4-BE49-F238E27FC236}">
-                <a16:creationId xmlns:a16="http://schemas.microsoft.com/office/drawing/2014/main" id="{85DE273E-42E0-636F-ADC8-BE928AD82509}"/>
-              </a:ext>
-            </a:extLst>
-          </p:cNvPr>
-          <p:cNvSpPr txBox="1">
-            <a:spLocks/>
-          </p:cNvSpPr>
-          <p:nvPr/>
-        </p:nvSpPr>
-        <p:spPr>
-          <a:xfrm>
-            <a:off x="3203848" y="6364903"/>
-            <a:ext cx="2952328" cy="455376"/>
-          </a:xfrm>
-          <a:prstGeom prst="rect">
-            <a:avLst/>
-          </a:prstGeom>
-          <a:solidFill>
-            <a:schemeClr val="bg1">
-              <a:lumMod val="85000"/>
-            </a:schemeClr>
-          </a:solidFill>
-        </p:spPr>
-        <p:txBody>
-          <a:bodyPr vert="horz" lIns="91420" tIns="45710" rIns="91420" bIns="45710" rtlCol="0">
-            <a:noAutofit/>
-          </a:bodyPr>
-          <a:lstStyle>
-            <a:lvl1pPr marL="285690" marR="0" indent="-285690" algn="ctr" defTabSz="457105" rtl="0" eaLnBrk="1" fontAlgn="auto" latinLnBrk="0" hangingPunct="1">
-              <a:lnSpc>
-                <a:spcPct val="100000"/>
-              </a:lnSpc>
-              <a:spcBef>
-                <a:spcPct val="20000"/>
-              </a:spcBef>
-              <a:spcAft>
-                <a:spcPts val="0"/>
-              </a:spcAft>
-              <a:buClrTx/>
-              <a:buSzTx/>
-              <a:buFont typeface="Arial"/>
-              <a:buNone/>
-              <a:tabLst/>
-              <a:defRPr sz="2000" b="0" i="0" kern="1200" baseline="0">
-                <a:solidFill>
-                  <a:schemeClr val="bg1"/>
-                </a:solidFill>
-                <a:latin typeface="+mn-lt"/>
-                <a:ea typeface="+mn-ea"/>
-                <a:cs typeface="CiscoSans ExtraLight"/>
-              </a:defRPr>
-            </a:lvl1pPr>
-            <a:lvl2pPr marL="742950" indent="-285750" algn="l" defTabSz="914400" rtl="0" eaLnBrk="1" latinLnBrk="0" hangingPunct="1">
-              <a:spcBef>
-                <a:spcPct val="20000"/>
-              </a:spcBef>
-              <a:buFont typeface="Arial" pitchFamily="34" charset="0"/>
-              <a:buChar char="–"/>
-              <a:defRPr sz="2800" kern="1200">
-                <a:solidFill>
-                  <a:schemeClr val="tx1"/>
-                </a:solidFill>
-                <a:latin typeface="+mn-lt"/>
-                <a:ea typeface="+mn-ea"/>
-                <a:cs typeface="+mn-cs"/>
-              </a:defRPr>
-            </a:lvl2pPr>
-            <a:lvl3pPr marL="1143000" indent="-228600" algn="l" defTabSz="914400" rtl="0" eaLnBrk="1" latinLnBrk="0" hangingPunct="1">
-              <a:spcBef>
-                <a:spcPct val="20000"/>
-              </a:spcBef>
-              <a:buFont typeface="Arial" pitchFamily="34" charset="0"/>
-              <a:buChar char="•"/>
-              <a:defRPr sz="2400" kern="1200">
-                <a:solidFill>
-                  <a:schemeClr val="tx1"/>
-                </a:solidFill>
-                <a:latin typeface="+mn-lt"/>
-                <a:ea typeface="+mn-ea"/>
-                <a:cs typeface="+mn-cs"/>
-              </a:defRPr>
-            </a:lvl3pPr>
-            <a:lvl4pPr marL="1600200" indent="-228600" algn="l" defTabSz="914400" rtl="0" eaLnBrk="1" latinLnBrk="0" hangingPunct="1">
-              <a:spcBef>
-                <a:spcPct val="20000"/>
-              </a:spcBef>
-              <a:buFont typeface="Arial" pitchFamily="34" charset="0"/>
-              <a:buChar char="–"/>
-              <a:defRPr sz="2000" kern="1200">
-                <a:solidFill>
-                  <a:schemeClr val="tx1"/>
-                </a:solidFill>
-                <a:latin typeface="+mn-lt"/>
-                <a:ea typeface="+mn-ea"/>
-                <a:cs typeface="+mn-cs"/>
-              </a:defRPr>
-            </a:lvl4pPr>
-            <a:lvl5pPr marL="2057400" indent="-228600" algn="l" defTabSz="914400" rtl="0" eaLnBrk="1" latinLnBrk="0" hangingPunct="1">
-              <a:spcBef>
-                <a:spcPct val="20000"/>
-              </a:spcBef>
-              <a:buFont typeface="Arial" pitchFamily="34" charset="0"/>
-              <a:buChar char="»"/>
-              <a:defRPr sz="2000" kern="1200">
-                <a:solidFill>
-                  <a:schemeClr val="tx1"/>
-                </a:solidFill>
-                <a:latin typeface="+mn-lt"/>
-                <a:ea typeface="+mn-ea"/>
-                <a:cs typeface="+mn-cs"/>
-              </a:defRPr>
-            </a:lvl5pPr>
-            <a:lvl6pPr marL="2514600" indent="-228600" algn="l" defTabSz="914400" rtl="0" eaLnBrk="1" latinLnBrk="0" hangingPunct="1">
-              <a:spcBef>
-                <a:spcPct val="20000"/>
-              </a:spcBef>
-              <a:buFont typeface="Arial" pitchFamily="34" charset="0"/>
-              <a:buChar char="•"/>
-              <a:defRPr sz="2000" kern="1200">
-                <a:solidFill>
-                  <a:schemeClr val="tx1"/>
-                </a:solidFill>
-                <a:latin typeface="+mn-lt"/>
-                <a:ea typeface="+mn-ea"/>
-                <a:cs typeface="+mn-cs"/>
-              </a:defRPr>
-            </a:lvl6pPr>
-            <a:lvl7pPr marL="2971800" indent="-228600" algn="l" defTabSz="914400" rtl="0" eaLnBrk="1" latinLnBrk="0" hangingPunct="1">
-              <a:spcBef>
-                <a:spcPct val="20000"/>
-              </a:spcBef>
-              <a:buFont typeface="Arial" pitchFamily="34" charset="0"/>
-              <a:buChar char="•"/>
-              <a:defRPr sz="2000" kern="1200">
-                <a:solidFill>
-                  <a:schemeClr val="tx1"/>
-                </a:solidFill>
-                <a:latin typeface="+mn-lt"/>
-                <a:ea typeface="+mn-ea"/>
-                <a:cs typeface="+mn-cs"/>
-              </a:defRPr>
-            </a:lvl7pPr>
-            <a:lvl8pPr marL="3429000" indent="-228600" algn="l" defTabSz="914400" rtl="0" eaLnBrk="1" latinLnBrk="0" hangingPunct="1">
-              <a:spcBef>
-                <a:spcPct val="20000"/>
-              </a:spcBef>
-              <a:buFont typeface="Arial" pitchFamily="34" charset="0"/>
-              <a:buChar char="•"/>
-              <a:defRPr sz="2000" kern="1200">
-                <a:solidFill>
-                  <a:schemeClr val="tx1"/>
-                </a:solidFill>
-                <a:latin typeface="+mn-lt"/>
-                <a:ea typeface="+mn-ea"/>
-                <a:cs typeface="+mn-cs"/>
-              </a:defRPr>
-            </a:lvl8pPr>
-            <a:lvl9pPr marL="3886200" indent="-228600" algn="l" defTabSz="914400" rtl="0" eaLnBrk="1" latinLnBrk="0" hangingPunct="1">
-              <a:spcBef>
-                <a:spcPct val="20000"/>
-              </a:spcBef>
-              <a:buFont typeface="Arial" pitchFamily="34" charset="0"/>
-              <a:buChar char="•"/>
-              <a:defRPr sz="2000" kern="1200">
-                <a:solidFill>
-                  <a:schemeClr val="tx1"/>
-                </a:solidFill>
-                <a:latin typeface="+mn-lt"/>
-                <a:ea typeface="+mn-ea"/>
-                <a:cs typeface="+mn-cs"/>
-              </a:defRPr>
-            </a:lvl9pPr>
-          </a:lstStyle>
-          <a:p>
-            <a:pPr indent="0" algn="just">
-              <a:lnSpc>
-                <a:spcPct val="150000"/>
-              </a:lnSpc>
-              <a:spcBef>
-                <a:spcPts val="0"/>
-              </a:spcBef>
-            </a:pPr>
-            <a:r>
-              <a:rPr lang="es-ES" sz="1800" dirty="0">
-                <a:solidFill>
-                  <a:schemeClr val="tx1"/>
-                </a:solidFill>
-                <a:latin typeface="Arial" panose="020B0604020202020204" pitchFamily="34" charset="0"/>
-                <a:cs typeface="Arial" panose="020B0604020202020204" pitchFamily="34" charset="0"/>
-              </a:rPr>
-              <a:t>WAN IP empresarial</a:t>
-            </a:r>
-            <a:endParaRPr lang="es-ES" sz="1800" dirty="0">
-              <a:solidFill>
-                <a:schemeClr val="accent6">
-                  <a:lumMod val="75000"/>
-                </a:schemeClr>
-              </a:solidFill>
-              <a:latin typeface="Arial" panose="020B0604020202020204" pitchFamily="34" charset="0"/>
-              <a:cs typeface="Arial" panose="020B0604020202020204" pitchFamily="34" charset="0"/>
-            </a:endParaRPr>
-          </a:p>
-          <a:p>
-            <a:pPr marL="1028700" lvl="1" algn="just">
-              <a:lnSpc>
-                <a:spcPct val="150000"/>
-              </a:lnSpc>
-              <a:spcBef>
-                <a:spcPts val="0"/>
-              </a:spcBef>
-              <a:buFont typeface="Courier New" panose="02070309020205020404" pitchFamily="49" charset="0"/>
-              <a:buChar char="o"/>
-            </a:pPr>
-            <a:endParaRPr lang="en-US" sz="2600" dirty="0">
-              <a:latin typeface="Arial" panose="020B0604020202020204" pitchFamily="34" charset="0"/>
-              <a:cs typeface="Arial" panose="020B0604020202020204" pitchFamily="34" charset="0"/>
-            </a:endParaRPr>
-          </a:p>
-        </p:txBody>
-      </p:sp>
-      <p:pic>
-        <p:nvPicPr>
-          <p:cNvPr id="3" name="Imagen 2" descr="Gráfico, Gráfico de burbujas&#10;&#10;Descripción generada automáticamente">
-            <a:extLst>
-              <a:ext uri="{FF2B5EF4-FFF2-40B4-BE49-F238E27FC236}">
-                <a16:creationId xmlns:a16="http://schemas.microsoft.com/office/drawing/2014/main" id="{A2A7E427-66BB-8945-DE96-E16C5CC87159}"/>
-              </a:ext>
-            </a:extLst>
-          </p:cNvPr>
-          <p:cNvPicPr>
-            <a:picLocks noChangeAspect="1"/>
-          </p:cNvPicPr>
-          <p:nvPr/>
-        </p:nvPicPr>
-        <p:blipFill>
-          <a:blip r:embed="rId4">
-            <a:extLst>
-              <a:ext uri="{28A0092B-C50C-407E-A947-70E740481C1C}">
-                <a14:useLocalDpi xmlns:a14="http://schemas.microsoft.com/office/drawing/2010/main" val="0"/>
-              </a:ext>
-            </a:extLst>
-          </a:blip>
-          <a:stretch>
-            <a:fillRect/>
-          </a:stretch>
-        </p:blipFill>
-        <p:spPr>
-          <a:xfrm>
-            <a:off x="3347864" y="2413687"/>
-            <a:ext cx="2160240" cy="2030625"/>
-          </a:xfrm>
-          <a:prstGeom prst="rect">
-            <a:avLst/>
-          </a:prstGeom>
-        </p:spPr>
-      </p:pic>
+        </p:grpSpPr>
+        <p:sp>
+          <p:nvSpPr>
+            <p:cNvPr id="7" name="Content Placeholder 1">
+              <a:extLst>
+                <a:ext uri="{FF2B5EF4-FFF2-40B4-BE49-F238E27FC236}">
+                  <a16:creationId xmlns:a16="http://schemas.microsoft.com/office/drawing/2014/main" id="{85DE273E-42E0-636F-ADC8-BE928AD82509}"/>
+                </a:ext>
+              </a:extLst>
+            </p:cNvPr>
+            <p:cNvSpPr txBox="1">
+              <a:spLocks/>
+            </p:cNvSpPr>
+            <p:nvPr/>
+          </p:nvSpPr>
+          <p:spPr>
+            <a:xfrm>
+              <a:off x="3241856" y="6333648"/>
+              <a:ext cx="2736304" cy="455376"/>
+            </a:xfrm>
+            <a:prstGeom prst="rect">
+              <a:avLst/>
+            </a:prstGeom>
+            <a:solidFill>
+              <a:schemeClr val="bg1">
+                <a:lumMod val="85000"/>
+              </a:schemeClr>
+            </a:solidFill>
+          </p:spPr>
+          <p:txBody>
+            <a:bodyPr vert="horz" lIns="91420" tIns="45710" rIns="91420" bIns="45710" rtlCol="0">
+              <a:noAutofit/>
+            </a:bodyPr>
+            <a:lstStyle>
+              <a:lvl1pPr marL="285690" marR="0" indent="-285690" algn="ctr" defTabSz="457105" rtl="0" eaLnBrk="1" fontAlgn="auto" latinLnBrk="0" hangingPunct="1">
+                <a:lnSpc>
+                  <a:spcPct val="100000"/>
+                </a:lnSpc>
+                <a:spcBef>
+                  <a:spcPct val="20000"/>
+                </a:spcBef>
+                <a:spcAft>
+                  <a:spcPts val="0"/>
+                </a:spcAft>
+                <a:buClrTx/>
+                <a:buSzTx/>
+                <a:buFont typeface="Arial"/>
+                <a:buNone/>
+                <a:tabLst/>
+                <a:defRPr sz="2000" b="0" i="0" kern="1200" baseline="0">
+                  <a:solidFill>
+                    <a:schemeClr val="bg1"/>
+                  </a:solidFill>
+                  <a:latin typeface="+mn-lt"/>
+                  <a:ea typeface="+mn-ea"/>
+                  <a:cs typeface="CiscoSans ExtraLight"/>
+                </a:defRPr>
+              </a:lvl1pPr>
+              <a:lvl2pPr marL="742950" indent="-285750" algn="l" defTabSz="914400" rtl="0" eaLnBrk="1" latinLnBrk="0" hangingPunct="1">
+                <a:spcBef>
+                  <a:spcPct val="20000"/>
+                </a:spcBef>
+                <a:buFont typeface="Arial" pitchFamily="34" charset="0"/>
+                <a:buChar char="–"/>
+                <a:defRPr sz="2800" kern="1200">
+                  <a:solidFill>
+                    <a:schemeClr val="tx1"/>
+                  </a:solidFill>
+                  <a:latin typeface="+mn-lt"/>
+                  <a:ea typeface="+mn-ea"/>
+                  <a:cs typeface="+mn-cs"/>
+                </a:defRPr>
+              </a:lvl2pPr>
+              <a:lvl3pPr marL="1143000" indent="-228600" algn="l" defTabSz="914400" rtl="0" eaLnBrk="1" latinLnBrk="0" hangingPunct="1">
+                <a:spcBef>
+                  <a:spcPct val="20000"/>
+                </a:spcBef>
+                <a:buFont typeface="Arial" pitchFamily="34" charset="0"/>
+                <a:buChar char="•"/>
+                <a:defRPr sz="2400" kern="1200">
+                  <a:solidFill>
+                    <a:schemeClr val="tx1"/>
+                  </a:solidFill>
+                  <a:latin typeface="+mn-lt"/>
+                  <a:ea typeface="+mn-ea"/>
+                  <a:cs typeface="+mn-cs"/>
+                </a:defRPr>
+              </a:lvl3pPr>
+              <a:lvl4pPr marL="1600200" indent="-228600" algn="l" defTabSz="914400" rtl="0" eaLnBrk="1" latinLnBrk="0" hangingPunct="1">
+                <a:spcBef>
+                  <a:spcPct val="20000"/>
+                </a:spcBef>
+                <a:buFont typeface="Arial" pitchFamily="34" charset="0"/>
+                <a:buChar char="–"/>
+                <a:defRPr sz="2000" kern="1200">
+                  <a:solidFill>
+                    <a:schemeClr val="tx1"/>
+                  </a:solidFill>
+                  <a:latin typeface="+mn-lt"/>
+                  <a:ea typeface="+mn-ea"/>
+                  <a:cs typeface="+mn-cs"/>
+                </a:defRPr>
+              </a:lvl4pPr>
+              <a:lvl5pPr marL="2057400" indent="-228600" algn="l" defTabSz="914400" rtl="0" eaLnBrk="1" latinLnBrk="0" hangingPunct="1">
+                <a:spcBef>
+                  <a:spcPct val="20000"/>
+                </a:spcBef>
+                <a:buFont typeface="Arial" pitchFamily="34" charset="0"/>
+                <a:buChar char="»"/>
+                <a:defRPr sz="2000" kern="1200">
+                  <a:solidFill>
+                    <a:schemeClr val="tx1"/>
+                  </a:solidFill>
+                  <a:latin typeface="+mn-lt"/>
+                  <a:ea typeface="+mn-ea"/>
+                  <a:cs typeface="+mn-cs"/>
+                </a:defRPr>
+              </a:lvl5pPr>
+              <a:lvl6pPr marL="2514600" indent="-228600" algn="l" defTabSz="914400" rtl="0" eaLnBrk="1" latinLnBrk="0" hangingPunct="1">
+                <a:spcBef>
+                  <a:spcPct val="20000"/>
+                </a:spcBef>
+                <a:buFont typeface="Arial" pitchFamily="34" charset="0"/>
+                <a:buChar char="•"/>
+                <a:defRPr sz="2000" kern="1200">
+                  <a:solidFill>
+                    <a:schemeClr val="tx1"/>
+                  </a:solidFill>
+                  <a:latin typeface="+mn-lt"/>
+                  <a:ea typeface="+mn-ea"/>
+                  <a:cs typeface="+mn-cs"/>
+                </a:defRPr>
+              </a:lvl6pPr>
+              <a:lvl7pPr marL="2971800" indent="-228600" algn="l" defTabSz="914400" rtl="0" eaLnBrk="1" latinLnBrk="0" hangingPunct="1">
+                <a:spcBef>
+                  <a:spcPct val="20000"/>
+                </a:spcBef>
+                <a:buFont typeface="Arial" pitchFamily="34" charset="0"/>
+                <a:buChar char="•"/>
+                <a:defRPr sz="2000" kern="1200">
+                  <a:solidFill>
+                    <a:schemeClr val="tx1"/>
+                  </a:solidFill>
+                  <a:latin typeface="+mn-lt"/>
+                  <a:ea typeface="+mn-ea"/>
+                  <a:cs typeface="+mn-cs"/>
+                </a:defRPr>
+              </a:lvl7pPr>
+              <a:lvl8pPr marL="3429000" indent="-228600" algn="l" defTabSz="914400" rtl="0" eaLnBrk="1" latinLnBrk="0" hangingPunct="1">
+                <a:spcBef>
+                  <a:spcPct val="20000"/>
+                </a:spcBef>
+                <a:buFont typeface="Arial" pitchFamily="34" charset="0"/>
+                <a:buChar char="•"/>
+                <a:defRPr sz="2000" kern="1200">
+                  <a:solidFill>
+                    <a:schemeClr val="tx1"/>
+                  </a:solidFill>
+                  <a:latin typeface="+mn-lt"/>
+                  <a:ea typeface="+mn-ea"/>
+                  <a:cs typeface="+mn-cs"/>
+                </a:defRPr>
+              </a:lvl8pPr>
+              <a:lvl9pPr marL="3886200" indent="-228600" algn="l" defTabSz="914400" rtl="0" eaLnBrk="1" latinLnBrk="0" hangingPunct="1">
+                <a:spcBef>
+                  <a:spcPct val="20000"/>
+                </a:spcBef>
+                <a:buFont typeface="Arial" pitchFamily="34" charset="0"/>
+                <a:buChar char="•"/>
+                <a:defRPr sz="2000" kern="1200">
+                  <a:solidFill>
+                    <a:schemeClr val="tx1"/>
+                  </a:solidFill>
+                  <a:latin typeface="+mn-lt"/>
+                  <a:ea typeface="+mn-ea"/>
+                  <a:cs typeface="+mn-cs"/>
+                </a:defRPr>
+              </a:lvl9pPr>
+            </a:lstStyle>
+            <a:p>
+              <a:pPr indent="0" algn="just">
+                <a:lnSpc>
+                  <a:spcPct val="150000"/>
+                </a:lnSpc>
+                <a:spcBef>
+                  <a:spcPts val="0"/>
+                </a:spcBef>
+              </a:pPr>
+              <a:r>
+                <a:rPr lang="es-ES" sz="1800" dirty="0">
+                  <a:solidFill>
+                    <a:schemeClr val="tx1"/>
+                  </a:solidFill>
+                  <a:latin typeface="Arial" panose="020B0604020202020204" pitchFamily="34" charset="0"/>
+                  <a:cs typeface="Arial" panose="020B0604020202020204" pitchFamily="34" charset="0"/>
+                </a:rPr>
+                <a:t>WAN IP empresarial</a:t>
+              </a:r>
+              <a:endParaRPr lang="es-ES" sz="1800" dirty="0">
+                <a:solidFill>
+                  <a:schemeClr val="accent6">
+                    <a:lumMod val="75000"/>
+                  </a:schemeClr>
+                </a:solidFill>
+                <a:latin typeface="Arial" panose="020B0604020202020204" pitchFamily="34" charset="0"/>
+                <a:cs typeface="Arial" panose="020B0604020202020204" pitchFamily="34" charset="0"/>
+              </a:endParaRPr>
+            </a:p>
+            <a:p>
+              <a:pPr marL="1028700" lvl="1" algn="just">
+                <a:lnSpc>
+                  <a:spcPct val="150000"/>
+                </a:lnSpc>
+                <a:spcBef>
+                  <a:spcPts val="0"/>
+                </a:spcBef>
+                <a:buFont typeface="Courier New" panose="02070309020205020404" pitchFamily="49" charset="0"/>
+                <a:buChar char="o"/>
+              </a:pPr>
+              <a:endParaRPr lang="en-US" sz="2600" dirty="0">
+                <a:latin typeface="Arial" panose="020B0604020202020204" pitchFamily="34" charset="0"/>
+                <a:cs typeface="Arial" panose="020B0604020202020204" pitchFamily="34" charset="0"/>
+              </a:endParaRPr>
+            </a:p>
+          </p:txBody>
+        </p:sp>
+        <p:pic>
+          <p:nvPicPr>
+            <p:cNvPr id="6" name="Imagen 5">
+              <a:extLst>
+                <a:ext uri="{FF2B5EF4-FFF2-40B4-BE49-F238E27FC236}">
+                  <a16:creationId xmlns:a16="http://schemas.microsoft.com/office/drawing/2014/main" id="{29833350-029F-C062-0CA3-9A371108E775}"/>
+                </a:ext>
+              </a:extLst>
+            </p:cNvPr>
+            <p:cNvPicPr>
+              <a:picLocks noChangeAspect="1"/>
+            </p:cNvPicPr>
+            <p:nvPr/>
+          </p:nvPicPr>
+          <p:blipFill>
+            <a:blip r:embed="rId3"/>
+            <a:stretch>
+              <a:fillRect/>
+            </a:stretch>
+          </p:blipFill>
+          <p:spPr>
+            <a:xfrm>
+              <a:off x="479285" y="3645669"/>
+              <a:ext cx="7818039" cy="2750064"/>
+            </a:xfrm>
+            <a:prstGeom prst="rect">
+              <a:avLst/>
+            </a:prstGeom>
+          </p:spPr>
+        </p:pic>
+        <p:pic>
+          <p:nvPicPr>
+            <p:cNvPr id="5" name="Imagen 4" descr="Gráfico, Gráfico de burbujas&#10;&#10;Descripción generada automáticamente">
+              <a:extLst>
+                <a:ext uri="{FF2B5EF4-FFF2-40B4-BE49-F238E27FC236}">
+                  <a16:creationId xmlns:a16="http://schemas.microsoft.com/office/drawing/2014/main" id="{A4780E3E-4403-CF41-FA2B-F786CE54AE56}"/>
+                </a:ext>
+              </a:extLst>
+            </p:cNvPr>
+            <p:cNvPicPr>
+              <a:picLocks noChangeAspect="1"/>
+            </p:cNvPicPr>
+            <p:nvPr/>
+          </p:nvPicPr>
+          <p:blipFill>
+            <a:blip r:embed="rId4">
+              <a:extLst>
+                <a:ext uri="{28A0092B-C50C-407E-A947-70E740481C1C}">
+                  <a14:useLocalDpi xmlns:a14="http://schemas.microsoft.com/office/drawing/2010/main" val="0"/>
+                </a:ext>
+              </a:extLst>
+            </a:blip>
+            <a:stretch>
+              <a:fillRect/>
+            </a:stretch>
+          </p:blipFill>
+          <p:spPr>
+            <a:xfrm>
+              <a:off x="3215543" y="2210223"/>
+              <a:ext cx="2593143" cy="2437554"/>
+            </a:xfrm>
+            <a:prstGeom prst="rect">
+              <a:avLst/>
+            </a:prstGeom>
+          </p:spPr>
+        </p:pic>
+      </p:grpSp>
     </p:spTree>
     <p:extLst>
       <p:ext uri="{BB962C8B-B14F-4D97-AF65-F5344CB8AC3E}">
-        <p14:creationId xmlns:p14="http://schemas.microsoft.com/office/powerpoint/2010/main" val="1053519732"/>
+        <p14:creationId xmlns:p14="http://schemas.microsoft.com/office/powerpoint/2010/main" val="1890980962"/>
       </p:ext>
     </p:extLst>
   </p:cSld>
@@ -24672,231 +23824,6 @@
           <a:chExt cx="0" cy="0"/>
         </a:xfrm>
       </p:grpSpPr>
-      <p:sp>
-        <p:nvSpPr>
-          <p:cNvPr id="7" name="Content Placeholder 1">
-            <a:extLst>
-              <a:ext uri="{FF2B5EF4-FFF2-40B4-BE49-F238E27FC236}">
-                <a16:creationId xmlns:a16="http://schemas.microsoft.com/office/drawing/2014/main" id="{85DE273E-42E0-636F-ADC8-BE928AD82509}"/>
-              </a:ext>
-            </a:extLst>
-          </p:cNvPr>
-          <p:cNvSpPr txBox="1">
-            <a:spLocks/>
-          </p:cNvSpPr>
-          <p:nvPr/>
-        </p:nvSpPr>
-        <p:spPr>
-          <a:xfrm>
-            <a:off x="3374131" y="6348495"/>
-            <a:ext cx="2736304" cy="455376"/>
-          </a:xfrm>
-          <a:prstGeom prst="rect">
-            <a:avLst/>
-          </a:prstGeom>
-          <a:solidFill>
-            <a:schemeClr val="bg1">
-              <a:lumMod val="85000"/>
-            </a:schemeClr>
-          </a:solidFill>
-        </p:spPr>
-        <p:txBody>
-          <a:bodyPr vert="horz" lIns="91420" tIns="45710" rIns="91420" bIns="45710" rtlCol="0">
-            <a:noAutofit/>
-          </a:bodyPr>
-          <a:lstStyle>
-            <a:lvl1pPr marL="285690" marR="0" indent="-285690" algn="ctr" defTabSz="457105" rtl="0" eaLnBrk="1" fontAlgn="auto" latinLnBrk="0" hangingPunct="1">
-              <a:lnSpc>
-                <a:spcPct val="100000"/>
-              </a:lnSpc>
-              <a:spcBef>
-                <a:spcPct val="20000"/>
-              </a:spcBef>
-              <a:spcAft>
-                <a:spcPts val="0"/>
-              </a:spcAft>
-              <a:buClrTx/>
-              <a:buSzTx/>
-              <a:buFont typeface="Arial"/>
-              <a:buNone/>
-              <a:tabLst/>
-              <a:defRPr sz="2000" b="0" i="0" kern="1200" baseline="0">
-                <a:solidFill>
-                  <a:schemeClr val="bg1"/>
-                </a:solidFill>
-                <a:latin typeface="+mn-lt"/>
-                <a:ea typeface="+mn-ea"/>
-                <a:cs typeface="CiscoSans ExtraLight"/>
-              </a:defRPr>
-            </a:lvl1pPr>
-            <a:lvl2pPr marL="742950" indent="-285750" algn="l" defTabSz="914400" rtl="0" eaLnBrk="1" latinLnBrk="0" hangingPunct="1">
-              <a:spcBef>
-                <a:spcPct val="20000"/>
-              </a:spcBef>
-              <a:buFont typeface="Arial" pitchFamily="34" charset="0"/>
-              <a:buChar char="–"/>
-              <a:defRPr sz="2800" kern="1200">
-                <a:solidFill>
-                  <a:schemeClr val="tx1"/>
-                </a:solidFill>
-                <a:latin typeface="+mn-lt"/>
-                <a:ea typeface="+mn-ea"/>
-                <a:cs typeface="+mn-cs"/>
-              </a:defRPr>
-            </a:lvl2pPr>
-            <a:lvl3pPr marL="1143000" indent="-228600" algn="l" defTabSz="914400" rtl="0" eaLnBrk="1" latinLnBrk="0" hangingPunct="1">
-              <a:spcBef>
-                <a:spcPct val="20000"/>
-              </a:spcBef>
-              <a:buFont typeface="Arial" pitchFamily="34" charset="0"/>
-              <a:buChar char="•"/>
-              <a:defRPr sz="2400" kern="1200">
-                <a:solidFill>
-                  <a:schemeClr val="tx1"/>
-                </a:solidFill>
-                <a:latin typeface="+mn-lt"/>
-                <a:ea typeface="+mn-ea"/>
-                <a:cs typeface="+mn-cs"/>
-              </a:defRPr>
-            </a:lvl3pPr>
-            <a:lvl4pPr marL="1600200" indent="-228600" algn="l" defTabSz="914400" rtl="0" eaLnBrk="1" latinLnBrk="0" hangingPunct="1">
-              <a:spcBef>
-                <a:spcPct val="20000"/>
-              </a:spcBef>
-              <a:buFont typeface="Arial" pitchFamily="34" charset="0"/>
-              <a:buChar char="–"/>
-              <a:defRPr sz="2000" kern="1200">
-                <a:solidFill>
-                  <a:schemeClr val="tx1"/>
-                </a:solidFill>
-                <a:latin typeface="+mn-lt"/>
-                <a:ea typeface="+mn-ea"/>
-                <a:cs typeface="+mn-cs"/>
-              </a:defRPr>
-            </a:lvl4pPr>
-            <a:lvl5pPr marL="2057400" indent="-228600" algn="l" defTabSz="914400" rtl="0" eaLnBrk="1" latinLnBrk="0" hangingPunct="1">
-              <a:spcBef>
-                <a:spcPct val="20000"/>
-              </a:spcBef>
-              <a:buFont typeface="Arial" pitchFamily="34" charset="0"/>
-              <a:buChar char="»"/>
-              <a:defRPr sz="2000" kern="1200">
-                <a:solidFill>
-                  <a:schemeClr val="tx1"/>
-                </a:solidFill>
-                <a:latin typeface="+mn-lt"/>
-                <a:ea typeface="+mn-ea"/>
-                <a:cs typeface="+mn-cs"/>
-              </a:defRPr>
-            </a:lvl5pPr>
-            <a:lvl6pPr marL="2514600" indent="-228600" algn="l" defTabSz="914400" rtl="0" eaLnBrk="1" latinLnBrk="0" hangingPunct="1">
-              <a:spcBef>
-                <a:spcPct val="20000"/>
-              </a:spcBef>
-              <a:buFont typeface="Arial" pitchFamily="34" charset="0"/>
-              <a:buChar char="•"/>
-              <a:defRPr sz="2000" kern="1200">
-                <a:solidFill>
-                  <a:schemeClr val="tx1"/>
-                </a:solidFill>
-                <a:latin typeface="+mn-lt"/>
-                <a:ea typeface="+mn-ea"/>
-                <a:cs typeface="+mn-cs"/>
-              </a:defRPr>
-            </a:lvl6pPr>
-            <a:lvl7pPr marL="2971800" indent="-228600" algn="l" defTabSz="914400" rtl="0" eaLnBrk="1" latinLnBrk="0" hangingPunct="1">
-              <a:spcBef>
-                <a:spcPct val="20000"/>
-              </a:spcBef>
-              <a:buFont typeface="Arial" pitchFamily="34" charset="0"/>
-              <a:buChar char="•"/>
-              <a:defRPr sz="2000" kern="1200">
-                <a:solidFill>
-                  <a:schemeClr val="tx1"/>
-                </a:solidFill>
-                <a:latin typeface="+mn-lt"/>
-                <a:ea typeface="+mn-ea"/>
-                <a:cs typeface="+mn-cs"/>
-              </a:defRPr>
-            </a:lvl7pPr>
-            <a:lvl8pPr marL="3429000" indent="-228600" algn="l" defTabSz="914400" rtl="0" eaLnBrk="1" latinLnBrk="0" hangingPunct="1">
-              <a:spcBef>
-                <a:spcPct val="20000"/>
-              </a:spcBef>
-              <a:buFont typeface="Arial" pitchFamily="34" charset="0"/>
-              <a:buChar char="•"/>
-              <a:defRPr sz="2000" kern="1200">
-                <a:solidFill>
-                  <a:schemeClr val="tx1"/>
-                </a:solidFill>
-                <a:latin typeface="+mn-lt"/>
-                <a:ea typeface="+mn-ea"/>
-                <a:cs typeface="+mn-cs"/>
-              </a:defRPr>
-            </a:lvl8pPr>
-            <a:lvl9pPr marL="3886200" indent="-228600" algn="l" defTabSz="914400" rtl="0" eaLnBrk="1" latinLnBrk="0" hangingPunct="1">
-              <a:spcBef>
-                <a:spcPct val="20000"/>
-              </a:spcBef>
-              <a:buFont typeface="Arial" pitchFamily="34" charset="0"/>
-              <a:buChar char="•"/>
-              <a:defRPr sz="2000" kern="1200">
-                <a:solidFill>
-                  <a:schemeClr val="tx1"/>
-                </a:solidFill>
-                <a:latin typeface="+mn-lt"/>
-                <a:ea typeface="+mn-ea"/>
-                <a:cs typeface="+mn-cs"/>
-              </a:defRPr>
-            </a:lvl9pPr>
-          </a:lstStyle>
-          <a:p>
-            <a:pPr indent="0" algn="just">
-              <a:lnSpc>
-                <a:spcPct val="150000"/>
-              </a:lnSpc>
-              <a:spcBef>
-                <a:spcPts val="0"/>
-              </a:spcBef>
-            </a:pPr>
-            <a:r>
-              <a:rPr lang="es-ES" sz="1800" dirty="0">
-                <a:solidFill>
-                  <a:schemeClr val="tx1"/>
-                </a:solidFill>
-                <a:latin typeface="Arial" panose="020B0604020202020204" pitchFamily="34" charset="0"/>
-                <a:cs typeface="Arial" panose="020B0604020202020204" pitchFamily="34" charset="0"/>
-              </a:rPr>
-              <a:t>WAN IP empresarial</a:t>
-            </a:r>
-            <a:endParaRPr lang="es-ES" sz="1800" dirty="0">
-              <a:solidFill>
-                <a:schemeClr val="accent6">
-                  <a:lumMod val="75000"/>
-                </a:schemeClr>
-              </a:solidFill>
-              <a:latin typeface="Arial" panose="020B0604020202020204" pitchFamily="34" charset="0"/>
-              <a:cs typeface="Arial" panose="020B0604020202020204" pitchFamily="34" charset="0"/>
-            </a:endParaRPr>
-          </a:p>
-          <a:p>
-            <a:pPr marL="1028700" lvl="1" algn="just">
-              <a:lnSpc>
-                <a:spcPct val="150000"/>
-              </a:lnSpc>
-              <a:spcBef>
-                <a:spcPts val="0"/>
-              </a:spcBef>
-              <a:buFont typeface="Courier New" panose="02070309020205020404" pitchFamily="49" charset="0"/>
-              <a:buChar char="o"/>
-            </a:pPr>
-            <a:endParaRPr lang="en-US" sz="2600" dirty="0">
-              <a:latin typeface="Arial" panose="020B0604020202020204" pitchFamily="34" charset="0"/>
-              <a:cs typeface="Arial" panose="020B0604020202020204" pitchFamily="34" charset="0"/>
-            </a:endParaRPr>
-          </a:p>
-        </p:txBody>
-      </p:sp>
       <p:pic>
         <p:nvPicPr>
           <p:cNvPr id="6" name="Imagen 5">
@@ -24919,8 +23846,8 @@
         </p:blipFill>
         <p:spPr>
           <a:xfrm>
-            <a:off x="611560" y="3660516"/>
-            <a:ext cx="7818039" cy="2750064"/>
+            <a:off x="179512" y="3573016"/>
+            <a:ext cx="8784976" cy="3090192"/>
           </a:xfrm>
           <a:prstGeom prst="rect">
             <a:avLst/>
@@ -24939,8 +23866,8 @@
         </p:nvSpPr>
         <p:spPr>
           <a:xfrm>
-            <a:off x="421803" y="1772816"/>
-            <a:ext cx="5688632" cy="757698"/>
+            <a:off x="179512" y="1180721"/>
+            <a:ext cx="8784976" cy="2248279"/>
           </a:xfrm>
         </p:spPr>
         <p:txBody>
@@ -24958,39 +23885,59 @@
             <a:r>
               <a:rPr lang="es-ES" sz="1800" dirty="0">
                 <a:solidFill>
-                  <a:schemeClr val="tx1"/>
-                </a:solidFill>
-                <a:latin typeface="Arial" panose="020B0604020202020204" pitchFamily="34" charset="0"/>
-                <a:cs typeface="Arial" panose="020B0604020202020204" pitchFamily="34" charset="0"/>
-              </a:rPr>
-              <a:t>Las </a:t>
+                  <a:schemeClr val="tx1">
+                    <a:lumMod val="95000"/>
+                    <a:lumOff val="5000"/>
+                  </a:schemeClr>
+                </a:solidFill>
+                <a:latin typeface="Arial" panose="020B0604020202020204" pitchFamily="34" charset="0"/>
+                <a:cs typeface="Arial" panose="020B0604020202020204" pitchFamily="34" charset="0"/>
+              </a:rPr>
+              <a:t>Sin embargo, los diferentes tipos de tráfico ahora tienen que competir por el </a:t>
             </a:r>
             <a:r>
               <a:rPr lang="es-ES" sz="1800" b="1" dirty="0">
                 <a:solidFill>
-                  <a:schemeClr val="accent6">
-                    <a:lumMod val="75000"/>
-                  </a:schemeClr>
-                </a:solidFill>
-                <a:latin typeface="Arial" panose="020B0604020202020204" pitchFamily="34" charset="0"/>
-                <a:cs typeface="Arial" panose="020B0604020202020204" pitchFamily="34" charset="0"/>
-              </a:rPr>
-              <a:t>redes convergentes </a:t>
-            </a:r>
+                  <a:schemeClr val="tx1">
+                    <a:lumMod val="95000"/>
+                    <a:lumOff val="5000"/>
+                  </a:schemeClr>
+                </a:solidFill>
+                <a:latin typeface="Arial" panose="020B0604020202020204" pitchFamily="34" charset="0"/>
+                <a:cs typeface="Arial" panose="020B0604020202020204" pitchFamily="34" charset="0"/>
+              </a:rPr>
+              <a:t>ancho de banda. </a:t>
+            </a:r>
+          </a:p>
+          <a:p>
+            <a:pPr marL="571440" indent="-285750" algn="just">
+              <a:lnSpc>
+                <a:spcPct val="150000"/>
+              </a:lnSpc>
+              <a:spcBef>
+                <a:spcPts val="0"/>
+              </a:spcBef>
+              <a:buFont typeface="Arial" panose="020B0604020202020204" pitchFamily="34" charset="0"/>
+              <a:buChar char="•"/>
+            </a:pPr>
             <a:r>
               <a:rPr lang="es-ES" sz="1800" dirty="0">
                 <a:solidFill>
-                  <a:schemeClr val="tx1"/>
-                </a:solidFill>
-                <a:latin typeface="Arial" panose="020B0604020202020204" pitchFamily="34" charset="0"/>
-                <a:cs typeface="Arial" panose="020B0604020202020204" pitchFamily="34" charset="0"/>
-              </a:rPr>
-              <a:t>permiten ahorrar costos.</a:t>
-            </a:r>
-            <a:endParaRPr lang="en-US" sz="2600" b="1" dirty="0">
+                  <a:schemeClr val="tx1">
+                    <a:lumMod val="95000"/>
+                    <a:lumOff val="5000"/>
+                  </a:schemeClr>
+                </a:solidFill>
+                <a:latin typeface="Arial" panose="020B0604020202020204" pitchFamily="34" charset="0"/>
+                <a:cs typeface="Arial" panose="020B0604020202020204" pitchFamily="34" charset="0"/>
+              </a:rPr>
+              <a:t>Si hay mucho ancho de banda disponible y la red no está congestionada, esto no es un problema, pero una red ocupada puede traer problemas para el tráfico de voz y video que es sensible a situaciones como la demora.</a:t>
+            </a:r>
+            <a:endParaRPr lang="en-US" sz="2600" dirty="0">
               <a:solidFill>
-                <a:schemeClr val="accent6">
-                  <a:lumMod val="75000"/>
+                <a:schemeClr val="tx1">
+                  <a:lumMod val="95000"/>
+                  <a:lumOff val="5000"/>
                 </a:schemeClr>
               </a:solidFill>
               <a:latin typeface="Arial" panose="020B0604020202020204" pitchFamily="34" charset="0"/>
@@ -25220,46 +24167,10 @@
           </a:p>
         </p:txBody>
       </p:sp>
-      <p:pic>
-        <p:nvPicPr>
-          <p:cNvPr id="5" name="Imagen 4" descr="Gráfico, Gráfico de burbujas&#10;&#10;Descripción generada automáticamente">
-            <a:extLst>
-              <a:ext uri="{FF2B5EF4-FFF2-40B4-BE49-F238E27FC236}">
-                <a16:creationId xmlns:a16="http://schemas.microsoft.com/office/drawing/2014/main" id="{A4780E3E-4403-CF41-FA2B-F786CE54AE56}"/>
-              </a:ext>
-            </a:extLst>
-          </p:cNvPr>
-          <p:cNvPicPr>
-            <a:picLocks noChangeAspect="1"/>
-          </p:cNvPicPr>
-          <p:nvPr/>
-        </p:nvPicPr>
-        <p:blipFill>
-          <a:blip r:embed="rId4">
-            <a:extLst>
-              <a:ext uri="{28A0092B-C50C-407E-A947-70E740481C1C}">
-                <a14:useLocalDpi xmlns:a14="http://schemas.microsoft.com/office/drawing/2010/main" val="0"/>
-              </a:ext>
-            </a:extLst>
-          </a:blip>
-          <a:stretch>
-            <a:fillRect/>
-          </a:stretch>
-        </p:blipFill>
-        <p:spPr>
-          <a:xfrm>
-            <a:off x="6372200" y="1172541"/>
-            <a:ext cx="2593143" cy="2437554"/>
-          </a:xfrm>
-          <a:prstGeom prst="rect">
-            <a:avLst/>
-          </a:prstGeom>
-        </p:spPr>
-      </p:pic>
     </p:spTree>
     <p:extLst>
       <p:ext uri="{BB962C8B-B14F-4D97-AF65-F5344CB8AC3E}">
-        <p14:creationId xmlns:p14="http://schemas.microsoft.com/office/powerpoint/2010/main" val="1890980962"/>
+        <p14:creationId xmlns:p14="http://schemas.microsoft.com/office/powerpoint/2010/main" val="3144528850"/>
       </p:ext>
     </p:extLst>
   </p:cSld>
